--- a/EducacionContinua/EEOI/Maqueta Módulos 0 y 1_Expresión escrita y oral en inglés-16jul2022.pptx
+++ b/EducacionContinua/EEOI/Maqueta Módulos 0 y 1_Expresión escrita y oral en inglés-16jul2022.pptx
@@ -5,7 +5,7 @@
     <p:sldMasterId id="2147483648" r:id="rId1"/>
   </p:sldMasterIdLst>
   <p:notesMasterIdLst>
-    <p:notesMasterId r:id="rId23"/>
+    <p:notesMasterId r:id="rId21"/>
   </p:notesMasterIdLst>
   <p:sldIdLst>
     <p:sldId id="289" r:id="rId2"/>
@@ -27,8 +27,6 @@
     <p:sldId id="302" r:id="rId18"/>
     <p:sldId id="306" r:id="rId19"/>
     <p:sldId id="309" r:id="rId20"/>
-    <p:sldId id="290" r:id="rId21"/>
-    <p:sldId id="267" r:id="rId22"/>
   </p:sldIdLst>
   <p:sldSz cx="12192000" cy="6858000"/>
   <p:notesSz cx="6858000" cy="9144000"/>
@@ -223,7 +221,7 @@
           <a:p>
             <a:fld id="{B5EBCA08-BC94-4F1A-962A-F0ACE578AA86}" type="datetimeFigureOut">
               <a:rPr lang="es-MX" smtClean="0"/>
-              <a:t>15/08/2022</a:t>
+              <a:t>16/08/2022</a:t>
             </a:fld>
             <a:endParaRPr lang="es-MX"/>
           </a:p>
@@ -513,7 +511,7 @@
           <p:cNvPr id="2" name="Título 1">
             <a:extLst>
               <a:ext uri="{FF2B5EF4-FFF2-40B4-BE49-F238E27FC236}">
-                <a16:creationId xmlns:a16="http://schemas.microsoft.com/office/drawing/2014/main" xmlns="" id="{84542976-68FE-41FB-BFC6-F863F105FC02}"/>
+                <a16:creationId xmlns="" xmlns:a16="http://schemas.microsoft.com/office/drawing/2014/main" id="{84542976-68FE-41FB-BFC6-F863F105FC02}"/>
               </a:ext>
             </a:extLst>
           </p:cNvPr>
@@ -551,7 +549,7 @@
           <p:cNvPr id="3" name="Subtítulo 2">
             <a:extLst>
               <a:ext uri="{FF2B5EF4-FFF2-40B4-BE49-F238E27FC236}">
-                <a16:creationId xmlns:a16="http://schemas.microsoft.com/office/drawing/2014/main" xmlns="" id="{E713372C-4E40-476E-AB60-DD6A15F3E402}"/>
+                <a16:creationId xmlns="" xmlns:a16="http://schemas.microsoft.com/office/drawing/2014/main" id="{E713372C-4E40-476E-AB60-DD6A15F3E402}"/>
               </a:ext>
             </a:extLst>
           </p:cNvPr>
@@ -622,7 +620,7 @@
           <p:cNvPr id="4" name="Marcador de fecha 3">
             <a:extLst>
               <a:ext uri="{FF2B5EF4-FFF2-40B4-BE49-F238E27FC236}">
-                <a16:creationId xmlns:a16="http://schemas.microsoft.com/office/drawing/2014/main" xmlns="" id="{6835E749-9139-492E-BCB0-AB65E3E05707}"/>
+                <a16:creationId xmlns="" xmlns:a16="http://schemas.microsoft.com/office/drawing/2014/main" id="{6835E749-9139-492E-BCB0-AB65E3E05707}"/>
               </a:ext>
             </a:extLst>
           </p:cNvPr>
@@ -640,7 +638,7 @@
           <a:p>
             <a:fld id="{3D5A02A1-19C7-41C7-9852-E15F2A2AD06A}" type="datetimeFigureOut">
               <a:rPr lang="es-MX" smtClean="0"/>
-              <a:t>15/08/2022</a:t>
+              <a:t>16/08/2022</a:t>
             </a:fld>
             <a:endParaRPr lang="es-MX"/>
           </a:p>
@@ -651,7 +649,7 @@
           <p:cNvPr id="5" name="Marcador de pie de página 4">
             <a:extLst>
               <a:ext uri="{FF2B5EF4-FFF2-40B4-BE49-F238E27FC236}">
-                <a16:creationId xmlns:a16="http://schemas.microsoft.com/office/drawing/2014/main" xmlns="" id="{03C3A20B-3398-4246-9CA3-903F9FFD4066}"/>
+                <a16:creationId xmlns="" xmlns:a16="http://schemas.microsoft.com/office/drawing/2014/main" id="{03C3A20B-3398-4246-9CA3-903F9FFD4066}"/>
               </a:ext>
             </a:extLst>
           </p:cNvPr>
@@ -676,7 +674,7 @@
           <p:cNvPr id="6" name="Marcador de número de diapositiva 5">
             <a:extLst>
               <a:ext uri="{FF2B5EF4-FFF2-40B4-BE49-F238E27FC236}">
-                <a16:creationId xmlns:a16="http://schemas.microsoft.com/office/drawing/2014/main" xmlns="" id="{E4818410-F319-4F48-A68C-768AE5861039}"/>
+                <a16:creationId xmlns="" xmlns:a16="http://schemas.microsoft.com/office/drawing/2014/main" id="{E4818410-F319-4F48-A68C-768AE5861039}"/>
               </a:ext>
             </a:extLst>
           </p:cNvPr>
@@ -735,7 +733,7 @@
           <p:cNvPr id="2" name="Título 1">
             <a:extLst>
               <a:ext uri="{FF2B5EF4-FFF2-40B4-BE49-F238E27FC236}">
-                <a16:creationId xmlns:a16="http://schemas.microsoft.com/office/drawing/2014/main" xmlns="" id="{6513C990-64BB-4B79-9C34-4656C48DF01F}"/>
+                <a16:creationId xmlns="" xmlns:a16="http://schemas.microsoft.com/office/drawing/2014/main" id="{6513C990-64BB-4B79-9C34-4656C48DF01F}"/>
               </a:ext>
             </a:extLst>
           </p:cNvPr>
@@ -764,7 +762,7 @@
           <p:cNvPr id="3" name="Marcador de texto vertical 2">
             <a:extLst>
               <a:ext uri="{FF2B5EF4-FFF2-40B4-BE49-F238E27FC236}">
-                <a16:creationId xmlns:a16="http://schemas.microsoft.com/office/drawing/2014/main" xmlns="" id="{D01671C3-418D-4DBE-AF9C-EA0ADB1A181C}"/>
+                <a16:creationId xmlns="" xmlns:a16="http://schemas.microsoft.com/office/drawing/2014/main" id="{D01671C3-418D-4DBE-AF9C-EA0ADB1A181C}"/>
               </a:ext>
             </a:extLst>
           </p:cNvPr>
@@ -822,7 +820,7 @@
           <p:cNvPr id="4" name="Marcador de fecha 3">
             <a:extLst>
               <a:ext uri="{FF2B5EF4-FFF2-40B4-BE49-F238E27FC236}">
-                <a16:creationId xmlns:a16="http://schemas.microsoft.com/office/drawing/2014/main" xmlns="" id="{EFAD806B-4AEE-4173-B8B0-06FFA715A45A}"/>
+                <a16:creationId xmlns="" xmlns:a16="http://schemas.microsoft.com/office/drawing/2014/main" id="{EFAD806B-4AEE-4173-B8B0-06FFA715A45A}"/>
               </a:ext>
             </a:extLst>
           </p:cNvPr>
@@ -840,7 +838,7 @@
           <a:p>
             <a:fld id="{3D5A02A1-19C7-41C7-9852-E15F2A2AD06A}" type="datetimeFigureOut">
               <a:rPr lang="es-MX" smtClean="0"/>
-              <a:t>15/08/2022</a:t>
+              <a:t>16/08/2022</a:t>
             </a:fld>
             <a:endParaRPr lang="es-MX"/>
           </a:p>
@@ -851,7 +849,7 @@
           <p:cNvPr id="5" name="Marcador de pie de página 4">
             <a:extLst>
               <a:ext uri="{FF2B5EF4-FFF2-40B4-BE49-F238E27FC236}">
-                <a16:creationId xmlns:a16="http://schemas.microsoft.com/office/drawing/2014/main" xmlns="" id="{F3509985-87D5-413E-B88C-09FF933A5496}"/>
+                <a16:creationId xmlns="" xmlns:a16="http://schemas.microsoft.com/office/drawing/2014/main" id="{F3509985-87D5-413E-B88C-09FF933A5496}"/>
               </a:ext>
             </a:extLst>
           </p:cNvPr>
@@ -876,7 +874,7 @@
           <p:cNvPr id="6" name="Marcador de número de diapositiva 5">
             <a:extLst>
               <a:ext uri="{FF2B5EF4-FFF2-40B4-BE49-F238E27FC236}">
-                <a16:creationId xmlns:a16="http://schemas.microsoft.com/office/drawing/2014/main" xmlns="" id="{3AB9CECE-B60D-456B-A79D-347A0F70100F}"/>
+                <a16:creationId xmlns="" xmlns:a16="http://schemas.microsoft.com/office/drawing/2014/main" id="{3AB9CECE-B60D-456B-A79D-347A0F70100F}"/>
               </a:ext>
             </a:extLst>
           </p:cNvPr>
@@ -935,7 +933,7 @@
           <p:cNvPr id="2" name="Título vertical 1">
             <a:extLst>
               <a:ext uri="{FF2B5EF4-FFF2-40B4-BE49-F238E27FC236}">
-                <a16:creationId xmlns:a16="http://schemas.microsoft.com/office/drawing/2014/main" xmlns="" id="{EC0AA356-EF55-48EB-92DE-CBD0311EF965}"/>
+                <a16:creationId xmlns="" xmlns:a16="http://schemas.microsoft.com/office/drawing/2014/main" id="{EC0AA356-EF55-48EB-92DE-CBD0311EF965}"/>
               </a:ext>
             </a:extLst>
           </p:cNvPr>
@@ -969,7 +967,7 @@
           <p:cNvPr id="3" name="Marcador de texto vertical 2">
             <a:extLst>
               <a:ext uri="{FF2B5EF4-FFF2-40B4-BE49-F238E27FC236}">
-                <a16:creationId xmlns:a16="http://schemas.microsoft.com/office/drawing/2014/main" xmlns="" id="{05041A8D-0B54-4E1B-95ED-CC8BC0B42E32}"/>
+                <a16:creationId xmlns="" xmlns:a16="http://schemas.microsoft.com/office/drawing/2014/main" id="{05041A8D-0B54-4E1B-95ED-CC8BC0B42E32}"/>
               </a:ext>
             </a:extLst>
           </p:cNvPr>
@@ -1032,7 +1030,7 @@
           <p:cNvPr id="4" name="Marcador de fecha 3">
             <a:extLst>
               <a:ext uri="{FF2B5EF4-FFF2-40B4-BE49-F238E27FC236}">
-                <a16:creationId xmlns:a16="http://schemas.microsoft.com/office/drawing/2014/main" xmlns="" id="{0CCF75C5-D984-4962-9CEA-070F96D09A18}"/>
+                <a16:creationId xmlns="" xmlns:a16="http://schemas.microsoft.com/office/drawing/2014/main" id="{0CCF75C5-D984-4962-9CEA-070F96D09A18}"/>
               </a:ext>
             </a:extLst>
           </p:cNvPr>
@@ -1050,7 +1048,7 @@
           <a:p>
             <a:fld id="{3D5A02A1-19C7-41C7-9852-E15F2A2AD06A}" type="datetimeFigureOut">
               <a:rPr lang="es-MX" smtClean="0"/>
-              <a:t>15/08/2022</a:t>
+              <a:t>16/08/2022</a:t>
             </a:fld>
             <a:endParaRPr lang="es-MX"/>
           </a:p>
@@ -1061,7 +1059,7 @@
           <p:cNvPr id="5" name="Marcador de pie de página 4">
             <a:extLst>
               <a:ext uri="{FF2B5EF4-FFF2-40B4-BE49-F238E27FC236}">
-                <a16:creationId xmlns:a16="http://schemas.microsoft.com/office/drawing/2014/main" xmlns="" id="{A3ADA9B3-716F-4E03-AA3F-0B1E3248276C}"/>
+                <a16:creationId xmlns="" xmlns:a16="http://schemas.microsoft.com/office/drawing/2014/main" id="{A3ADA9B3-716F-4E03-AA3F-0B1E3248276C}"/>
               </a:ext>
             </a:extLst>
           </p:cNvPr>
@@ -1086,7 +1084,7 @@
           <p:cNvPr id="6" name="Marcador de número de diapositiva 5">
             <a:extLst>
               <a:ext uri="{FF2B5EF4-FFF2-40B4-BE49-F238E27FC236}">
-                <a16:creationId xmlns:a16="http://schemas.microsoft.com/office/drawing/2014/main" xmlns="" id="{D8F20CA5-71F5-417F-B38A-9402AEEBF17B}"/>
+                <a16:creationId xmlns="" xmlns:a16="http://schemas.microsoft.com/office/drawing/2014/main" id="{D8F20CA5-71F5-417F-B38A-9402AEEBF17B}"/>
               </a:ext>
             </a:extLst>
           </p:cNvPr>
@@ -1145,7 +1143,7 @@
           <p:cNvPr id="2" name="Título 1">
             <a:extLst>
               <a:ext uri="{FF2B5EF4-FFF2-40B4-BE49-F238E27FC236}">
-                <a16:creationId xmlns:a16="http://schemas.microsoft.com/office/drawing/2014/main" xmlns="" id="{672B1A2C-B39A-45CD-923C-B174A991133B}"/>
+                <a16:creationId xmlns="" xmlns:a16="http://schemas.microsoft.com/office/drawing/2014/main" id="{672B1A2C-B39A-45CD-923C-B174A991133B}"/>
               </a:ext>
             </a:extLst>
           </p:cNvPr>
@@ -1174,7 +1172,7 @@
           <p:cNvPr id="3" name="Marcador de contenido 2">
             <a:extLst>
               <a:ext uri="{FF2B5EF4-FFF2-40B4-BE49-F238E27FC236}">
-                <a16:creationId xmlns:a16="http://schemas.microsoft.com/office/drawing/2014/main" xmlns="" id="{1112C46D-999F-48F4-AA52-8A9B3D495397}"/>
+                <a16:creationId xmlns="" xmlns:a16="http://schemas.microsoft.com/office/drawing/2014/main" id="{1112C46D-999F-48F4-AA52-8A9B3D495397}"/>
               </a:ext>
             </a:extLst>
           </p:cNvPr>
@@ -1232,7 +1230,7 @@
           <p:cNvPr id="4" name="Marcador de fecha 3">
             <a:extLst>
               <a:ext uri="{FF2B5EF4-FFF2-40B4-BE49-F238E27FC236}">
-                <a16:creationId xmlns:a16="http://schemas.microsoft.com/office/drawing/2014/main" xmlns="" id="{97938848-CB4F-42F8-B2F4-8BD2515D6AD8}"/>
+                <a16:creationId xmlns="" xmlns:a16="http://schemas.microsoft.com/office/drawing/2014/main" id="{97938848-CB4F-42F8-B2F4-8BD2515D6AD8}"/>
               </a:ext>
             </a:extLst>
           </p:cNvPr>
@@ -1250,7 +1248,7 @@
           <a:p>
             <a:fld id="{3D5A02A1-19C7-41C7-9852-E15F2A2AD06A}" type="datetimeFigureOut">
               <a:rPr lang="es-MX" smtClean="0"/>
-              <a:t>15/08/2022</a:t>
+              <a:t>16/08/2022</a:t>
             </a:fld>
             <a:endParaRPr lang="es-MX"/>
           </a:p>
@@ -1261,7 +1259,7 @@
           <p:cNvPr id="5" name="Marcador de pie de página 4">
             <a:extLst>
               <a:ext uri="{FF2B5EF4-FFF2-40B4-BE49-F238E27FC236}">
-                <a16:creationId xmlns:a16="http://schemas.microsoft.com/office/drawing/2014/main" xmlns="" id="{C4336BF1-C02A-4CFF-91B0-4FFA0B243A9E}"/>
+                <a16:creationId xmlns="" xmlns:a16="http://schemas.microsoft.com/office/drawing/2014/main" id="{C4336BF1-C02A-4CFF-91B0-4FFA0B243A9E}"/>
               </a:ext>
             </a:extLst>
           </p:cNvPr>
@@ -1286,7 +1284,7 @@
           <p:cNvPr id="6" name="Marcador de número de diapositiva 5">
             <a:extLst>
               <a:ext uri="{FF2B5EF4-FFF2-40B4-BE49-F238E27FC236}">
-                <a16:creationId xmlns:a16="http://schemas.microsoft.com/office/drawing/2014/main" xmlns="" id="{2F9E1016-A1FB-46F3-9122-2DB3BF1DCF8A}"/>
+                <a16:creationId xmlns="" xmlns:a16="http://schemas.microsoft.com/office/drawing/2014/main" id="{2F9E1016-A1FB-46F3-9122-2DB3BF1DCF8A}"/>
               </a:ext>
             </a:extLst>
           </p:cNvPr>
@@ -1345,7 +1343,7 @@
           <p:cNvPr id="2" name="Título 1">
             <a:extLst>
               <a:ext uri="{FF2B5EF4-FFF2-40B4-BE49-F238E27FC236}">
-                <a16:creationId xmlns:a16="http://schemas.microsoft.com/office/drawing/2014/main" xmlns="" id="{4DDDFB77-28B1-4E6C-BC85-4B901FBDA7DC}"/>
+                <a16:creationId xmlns="" xmlns:a16="http://schemas.microsoft.com/office/drawing/2014/main" id="{4DDDFB77-28B1-4E6C-BC85-4B901FBDA7DC}"/>
               </a:ext>
             </a:extLst>
           </p:cNvPr>
@@ -1383,7 +1381,7 @@
           <p:cNvPr id="3" name="Marcador de texto 2">
             <a:extLst>
               <a:ext uri="{FF2B5EF4-FFF2-40B4-BE49-F238E27FC236}">
-                <a16:creationId xmlns:a16="http://schemas.microsoft.com/office/drawing/2014/main" xmlns="" id="{4791464F-B478-4C32-91A6-23F08FC5438A}"/>
+                <a16:creationId xmlns="" xmlns:a16="http://schemas.microsoft.com/office/drawing/2014/main" id="{4791464F-B478-4C32-91A6-23F08FC5438A}"/>
               </a:ext>
             </a:extLst>
           </p:cNvPr>
@@ -1508,7 +1506,7 @@
           <p:cNvPr id="4" name="Marcador de fecha 3">
             <a:extLst>
               <a:ext uri="{FF2B5EF4-FFF2-40B4-BE49-F238E27FC236}">
-                <a16:creationId xmlns:a16="http://schemas.microsoft.com/office/drawing/2014/main" xmlns="" id="{D7726C9A-20EB-41B5-AB8C-7D1B67828D19}"/>
+                <a16:creationId xmlns="" xmlns:a16="http://schemas.microsoft.com/office/drawing/2014/main" id="{D7726C9A-20EB-41B5-AB8C-7D1B67828D19}"/>
               </a:ext>
             </a:extLst>
           </p:cNvPr>
@@ -1526,7 +1524,7 @@
           <a:p>
             <a:fld id="{3D5A02A1-19C7-41C7-9852-E15F2A2AD06A}" type="datetimeFigureOut">
               <a:rPr lang="es-MX" smtClean="0"/>
-              <a:t>15/08/2022</a:t>
+              <a:t>16/08/2022</a:t>
             </a:fld>
             <a:endParaRPr lang="es-MX"/>
           </a:p>
@@ -1537,7 +1535,7 @@
           <p:cNvPr id="5" name="Marcador de pie de página 4">
             <a:extLst>
               <a:ext uri="{FF2B5EF4-FFF2-40B4-BE49-F238E27FC236}">
-                <a16:creationId xmlns:a16="http://schemas.microsoft.com/office/drawing/2014/main" xmlns="" id="{96B959CA-887F-4163-9BF3-9CC57D56EDE3}"/>
+                <a16:creationId xmlns="" xmlns:a16="http://schemas.microsoft.com/office/drawing/2014/main" id="{96B959CA-887F-4163-9BF3-9CC57D56EDE3}"/>
               </a:ext>
             </a:extLst>
           </p:cNvPr>
@@ -1562,7 +1560,7 @@
           <p:cNvPr id="6" name="Marcador de número de diapositiva 5">
             <a:extLst>
               <a:ext uri="{FF2B5EF4-FFF2-40B4-BE49-F238E27FC236}">
-                <a16:creationId xmlns:a16="http://schemas.microsoft.com/office/drawing/2014/main" xmlns="" id="{F215044D-CC58-469D-B4F7-CB13CAA88E29}"/>
+                <a16:creationId xmlns="" xmlns:a16="http://schemas.microsoft.com/office/drawing/2014/main" id="{F215044D-CC58-469D-B4F7-CB13CAA88E29}"/>
               </a:ext>
             </a:extLst>
           </p:cNvPr>
@@ -1621,7 +1619,7 @@
           <p:cNvPr id="2" name="Título 1">
             <a:extLst>
               <a:ext uri="{FF2B5EF4-FFF2-40B4-BE49-F238E27FC236}">
-                <a16:creationId xmlns:a16="http://schemas.microsoft.com/office/drawing/2014/main" xmlns="" id="{8E5DC3DD-7C7C-49AF-BCFF-291AE331DBF8}"/>
+                <a16:creationId xmlns="" xmlns:a16="http://schemas.microsoft.com/office/drawing/2014/main" id="{8E5DC3DD-7C7C-49AF-BCFF-291AE331DBF8}"/>
               </a:ext>
             </a:extLst>
           </p:cNvPr>
@@ -1650,7 +1648,7 @@
           <p:cNvPr id="3" name="Marcador de contenido 2">
             <a:extLst>
               <a:ext uri="{FF2B5EF4-FFF2-40B4-BE49-F238E27FC236}">
-                <a16:creationId xmlns:a16="http://schemas.microsoft.com/office/drawing/2014/main" xmlns="" id="{FCEF03F8-8D6F-4A31-A101-D0227E7C9FC7}"/>
+                <a16:creationId xmlns="" xmlns:a16="http://schemas.microsoft.com/office/drawing/2014/main" id="{FCEF03F8-8D6F-4A31-A101-D0227E7C9FC7}"/>
               </a:ext>
             </a:extLst>
           </p:cNvPr>
@@ -1713,7 +1711,7 @@
           <p:cNvPr id="4" name="Marcador de contenido 3">
             <a:extLst>
               <a:ext uri="{FF2B5EF4-FFF2-40B4-BE49-F238E27FC236}">
-                <a16:creationId xmlns:a16="http://schemas.microsoft.com/office/drawing/2014/main" xmlns="" id="{46050247-6B0D-4519-8589-9CD2639F7336}"/>
+                <a16:creationId xmlns="" xmlns:a16="http://schemas.microsoft.com/office/drawing/2014/main" id="{46050247-6B0D-4519-8589-9CD2639F7336}"/>
               </a:ext>
             </a:extLst>
           </p:cNvPr>
@@ -1776,7 +1774,7 @@
           <p:cNvPr id="5" name="Marcador de fecha 4">
             <a:extLst>
               <a:ext uri="{FF2B5EF4-FFF2-40B4-BE49-F238E27FC236}">
-                <a16:creationId xmlns:a16="http://schemas.microsoft.com/office/drawing/2014/main" xmlns="" id="{55678276-2746-4F02-AB18-8772A7842DCD}"/>
+                <a16:creationId xmlns="" xmlns:a16="http://schemas.microsoft.com/office/drawing/2014/main" id="{55678276-2746-4F02-AB18-8772A7842DCD}"/>
               </a:ext>
             </a:extLst>
           </p:cNvPr>
@@ -1794,7 +1792,7 @@
           <a:p>
             <a:fld id="{3D5A02A1-19C7-41C7-9852-E15F2A2AD06A}" type="datetimeFigureOut">
               <a:rPr lang="es-MX" smtClean="0"/>
-              <a:t>15/08/2022</a:t>
+              <a:t>16/08/2022</a:t>
             </a:fld>
             <a:endParaRPr lang="es-MX"/>
           </a:p>
@@ -1805,7 +1803,7 @@
           <p:cNvPr id="6" name="Marcador de pie de página 5">
             <a:extLst>
               <a:ext uri="{FF2B5EF4-FFF2-40B4-BE49-F238E27FC236}">
-                <a16:creationId xmlns:a16="http://schemas.microsoft.com/office/drawing/2014/main" xmlns="" id="{FA04B8A1-2D54-4609-9253-AA8E81899965}"/>
+                <a16:creationId xmlns="" xmlns:a16="http://schemas.microsoft.com/office/drawing/2014/main" id="{FA04B8A1-2D54-4609-9253-AA8E81899965}"/>
               </a:ext>
             </a:extLst>
           </p:cNvPr>
@@ -1830,7 +1828,7 @@
           <p:cNvPr id="7" name="Marcador de número de diapositiva 6">
             <a:extLst>
               <a:ext uri="{FF2B5EF4-FFF2-40B4-BE49-F238E27FC236}">
-                <a16:creationId xmlns:a16="http://schemas.microsoft.com/office/drawing/2014/main" xmlns="" id="{EE404A94-A5F7-48B7-B2BE-C1DFAFA35454}"/>
+                <a16:creationId xmlns="" xmlns:a16="http://schemas.microsoft.com/office/drawing/2014/main" id="{EE404A94-A5F7-48B7-B2BE-C1DFAFA35454}"/>
               </a:ext>
             </a:extLst>
           </p:cNvPr>
@@ -1889,7 +1887,7 @@
           <p:cNvPr id="2" name="Título 1">
             <a:extLst>
               <a:ext uri="{FF2B5EF4-FFF2-40B4-BE49-F238E27FC236}">
-                <a16:creationId xmlns:a16="http://schemas.microsoft.com/office/drawing/2014/main" xmlns="" id="{CE00EABC-445F-441A-A834-C90FF523290B}"/>
+                <a16:creationId xmlns="" xmlns:a16="http://schemas.microsoft.com/office/drawing/2014/main" id="{CE00EABC-445F-441A-A834-C90FF523290B}"/>
               </a:ext>
             </a:extLst>
           </p:cNvPr>
@@ -1923,7 +1921,7 @@
           <p:cNvPr id="3" name="Marcador de texto 2">
             <a:extLst>
               <a:ext uri="{FF2B5EF4-FFF2-40B4-BE49-F238E27FC236}">
-                <a16:creationId xmlns:a16="http://schemas.microsoft.com/office/drawing/2014/main" xmlns="" id="{DDA558BC-8E73-4B00-B8FC-90B9648287DE}"/>
+                <a16:creationId xmlns="" xmlns:a16="http://schemas.microsoft.com/office/drawing/2014/main" id="{DDA558BC-8E73-4B00-B8FC-90B9648287DE}"/>
               </a:ext>
             </a:extLst>
           </p:cNvPr>
@@ -1994,7 +1992,7 @@
           <p:cNvPr id="4" name="Marcador de contenido 3">
             <a:extLst>
               <a:ext uri="{FF2B5EF4-FFF2-40B4-BE49-F238E27FC236}">
-                <a16:creationId xmlns:a16="http://schemas.microsoft.com/office/drawing/2014/main" xmlns="" id="{65E12C6C-115E-4387-92DA-33761AF125D3}"/>
+                <a16:creationId xmlns="" xmlns:a16="http://schemas.microsoft.com/office/drawing/2014/main" id="{65E12C6C-115E-4387-92DA-33761AF125D3}"/>
               </a:ext>
             </a:extLst>
           </p:cNvPr>
@@ -2057,7 +2055,7 @@
           <p:cNvPr id="5" name="Marcador de texto 4">
             <a:extLst>
               <a:ext uri="{FF2B5EF4-FFF2-40B4-BE49-F238E27FC236}">
-                <a16:creationId xmlns:a16="http://schemas.microsoft.com/office/drawing/2014/main" xmlns="" id="{AD1DB26C-1A36-4662-B850-DC104132EBDC}"/>
+                <a16:creationId xmlns="" xmlns:a16="http://schemas.microsoft.com/office/drawing/2014/main" id="{AD1DB26C-1A36-4662-B850-DC104132EBDC}"/>
               </a:ext>
             </a:extLst>
           </p:cNvPr>
@@ -2128,7 +2126,7 @@
           <p:cNvPr id="6" name="Marcador de contenido 5">
             <a:extLst>
               <a:ext uri="{FF2B5EF4-FFF2-40B4-BE49-F238E27FC236}">
-                <a16:creationId xmlns:a16="http://schemas.microsoft.com/office/drawing/2014/main" xmlns="" id="{F220D8EE-FFF3-4329-8131-AA71835C8DE8}"/>
+                <a16:creationId xmlns="" xmlns:a16="http://schemas.microsoft.com/office/drawing/2014/main" id="{F220D8EE-FFF3-4329-8131-AA71835C8DE8}"/>
               </a:ext>
             </a:extLst>
           </p:cNvPr>
@@ -2191,7 +2189,7 @@
           <p:cNvPr id="7" name="Marcador de fecha 6">
             <a:extLst>
               <a:ext uri="{FF2B5EF4-FFF2-40B4-BE49-F238E27FC236}">
-                <a16:creationId xmlns:a16="http://schemas.microsoft.com/office/drawing/2014/main" xmlns="" id="{6BEB0775-6CDB-4B9C-82D5-9F75E5A51ECB}"/>
+                <a16:creationId xmlns="" xmlns:a16="http://schemas.microsoft.com/office/drawing/2014/main" id="{6BEB0775-6CDB-4B9C-82D5-9F75E5A51ECB}"/>
               </a:ext>
             </a:extLst>
           </p:cNvPr>
@@ -2209,7 +2207,7 @@
           <a:p>
             <a:fld id="{3D5A02A1-19C7-41C7-9852-E15F2A2AD06A}" type="datetimeFigureOut">
               <a:rPr lang="es-MX" smtClean="0"/>
-              <a:t>15/08/2022</a:t>
+              <a:t>16/08/2022</a:t>
             </a:fld>
             <a:endParaRPr lang="es-MX"/>
           </a:p>
@@ -2220,7 +2218,7 @@
           <p:cNvPr id="8" name="Marcador de pie de página 7">
             <a:extLst>
               <a:ext uri="{FF2B5EF4-FFF2-40B4-BE49-F238E27FC236}">
-                <a16:creationId xmlns:a16="http://schemas.microsoft.com/office/drawing/2014/main" xmlns="" id="{0D2DB794-077A-4F8A-88AB-975AF586D4C2}"/>
+                <a16:creationId xmlns="" xmlns:a16="http://schemas.microsoft.com/office/drawing/2014/main" id="{0D2DB794-077A-4F8A-88AB-975AF586D4C2}"/>
               </a:ext>
             </a:extLst>
           </p:cNvPr>
@@ -2245,7 +2243,7 @@
           <p:cNvPr id="9" name="Marcador de número de diapositiva 8">
             <a:extLst>
               <a:ext uri="{FF2B5EF4-FFF2-40B4-BE49-F238E27FC236}">
-                <a16:creationId xmlns:a16="http://schemas.microsoft.com/office/drawing/2014/main" xmlns="" id="{D6614241-0213-425A-BDE8-A9B4B0F8502A}"/>
+                <a16:creationId xmlns="" xmlns:a16="http://schemas.microsoft.com/office/drawing/2014/main" id="{D6614241-0213-425A-BDE8-A9B4B0F8502A}"/>
               </a:ext>
             </a:extLst>
           </p:cNvPr>
@@ -2304,7 +2302,7 @@
           <p:cNvPr id="2" name="Título 1">
             <a:extLst>
               <a:ext uri="{FF2B5EF4-FFF2-40B4-BE49-F238E27FC236}">
-                <a16:creationId xmlns:a16="http://schemas.microsoft.com/office/drawing/2014/main" xmlns="" id="{F3840011-61B0-433B-A9F2-94601E4C23DF}"/>
+                <a16:creationId xmlns="" xmlns:a16="http://schemas.microsoft.com/office/drawing/2014/main" id="{F3840011-61B0-433B-A9F2-94601E4C23DF}"/>
               </a:ext>
             </a:extLst>
           </p:cNvPr>
@@ -2333,7 +2331,7 @@
           <p:cNvPr id="3" name="Marcador de fecha 2">
             <a:extLst>
               <a:ext uri="{FF2B5EF4-FFF2-40B4-BE49-F238E27FC236}">
-                <a16:creationId xmlns:a16="http://schemas.microsoft.com/office/drawing/2014/main" xmlns="" id="{4B9B4E71-C442-4B77-A44B-F8642C436939}"/>
+                <a16:creationId xmlns="" xmlns:a16="http://schemas.microsoft.com/office/drawing/2014/main" id="{4B9B4E71-C442-4B77-A44B-F8642C436939}"/>
               </a:ext>
             </a:extLst>
           </p:cNvPr>
@@ -2351,7 +2349,7 @@
           <a:p>
             <a:fld id="{3D5A02A1-19C7-41C7-9852-E15F2A2AD06A}" type="datetimeFigureOut">
               <a:rPr lang="es-MX" smtClean="0"/>
-              <a:t>15/08/2022</a:t>
+              <a:t>16/08/2022</a:t>
             </a:fld>
             <a:endParaRPr lang="es-MX"/>
           </a:p>
@@ -2362,7 +2360,7 @@
           <p:cNvPr id="4" name="Marcador de pie de página 3">
             <a:extLst>
               <a:ext uri="{FF2B5EF4-FFF2-40B4-BE49-F238E27FC236}">
-                <a16:creationId xmlns:a16="http://schemas.microsoft.com/office/drawing/2014/main" xmlns="" id="{08A29FDD-7C5B-4C70-99B7-0BA12E270231}"/>
+                <a16:creationId xmlns="" xmlns:a16="http://schemas.microsoft.com/office/drawing/2014/main" id="{08A29FDD-7C5B-4C70-99B7-0BA12E270231}"/>
               </a:ext>
             </a:extLst>
           </p:cNvPr>
@@ -2387,7 +2385,7 @@
           <p:cNvPr id="5" name="Marcador de número de diapositiva 4">
             <a:extLst>
               <a:ext uri="{FF2B5EF4-FFF2-40B4-BE49-F238E27FC236}">
-                <a16:creationId xmlns:a16="http://schemas.microsoft.com/office/drawing/2014/main" xmlns="" id="{714516C5-25DC-485B-B1CD-FC636F3B687B}"/>
+                <a16:creationId xmlns="" xmlns:a16="http://schemas.microsoft.com/office/drawing/2014/main" id="{714516C5-25DC-485B-B1CD-FC636F3B687B}"/>
               </a:ext>
             </a:extLst>
           </p:cNvPr>
@@ -2446,7 +2444,7 @@
           <p:cNvPr id="2" name="Marcador de fecha 1">
             <a:extLst>
               <a:ext uri="{FF2B5EF4-FFF2-40B4-BE49-F238E27FC236}">
-                <a16:creationId xmlns:a16="http://schemas.microsoft.com/office/drawing/2014/main" xmlns="" id="{E9BB52A9-2BC6-4B9D-8BD8-F76C16F39E7B}"/>
+                <a16:creationId xmlns="" xmlns:a16="http://schemas.microsoft.com/office/drawing/2014/main" id="{E9BB52A9-2BC6-4B9D-8BD8-F76C16F39E7B}"/>
               </a:ext>
             </a:extLst>
           </p:cNvPr>
@@ -2464,7 +2462,7 @@
           <a:p>
             <a:fld id="{3D5A02A1-19C7-41C7-9852-E15F2A2AD06A}" type="datetimeFigureOut">
               <a:rPr lang="es-MX" smtClean="0"/>
-              <a:t>15/08/2022</a:t>
+              <a:t>16/08/2022</a:t>
             </a:fld>
             <a:endParaRPr lang="es-MX"/>
           </a:p>
@@ -2475,7 +2473,7 @@
           <p:cNvPr id="3" name="Marcador de pie de página 2">
             <a:extLst>
               <a:ext uri="{FF2B5EF4-FFF2-40B4-BE49-F238E27FC236}">
-                <a16:creationId xmlns:a16="http://schemas.microsoft.com/office/drawing/2014/main" xmlns="" id="{FED19528-DFA2-4ADF-A989-E45BFDCB0D42}"/>
+                <a16:creationId xmlns="" xmlns:a16="http://schemas.microsoft.com/office/drawing/2014/main" id="{FED19528-DFA2-4ADF-A989-E45BFDCB0D42}"/>
               </a:ext>
             </a:extLst>
           </p:cNvPr>
@@ -2500,7 +2498,7 @@
           <p:cNvPr id="4" name="Marcador de número de diapositiva 3">
             <a:extLst>
               <a:ext uri="{FF2B5EF4-FFF2-40B4-BE49-F238E27FC236}">
-                <a16:creationId xmlns:a16="http://schemas.microsoft.com/office/drawing/2014/main" xmlns="" id="{A3A0B084-21F4-413B-9B93-DBAA98BD4E51}"/>
+                <a16:creationId xmlns="" xmlns:a16="http://schemas.microsoft.com/office/drawing/2014/main" id="{A3A0B084-21F4-413B-9B93-DBAA98BD4E51}"/>
               </a:ext>
             </a:extLst>
           </p:cNvPr>
@@ -2559,7 +2557,7 @@
           <p:cNvPr id="2" name="Título 1">
             <a:extLst>
               <a:ext uri="{FF2B5EF4-FFF2-40B4-BE49-F238E27FC236}">
-                <a16:creationId xmlns:a16="http://schemas.microsoft.com/office/drawing/2014/main" xmlns="" id="{153A1A22-EBD3-4799-BB5A-C25E5D8FA1D9}"/>
+                <a16:creationId xmlns="" xmlns:a16="http://schemas.microsoft.com/office/drawing/2014/main" id="{153A1A22-EBD3-4799-BB5A-C25E5D8FA1D9}"/>
               </a:ext>
             </a:extLst>
           </p:cNvPr>
@@ -2597,7 +2595,7 @@
           <p:cNvPr id="3" name="Marcador de contenido 2">
             <a:extLst>
               <a:ext uri="{FF2B5EF4-FFF2-40B4-BE49-F238E27FC236}">
-                <a16:creationId xmlns:a16="http://schemas.microsoft.com/office/drawing/2014/main" xmlns="" id="{1428A782-F549-4A1A-9515-8663846AB5B3}"/>
+                <a16:creationId xmlns="" xmlns:a16="http://schemas.microsoft.com/office/drawing/2014/main" id="{1428A782-F549-4A1A-9515-8663846AB5B3}"/>
               </a:ext>
             </a:extLst>
           </p:cNvPr>
@@ -2688,7 +2686,7 @@
           <p:cNvPr id="4" name="Marcador de texto 3">
             <a:extLst>
               <a:ext uri="{FF2B5EF4-FFF2-40B4-BE49-F238E27FC236}">
-                <a16:creationId xmlns:a16="http://schemas.microsoft.com/office/drawing/2014/main" xmlns="" id="{45B54F74-E186-41BE-8ED9-9A28B7336D5D}"/>
+                <a16:creationId xmlns="" xmlns:a16="http://schemas.microsoft.com/office/drawing/2014/main" id="{45B54F74-E186-41BE-8ED9-9A28B7336D5D}"/>
               </a:ext>
             </a:extLst>
           </p:cNvPr>
@@ -2759,7 +2757,7 @@
           <p:cNvPr id="5" name="Marcador de fecha 4">
             <a:extLst>
               <a:ext uri="{FF2B5EF4-FFF2-40B4-BE49-F238E27FC236}">
-                <a16:creationId xmlns:a16="http://schemas.microsoft.com/office/drawing/2014/main" xmlns="" id="{98B996F7-686E-44DD-9906-E78226016C0E}"/>
+                <a16:creationId xmlns="" xmlns:a16="http://schemas.microsoft.com/office/drawing/2014/main" id="{98B996F7-686E-44DD-9906-E78226016C0E}"/>
               </a:ext>
             </a:extLst>
           </p:cNvPr>
@@ -2777,7 +2775,7 @@
           <a:p>
             <a:fld id="{3D5A02A1-19C7-41C7-9852-E15F2A2AD06A}" type="datetimeFigureOut">
               <a:rPr lang="es-MX" smtClean="0"/>
-              <a:t>15/08/2022</a:t>
+              <a:t>16/08/2022</a:t>
             </a:fld>
             <a:endParaRPr lang="es-MX"/>
           </a:p>
@@ -2788,7 +2786,7 @@
           <p:cNvPr id="6" name="Marcador de pie de página 5">
             <a:extLst>
               <a:ext uri="{FF2B5EF4-FFF2-40B4-BE49-F238E27FC236}">
-                <a16:creationId xmlns:a16="http://schemas.microsoft.com/office/drawing/2014/main" xmlns="" id="{703BD934-0F25-41AC-9417-A27BDD2C6465}"/>
+                <a16:creationId xmlns="" xmlns:a16="http://schemas.microsoft.com/office/drawing/2014/main" id="{703BD934-0F25-41AC-9417-A27BDD2C6465}"/>
               </a:ext>
             </a:extLst>
           </p:cNvPr>
@@ -2813,7 +2811,7 @@
           <p:cNvPr id="7" name="Marcador de número de diapositiva 6">
             <a:extLst>
               <a:ext uri="{FF2B5EF4-FFF2-40B4-BE49-F238E27FC236}">
-                <a16:creationId xmlns:a16="http://schemas.microsoft.com/office/drawing/2014/main" xmlns="" id="{6A839DA9-75BB-4BFF-A48B-A0C5EB7BF70D}"/>
+                <a16:creationId xmlns="" xmlns:a16="http://schemas.microsoft.com/office/drawing/2014/main" id="{6A839DA9-75BB-4BFF-A48B-A0C5EB7BF70D}"/>
               </a:ext>
             </a:extLst>
           </p:cNvPr>
@@ -2872,7 +2870,7 @@
           <p:cNvPr id="2" name="Título 1">
             <a:extLst>
               <a:ext uri="{FF2B5EF4-FFF2-40B4-BE49-F238E27FC236}">
-                <a16:creationId xmlns:a16="http://schemas.microsoft.com/office/drawing/2014/main" xmlns="" id="{4458EFFE-1FAE-4968-A693-0843B160D83A}"/>
+                <a16:creationId xmlns="" xmlns:a16="http://schemas.microsoft.com/office/drawing/2014/main" id="{4458EFFE-1FAE-4968-A693-0843B160D83A}"/>
               </a:ext>
             </a:extLst>
           </p:cNvPr>
@@ -2910,7 +2908,7 @@
           <p:cNvPr id="3" name="Marcador de posición de imagen 2">
             <a:extLst>
               <a:ext uri="{FF2B5EF4-FFF2-40B4-BE49-F238E27FC236}">
-                <a16:creationId xmlns:a16="http://schemas.microsoft.com/office/drawing/2014/main" xmlns="" id="{3D9F4F5E-65D0-43E0-BD86-97A93866BBD0}"/>
+                <a16:creationId xmlns="" xmlns:a16="http://schemas.microsoft.com/office/drawing/2014/main" id="{3D9F4F5E-65D0-43E0-BD86-97A93866BBD0}"/>
               </a:ext>
             </a:extLst>
           </p:cNvPr>
@@ -2977,7 +2975,7 @@
           <p:cNvPr id="4" name="Marcador de texto 3">
             <a:extLst>
               <a:ext uri="{FF2B5EF4-FFF2-40B4-BE49-F238E27FC236}">
-                <a16:creationId xmlns:a16="http://schemas.microsoft.com/office/drawing/2014/main" xmlns="" id="{B0AC6938-1FFF-43E8-A1DD-AAB404C16CAF}"/>
+                <a16:creationId xmlns="" xmlns:a16="http://schemas.microsoft.com/office/drawing/2014/main" id="{B0AC6938-1FFF-43E8-A1DD-AAB404C16CAF}"/>
               </a:ext>
             </a:extLst>
           </p:cNvPr>
@@ -3048,7 +3046,7 @@
           <p:cNvPr id="5" name="Marcador de fecha 4">
             <a:extLst>
               <a:ext uri="{FF2B5EF4-FFF2-40B4-BE49-F238E27FC236}">
-                <a16:creationId xmlns:a16="http://schemas.microsoft.com/office/drawing/2014/main" xmlns="" id="{C6224DC5-6F6A-48FA-968D-DD85A75A0F0B}"/>
+                <a16:creationId xmlns="" xmlns:a16="http://schemas.microsoft.com/office/drawing/2014/main" id="{C6224DC5-6F6A-48FA-968D-DD85A75A0F0B}"/>
               </a:ext>
             </a:extLst>
           </p:cNvPr>
@@ -3066,7 +3064,7 @@
           <a:p>
             <a:fld id="{3D5A02A1-19C7-41C7-9852-E15F2A2AD06A}" type="datetimeFigureOut">
               <a:rPr lang="es-MX" smtClean="0"/>
-              <a:t>15/08/2022</a:t>
+              <a:t>16/08/2022</a:t>
             </a:fld>
             <a:endParaRPr lang="es-MX"/>
           </a:p>
@@ -3077,7 +3075,7 @@
           <p:cNvPr id="6" name="Marcador de pie de página 5">
             <a:extLst>
               <a:ext uri="{FF2B5EF4-FFF2-40B4-BE49-F238E27FC236}">
-                <a16:creationId xmlns:a16="http://schemas.microsoft.com/office/drawing/2014/main" xmlns="" id="{0988ABEF-7980-438D-B038-C9F93EA7459D}"/>
+                <a16:creationId xmlns="" xmlns:a16="http://schemas.microsoft.com/office/drawing/2014/main" id="{0988ABEF-7980-438D-B038-C9F93EA7459D}"/>
               </a:ext>
             </a:extLst>
           </p:cNvPr>
@@ -3102,7 +3100,7 @@
           <p:cNvPr id="7" name="Marcador de número de diapositiva 6">
             <a:extLst>
               <a:ext uri="{FF2B5EF4-FFF2-40B4-BE49-F238E27FC236}">
-                <a16:creationId xmlns:a16="http://schemas.microsoft.com/office/drawing/2014/main" xmlns="" id="{CC4DBD46-6603-4B92-8842-B8E5D7229E90}"/>
+                <a16:creationId xmlns="" xmlns:a16="http://schemas.microsoft.com/office/drawing/2014/main" id="{CC4DBD46-6603-4B92-8842-B8E5D7229E90}"/>
               </a:ext>
             </a:extLst>
           </p:cNvPr>
@@ -3166,7 +3164,7 @@
           <p:cNvPr id="2" name="Marcador de título 1">
             <a:extLst>
               <a:ext uri="{FF2B5EF4-FFF2-40B4-BE49-F238E27FC236}">
-                <a16:creationId xmlns:a16="http://schemas.microsoft.com/office/drawing/2014/main" xmlns="" id="{4FA87A63-070B-46ED-93CB-EB70522ED21C}"/>
+                <a16:creationId xmlns="" xmlns:a16="http://schemas.microsoft.com/office/drawing/2014/main" id="{4FA87A63-070B-46ED-93CB-EB70522ED21C}"/>
               </a:ext>
             </a:extLst>
           </p:cNvPr>
@@ -3205,7 +3203,7 @@
           <p:cNvPr id="3" name="Marcador de texto 2">
             <a:extLst>
               <a:ext uri="{FF2B5EF4-FFF2-40B4-BE49-F238E27FC236}">
-                <a16:creationId xmlns:a16="http://schemas.microsoft.com/office/drawing/2014/main" xmlns="" id="{6FB872FF-59E9-491A-A896-1C66BEDEC10E}"/>
+                <a16:creationId xmlns="" xmlns:a16="http://schemas.microsoft.com/office/drawing/2014/main" id="{6FB872FF-59E9-491A-A896-1C66BEDEC10E}"/>
               </a:ext>
             </a:extLst>
           </p:cNvPr>
@@ -3273,7 +3271,7 @@
           <p:cNvPr id="4" name="Marcador de fecha 3">
             <a:extLst>
               <a:ext uri="{FF2B5EF4-FFF2-40B4-BE49-F238E27FC236}">
-                <a16:creationId xmlns:a16="http://schemas.microsoft.com/office/drawing/2014/main" xmlns="" id="{733C3C49-0F76-420D-9CCD-43F29285E467}"/>
+                <a16:creationId xmlns="" xmlns:a16="http://schemas.microsoft.com/office/drawing/2014/main" id="{733C3C49-0F76-420D-9CCD-43F29285E467}"/>
               </a:ext>
             </a:extLst>
           </p:cNvPr>
@@ -3309,7 +3307,7 @@
           <a:p>
             <a:fld id="{3D5A02A1-19C7-41C7-9852-E15F2A2AD06A}" type="datetimeFigureOut">
               <a:rPr lang="es-MX" smtClean="0"/>
-              <a:t>15/08/2022</a:t>
+              <a:t>16/08/2022</a:t>
             </a:fld>
             <a:endParaRPr lang="es-MX"/>
           </a:p>
@@ -3320,7 +3318,7 @@
           <p:cNvPr id="5" name="Marcador de pie de página 4">
             <a:extLst>
               <a:ext uri="{FF2B5EF4-FFF2-40B4-BE49-F238E27FC236}">
-                <a16:creationId xmlns:a16="http://schemas.microsoft.com/office/drawing/2014/main" xmlns="" id="{02AD98D4-1AB3-49FD-9F4A-8F3F282505F2}"/>
+                <a16:creationId xmlns="" xmlns:a16="http://schemas.microsoft.com/office/drawing/2014/main" id="{02AD98D4-1AB3-49FD-9F4A-8F3F282505F2}"/>
               </a:ext>
             </a:extLst>
           </p:cNvPr>
@@ -3363,7 +3361,7 @@
           <p:cNvPr id="6" name="Marcador de número de diapositiva 5">
             <a:extLst>
               <a:ext uri="{FF2B5EF4-FFF2-40B4-BE49-F238E27FC236}">
-                <a16:creationId xmlns:a16="http://schemas.microsoft.com/office/drawing/2014/main" xmlns="" id="{8CB5C9C1-365F-4DF2-AD41-E2F864D09516}"/>
+                <a16:creationId xmlns="" xmlns:a16="http://schemas.microsoft.com/office/drawing/2014/main" id="{8CB5C9C1-365F-4DF2-AD41-E2F864D09516}"/>
               </a:ext>
             </a:extLst>
           </p:cNvPr>
@@ -3731,7 +3729,7 @@
           <p:cNvPr id="16" name="Rectángulo 15">
             <a:extLst>
               <a:ext uri="{FF2B5EF4-FFF2-40B4-BE49-F238E27FC236}">
-                <a16:creationId xmlns:a16="http://schemas.microsoft.com/office/drawing/2014/main" xmlns="" id="{90AD2C01-0806-40DB-B787-528F32368EB8}"/>
+                <a16:creationId xmlns="" xmlns:a16="http://schemas.microsoft.com/office/drawing/2014/main" id="{90AD2C01-0806-40DB-B787-528F32368EB8}"/>
               </a:ext>
             </a:extLst>
           </p:cNvPr>
@@ -3814,7 +3812,7 @@
           <p:cNvPr id="2" name="Rectángulo 1">
             <a:extLst>
               <a:ext uri="{FF2B5EF4-FFF2-40B4-BE49-F238E27FC236}">
-                <a16:creationId xmlns:a16="http://schemas.microsoft.com/office/drawing/2014/main" xmlns="" id="{BBDB4281-4FFA-40A6-BBD4-150933920B73}"/>
+                <a16:creationId xmlns="" xmlns:a16="http://schemas.microsoft.com/office/drawing/2014/main" id="{BBDB4281-4FFA-40A6-BBD4-150933920B73}"/>
               </a:ext>
             </a:extLst>
           </p:cNvPr>
@@ -3871,7 +3869,7 @@
           <p:cNvPr id="3" name="Marcador de texto 2">
             <a:extLst>
               <a:ext uri="{FF2B5EF4-FFF2-40B4-BE49-F238E27FC236}">
-                <a16:creationId xmlns:a16="http://schemas.microsoft.com/office/drawing/2014/main" xmlns="" id="{1161ADA6-8CB8-49C8-A15C-05778EA8CDB8}"/>
+                <a16:creationId xmlns="" xmlns:a16="http://schemas.microsoft.com/office/drawing/2014/main" id="{1161ADA6-8CB8-49C8-A15C-05778EA8CDB8}"/>
               </a:ext>
             </a:extLst>
           </p:cNvPr>
@@ -3926,7 +3924,7 @@
           <p:cNvPr id="13" name="Rectángulo: esquinas redondeadas 12">
             <a:extLst>
               <a:ext uri="{FF2B5EF4-FFF2-40B4-BE49-F238E27FC236}">
-                <a16:creationId xmlns:a16="http://schemas.microsoft.com/office/drawing/2014/main" xmlns="" id="{AEA3DFEE-37E7-42E5-A1DE-D2E6C9BD02A9}"/>
+                <a16:creationId xmlns="" xmlns:a16="http://schemas.microsoft.com/office/drawing/2014/main" id="{AEA3DFEE-37E7-42E5-A1DE-D2E6C9BD02A9}"/>
               </a:ext>
             </a:extLst>
           </p:cNvPr>
@@ -3999,7 +3997,7 @@
           <p:cNvPr id="20" name="Bocadillo: rectángulo 19">
             <a:extLst>
               <a:ext uri="{FF2B5EF4-FFF2-40B4-BE49-F238E27FC236}">
-                <a16:creationId xmlns:a16="http://schemas.microsoft.com/office/drawing/2014/main" xmlns="" id="{B20B7D9C-65BF-40FF-B3C5-9A7DCC9270F9}"/>
+                <a16:creationId xmlns="" xmlns:a16="http://schemas.microsoft.com/office/drawing/2014/main" id="{B20B7D9C-65BF-40FF-B3C5-9A7DCC9270F9}"/>
               </a:ext>
             </a:extLst>
           </p:cNvPr>
@@ -4117,7 +4115,7 @@
           <p:cNvPr id="17" name="CuadroTexto 16">
             <a:extLst>
               <a:ext uri="{FF2B5EF4-FFF2-40B4-BE49-F238E27FC236}">
-                <a16:creationId xmlns:a16="http://schemas.microsoft.com/office/drawing/2014/main" xmlns="" id="{970F0842-7949-435F-814D-047398ACA20E}"/>
+                <a16:creationId xmlns="" xmlns:a16="http://schemas.microsoft.com/office/drawing/2014/main" id="{970F0842-7949-435F-814D-047398ACA20E}"/>
               </a:ext>
             </a:extLst>
           </p:cNvPr>
@@ -4262,7 +4260,7 @@
           <p:cNvPr id="24" name="Imagen 23">
             <a:extLst>
               <a:ext uri="{FF2B5EF4-FFF2-40B4-BE49-F238E27FC236}">
-                <a16:creationId xmlns:a16="http://schemas.microsoft.com/office/drawing/2014/main" xmlns="" id="{73E0D10E-035C-46D1-964D-13ADDC2E659C}"/>
+                <a16:creationId xmlns="" xmlns:a16="http://schemas.microsoft.com/office/drawing/2014/main" id="{73E0D10E-035C-46D1-964D-13ADDC2E659C}"/>
               </a:ext>
             </a:extLst>
           </p:cNvPr>
@@ -4292,7 +4290,7 @@
           <p:cNvPr id="5" name="CuadroTexto 4">
             <a:extLst>
               <a:ext uri="{FF2B5EF4-FFF2-40B4-BE49-F238E27FC236}">
-                <a16:creationId xmlns:a16="http://schemas.microsoft.com/office/drawing/2014/main" xmlns="" id="{3CB281C7-0AA1-A100-4AC9-D5559C55C09D}"/>
+                <a16:creationId xmlns="" xmlns:a16="http://schemas.microsoft.com/office/drawing/2014/main" id="{3CB281C7-0AA1-A100-4AC9-D5559C55C09D}"/>
               </a:ext>
             </a:extLst>
           </p:cNvPr>
@@ -4327,7 +4325,7 @@
           <p:cNvPr id="10" name="CuadroTexto 9">
             <a:extLst>
               <a:ext uri="{FF2B5EF4-FFF2-40B4-BE49-F238E27FC236}">
-                <a16:creationId xmlns:a16="http://schemas.microsoft.com/office/drawing/2014/main" xmlns="" id="{78FC6D78-6FC6-4178-B508-6B643B5230C6}"/>
+                <a16:creationId xmlns="" xmlns:a16="http://schemas.microsoft.com/office/drawing/2014/main" id="{78FC6D78-6FC6-4178-B508-6B643B5230C6}"/>
               </a:ext>
             </a:extLst>
           </p:cNvPr>
@@ -4362,7 +4360,7 @@
           <p:cNvPr id="11" name="Bocadillo: rectángulo 10">
             <a:extLst>
               <a:ext uri="{FF2B5EF4-FFF2-40B4-BE49-F238E27FC236}">
-                <a16:creationId xmlns:a16="http://schemas.microsoft.com/office/drawing/2014/main" xmlns="" id="{378BFEEB-DA0A-4A08-BA1D-6A772B90D22D}"/>
+                <a16:creationId xmlns="" xmlns:a16="http://schemas.microsoft.com/office/drawing/2014/main" id="{378BFEEB-DA0A-4A08-BA1D-6A772B90D22D}"/>
               </a:ext>
             </a:extLst>
           </p:cNvPr>
@@ -4480,7 +4478,7 @@
           <p:cNvPr id="12" name="Bocadillo: rectángulo 11">
             <a:extLst>
               <a:ext uri="{FF2B5EF4-FFF2-40B4-BE49-F238E27FC236}">
-                <a16:creationId xmlns:a16="http://schemas.microsoft.com/office/drawing/2014/main" xmlns="" id="{DDC77BE5-721E-405F-8A17-21F98C2D7370}"/>
+                <a16:creationId xmlns="" xmlns:a16="http://schemas.microsoft.com/office/drawing/2014/main" id="{DDC77BE5-721E-405F-8A17-21F98C2D7370}"/>
               </a:ext>
             </a:extLst>
           </p:cNvPr>
@@ -4598,7 +4596,7 @@
           <p:cNvPr id="14" name="Bocadillo: rectángulo 13">
             <a:extLst>
               <a:ext uri="{FF2B5EF4-FFF2-40B4-BE49-F238E27FC236}">
-                <a16:creationId xmlns:a16="http://schemas.microsoft.com/office/drawing/2014/main" xmlns="" id="{6946FC94-4AD0-4AC2-84B8-3082723ED67C}"/>
+                <a16:creationId xmlns="" xmlns:a16="http://schemas.microsoft.com/office/drawing/2014/main" id="{6946FC94-4AD0-4AC2-84B8-3082723ED67C}"/>
               </a:ext>
             </a:extLst>
           </p:cNvPr>
@@ -4716,7 +4714,7 @@
           <p:cNvPr id="15" name="CuadroTexto 14">
             <a:extLst>
               <a:ext uri="{FF2B5EF4-FFF2-40B4-BE49-F238E27FC236}">
-                <a16:creationId xmlns:a16="http://schemas.microsoft.com/office/drawing/2014/main" xmlns="" id="{8BA28D36-D71A-4AD3-8E01-BEB3C0D0D365}"/>
+                <a16:creationId xmlns="" xmlns:a16="http://schemas.microsoft.com/office/drawing/2014/main" id="{8BA28D36-D71A-4AD3-8E01-BEB3C0D0D365}"/>
               </a:ext>
             </a:extLst>
           </p:cNvPr>
@@ -4787,7 +4785,7 @@
           <p:cNvPr id="18" name="Gráfico 17" descr="Presentación con gráfico de barras con relleno sólido">
             <a:extLst>
               <a:ext uri="{FF2B5EF4-FFF2-40B4-BE49-F238E27FC236}">
-                <a16:creationId xmlns:a16="http://schemas.microsoft.com/office/drawing/2014/main" xmlns="" id="{8A194C69-1029-43E9-BBC1-D44C9AAE991E}"/>
+                <a16:creationId xmlns="" xmlns:a16="http://schemas.microsoft.com/office/drawing/2014/main" id="{8A194C69-1029-43E9-BBC1-D44C9AAE991E}"/>
               </a:ext>
             </a:extLst>
           </p:cNvPr>
@@ -4803,7 +4801,7 @@
                 <a14:useLocalDpi xmlns:a14="http://schemas.microsoft.com/office/drawing/2010/main" val="0"/>
               </a:ext>
               <a:ext uri="{96DAC541-7B7A-43D3-8B79-37D633B846F1}">
-                <asvg:svgBlip xmlns:asvg="http://schemas.microsoft.com/office/drawing/2016/SVG/main" xmlns="" r:embed="rId4"/>
+                <asvg:svgBlip xmlns="" xmlns:asvg="http://schemas.microsoft.com/office/drawing/2016/SVG/main" r:embed="rId4"/>
               </a:ext>
             </a:extLst>
           </a:blip>
@@ -4826,7 +4824,7 @@
           <p:cNvPr id="19" name="Imagen 18">
             <a:extLst>
               <a:ext uri="{FF2B5EF4-FFF2-40B4-BE49-F238E27FC236}">
-                <a16:creationId xmlns:a16="http://schemas.microsoft.com/office/drawing/2014/main" xmlns="" id="{DF5159E6-B192-416B-905A-12EF38BB501D}"/>
+                <a16:creationId xmlns="" xmlns:a16="http://schemas.microsoft.com/office/drawing/2014/main" id="{DF5159E6-B192-416B-905A-12EF38BB501D}"/>
               </a:ext>
             </a:extLst>
           </p:cNvPr>
@@ -4886,7 +4884,7 @@
           <p:cNvPr id="16" name="Rectángulo 15">
             <a:extLst>
               <a:ext uri="{FF2B5EF4-FFF2-40B4-BE49-F238E27FC236}">
-                <a16:creationId xmlns:a16="http://schemas.microsoft.com/office/drawing/2014/main" xmlns="" id="{90AD2C01-0806-40DB-B787-528F32368EB8}"/>
+                <a16:creationId xmlns="" xmlns:a16="http://schemas.microsoft.com/office/drawing/2014/main" id="{90AD2C01-0806-40DB-B787-528F32368EB8}"/>
               </a:ext>
             </a:extLst>
           </p:cNvPr>
@@ -4969,7 +4967,7 @@
           <p:cNvPr id="2" name="Rectángulo 1">
             <a:extLst>
               <a:ext uri="{FF2B5EF4-FFF2-40B4-BE49-F238E27FC236}">
-                <a16:creationId xmlns:a16="http://schemas.microsoft.com/office/drawing/2014/main" xmlns="" id="{BBDB4281-4FFA-40A6-BBD4-150933920B73}"/>
+                <a16:creationId xmlns="" xmlns:a16="http://schemas.microsoft.com/office/drawing/2014/main" id="{BBDB4281-4FFA-40A6-BBD4-150933920B73}"/>
               </a:ext>
             </a:extLst>
           </p:cNvPr>
@@ -5027,7 +5025,7 @@
           <p:cNvPr id="13" name="Rectángulo: esquinas redondeadas 12">
             <a:extLst>
               <a:ext uri="{FF2B5EF4-FFF2-40B4-BE49-F238E27FC236}">
-                <a16:creationId xmlns:a16="http://schemas.microsoft.com/office/drawing/2014/main" xmlns="" id="{AEA3DFEE-37E7-42E5-A1DE-D2E6C9BD02A9}"/>
+                <a16:creationId xmlns="" xmlns:a16="http://schemas.microsoft.com/office/drawing/2014/main" id="{AEA3DFEE-37E7-42E5-A1DE-D2E6C9BD02A9}"/>
               </a:ext>
             </a:extLst>
           </p:cNvPr>
@@ -5111,7 +5109,7 @@
           <p:cNvPr id="20" name="Bocadillo: rectángulo 19">
             <a:extLst>
               <a:ext uri="{FF2B5EF4-FFF2-40B4-BE49-F238E27FC236}">
-                <a16:creationId xmlns:a16="http://schemas.microsoft.com/office/drawing/2014/main" xmlns="" id="{B20B7D9C-65BF-40FF-B3C5-9A7DCC9270F9}"/>
+                <a16:creationId xmlns="" xmlns:a16="http://schemas.microsoft.com/office/drawing/2014/main" id="{B20B7D9C-65BF-40FF-B3C5-9A7DCC9270F9}"/>
               </a:ext>
             </a:extLst>
           </p:cNvPr>
@@ -5232,7 +5230,7 @@
           <p:cNvPr id="17" name="CuadroTexto 16">
             <a:extLst>
               <a:ext uri="{FF2B5EF4-FFF2-40B4-BE49-F238E27FC236}">
-                <a16:creationId xmlns:a16="http://schemas.microsoft.com/office/drawing/2014/main" xmlns="" id="{970F0842-7949-435F-814D-047398ACA20E}"/>
+                <a16:creationId xmlns="" xmlns:a16="http://schemas.microsoft.com/office/drawing/2014/main" id="{970F0842-7949-435F-814D-047398ACA20E}"/>
               </a:ext>
             </a:extLst>
           </p:cNvPr>
@@ -5500,7 +5498,7 @@
           <p:cNvPr id="24" name="Imagen 23">
             <a:extLst>
               <a:ext uri="{FF2B5EF4-FFF2-40B4-BE49-F238E27FC236}">
-                <a16:creationId xmlns:a16="http://schemas.microsoft.com/office/drawing/2014/main" xmlns="" id="{73E0D10E-035C-46D1-964D-13ADDC2E659C}"/>
+                <a16:creationId xmlns="" xmlns:a16="http://schemas.microsoft.com/office/drawing/2014/main" id="{73E0D10E-035C-46D1-964D-13ADDC2E659C}"/>
               </a:ext>
             </a:extLst>
           </p:cNvPr>
@@ -5530,7 +5528,7 @@
           <p:cNvPr id="5" name="CuadroTexto 4">
             <a:extLst>
               <a:ext uri="{FF2B5EF4-FFF2-40B4-BE49-F238E27FC236}">
-                <a16:creationId xmlns:a16="http://schemas.microsoft.com/office/drawing/2014/main" xmlns="" id="{59E19DD7-A17D-A5E3-E0CA-BA03A249C5E1}"/>
+                <a16:creationId xmlns="" xmlns:a16="http://schemas.microsoft.com/office/drawing/2014/main" id="{59E19DD7-A17D-A5E3-E0CA-BA03A249C5E1}"/>
               </a:ext>
             </a:extLst>
           </p:cNvPr>
@@ -5571,7 +5569,7 @@
           <p:cNvPr id="11" name="CuadroTexto 10">
             <a:extLst>
               <a:ext uri="{FF2B5EF4-FFF2-40B4-BE49-F238E27FC236}">
-                <a16:creationId xmlns:a16="http://schemas.microsoft.com/office/drawing/2014/main" xmlns="" id="{1B6945B7-AB72-4778-9D32-3FA114DBE2AF}"/>
+                <a16:creationId xmlns="" xmlns:a16="http://schemas.microsoft.com/office/drawing/2014/main" id="{1B6945B7-AB72-4778-9D32-3FA114DBE2AF}"/>
               </a:ext>
             </a:extLst>
           </p:cNvPr>
@@ -5673,7 +5671,7 @@
           <p:cNvPr id="12" name="Gráfico 11" descr="Presentación con gráfico de barras con relleno sólido">
             <a:extLst>
               <a:ext uri="{FF2B5EF4-FFF2-40B4-BE49-F238E27FC236}">
-                <a16:creationId xmlns:a16="http://schemas.microsoft.com/office/drawing/2014/main" xmlns="" id="{566A27A0-E850-4928-BB30-90B86B392143}"/>
+                <a16:creationId xmlns="" xmlns:a16="http://schemas.microsoft.com/office/drawing/2014/main" id="{566A27A0-E850-4928-BB30-90B86B392143}"/>
               </a:ext>
             </a:extLst>
           </p:cNvPr>
@@ -5689,7 +5687,7 @@
                 <a14:useLocalDpi xmlns:a14="http://schemas.microsoft.com/office/drawing/2010/main" val="0"/>
               </a:ext>
               <a:ext uri="{96DAC541-7B7A-43D3-8B79-37D633B846F1}">
-                <asvg:svgBlip xmlns:asvg="http://schemas.microsoft.com/office/drawing/2016/SVG/main" xmlns="" r:embed="rId4"/>
+                <asvg:svgBlip xmlns="" xmlns:asvg="http://schemas.microsoft.com/office/drawing/2016/SVG/main" r:embed="rId4"/>
               </a:ext>
             </a:extLst>
           </a:blip>
@@ -5712,7 +5710,7 @@
           <p:cNvPr id="14" name="Bocadillo: rectángulo 13">
             <a:extLst>
               <a:ext uri="{FF2B5EF4-FFF2-40B4-BE49-F238E27FC236}">
-                <a16:creationId xmlns:a16="http://schemas.microsoft.com/office/drawing/2014/main" xmlns="" id="{A2F9CCC8-E44A-49AE-80F0-50FFEBC1E772}"/>
+                <a16:creationId xmlns="" xmlns:a16="http://schemas.microsoft.com/office/drawing/2014/main" id="{A2F9CCC8-E44A-49AE-80F0-50FFEBC1E772}"/>
               </a:ext>
             </a:extLst>
           </p:cNvPr>
@@ -5830,7 +5828,7 @@
           <p:cNvPr id="18" name="Bocadillo: rectángulo 17">
             <a:extLst>
               <a:ext uri="{FF2B5EF4-FFF2-40B4-BE49-F238E27FC236}">
-                <a16:creationId xmlns:a16="http://schemas.microsoft.com/office/drawing/2014/main" xmlns="" id="{3BC5D5EB-529E-48D6-AC28-B8626EBF2737}"/>
+                <a16:creationId xmlns="" xmlns:a16="http://schemas.microsoft.com/office/drawing/2014/main" id="{3BC5D5EB-529E-48D6-AC28-B8626EBF2737}"/>
               </a:ext>
             </a:extLst>
           </p:cNvPr>
@@ -5948,7 +5946,7 @@
           <p:cNvPr id="19" name="Bocadillo: rectángulo 18">
             <a:extLst>
               <a:ext uri="{FF2B5EF4-FFF2-40B4-BE49-F238E27FC236}">
-                <a16:creationId xmlns:a16="http://schemas.microsoft.com/office/drawing/2014/main" xmlns="" id="{5DC17B75-F81D-4337-9F91-5208A151D6CE}"/>
+                <a16:creationId xmlns="" xmlns:a16="http://schemas.microsoft.com/office/drawing/2014/main" id="{5DC17B75-F81D-4337-9F91-5208A151D6CE}"/>
               </a:ext>
             </a:extLst>
           </p:cNvPr>
@@ -6066,7 +6064,7 @@
           <p:cNvPr id="15" name="Imagen 14">
             <a:extLst>
               <a:ext uri="{FF2B5EF4-FFF2-40B4-BE49-F238E27FC236}">
-                <a16:creationId xmlns:a16="http://schemas.microsoft.com/office/drawing/2014/main" xmlns="" id="{F22B7701-0B7C-4096-A2EA-CFBC1BB37383}"/>
+                <a16:creationId xmlns="" xmlns:a16="http://schemas.microsoft.com/office/drawing/2014/main" id="{F22B7701-0B7C-4096-A2EA-CFBC1BB37383}"/>
               </a:ext>
             </a:extLst>
           </p:cNvPr>
@@ -6126,7 +6124,7 @@
           <p:cNvPr id="16" name="Rectángulo 15">
             <a:extLst>
               <a:ext uri="{FF2B5EF4-FFF2-40B4-BE49-F238E27FC236}">
-                <a16:creationId xmlns:a16="http://schemas.microsoft.com/office/drawing/2014/main" xmlns="" id="{90AD2C01-0806-40DB-B787-528F32368EB8}"/>
+                <a16:creationId xmlns="" xmlns:a16="http://schemas.microsoft.com/office/drawing/2014/main" id="{90AD2C01-0806-40DB-B787-528F32368EB8}"/>
               </a:ext>
             </a:extLst>
           </p:cNvPr>
@@ -6209,7 +6207,7 @@
           <p:cNvPr id="2" name="Rectángulo 1">
             <a:extLst>
               <a:ext uri="{FF2B5EF4-FFF2-40B4-BE49-F238E27FC236}">
-                <a16:creationId xmlns:a16="http://schemas.microsoft.com/office/drawing/2014/main" xmlns="" id="{BBDB4281-4FFA-40A6-BBD4-150933920B73}"/>
+                <a16:creationId xmlns="" xmlns:a16="http://schemas.microsoft.com/office/drawing/2014/main" id="{BBDB4281-4FFA-40A6-BBD4-150933920B73}"/>
               </a:ext>
             </a:extLst>
           </p:cNvPr>
@@ -6280,7 +6278,7 @@
           <p:cNvPr id="13" name="Rectángulo: esquinas redondeadas 12">
             <a:extLst>
               <a:ext uri="{FF2B5EF4-FFF2-40B4-BE49-F238E27FC236}">
-                <a16:creationId xmlns:a16="http://schemas.microsoft.com/office/drawing/2014/main" xmlns="" id="{AEA3DFEE-37E7-42E5-A1DE-D2E6C9BD02A9}"/>
+                <a16:creationId xmlns="" xmlns:a16="http://schemas.microsoft.com/office/drawing/2014/main" id="{AEA3DFEE-37E7-42E5-A1DE-D2E6C9BD02A9}"/>
               </a:ext>
             </a:extLst>
           </p:cNvPr>
@@ -6364,7 +6362,7 @@
           <p:cNvPr id="5" name="Imagen 5">
             <a:extLst>
               <a:ext uri="{FF2B5EF4-FFF2-40B4-BE49-F238E27FC236}">
-                <a16:creationId xmlns:a16="http://schemas.microsoft.com/office/drawing/2014/main" xmlns="" id="{732BB895-10B6-3BBB-88AC-1E65BC5FCE7D}"/>
+                <a16:creationId xmlns="" xmlns:a16="http://schemas.microsoft.com/office/drawing/2014/main" id="{732BB895-10B6-3BBB-88AC-1E65BC5FCE7D}"/>
               </a:ext>
             </a:extLst>
           </p:cNvPr>
@@ -6394,7 +6392,7 @@
           <p:cNvPr id="7" name="CuadroTexto 6">
             <a:extLst>
               <a:ext uri="{FF2B5EF4-FFF2-40B4-BE49-F238E27FC236}">
-                <a16:creationId xmlns:a16="http://schemas.microsoft.com/office/drawing/2014/main" xmlns="" id="{A1F22D33-BF43-0623-2BE5-237DCCD5A6B5}"/>
+                <a16:creationId xmlns="" xmlns:a16="http://schemas.microsoft.com/office/drawing/2014/main" id="{A1F22D33-BF43-0623-2BE5-237DCCD5A6B5}"/>
               </a:ext>
             </a:extLst>
           </p:cNvPr>
@@ -6488,7 +6486,7 @@
           <p:cNvPr id="11" name="Bocadillo: rectángulo 10">
             <a:extLst>
               <a:ext uri="{FF2B5EF4-FFF2-40B4-BE49-F238E27FC236}">
-                <a16:creationId xmlns:a16="http://schemas.microsoft.com/office/drawing/2014/main" xmlns="" id="{DFAF7456-1697-4C8B-A118-C200F8302C91}"/>
+                <a16:creationId xmlns="" xmlns:a16="http://schemas.microsoft.com/office/drawing/2014/main" id="{DFAF7456-1697-4C8B-A118-C200F8302C91}"/>
               </a:ext>
             </a:extLst>
           </p:cNvPr>
@@ -6606,7 +6604,7 @@
           <p:cNvPr id="12" name="Bocadillo: rectángulo 11">
             <a:extLst>
               <a:ext uri="{FF2B5EF4-FFF2-40B4-BE49-F238E27FC236}">
-                <a16:creationId xmlns:a16="http://schemas.microsoft.com/office/drawing/2014/main" xmlns="" id="{8134B9C2-524A-45D9-84FA-35086686D446}"/>
+                <a16:creationId xmlns="" xmlns:a16="http://schemas.microsoft.com/office/drawing/2014/main" id="{8134B9C2-524A-45D9-84FA-35086686D446}"/>
               </a:ext>
             </a:extLst>
           </p:cNvPr>
@@ -6724,7 +6722,7 @@
           <p:cNvPr id="14" name="Bocadillo: rectángulo 13">
             <a:extLst>
               <a:ext uri="{FF2B5EF4-FFF2-40B4-BE49-F238E27FC236}">
-                <a16:creationId xmlns:a16="http://schemas.microsoft.com/office/drawing/2014/main" xmlns="" id="{11F09E5B-2A3B-4DA6-8B35-95C4297D8249}"/>
+                <a16:creationId xmlns="" xmlns:a16="http://schemas.microsoft.com/office/drawing/2014/main" id="{11F09E5B-2A3B-4DA6-8B35-95C4297D8249}"/>
               </a:ext>
             </a:extLst>
           </p:cNvPr>
@@ -6851,7 +6849,7 @@
           <p:cNvPr id="19" name="CuadroTexto 18">
             <a:extLst>
               <a:ext uri="{FF2B5EF4-FFF2-40B4-BE49-F238E27FC236}">
-                <a16:creationId xmlns:a16="http://schemas.microsoft.com/office/drawing/2014/main" xmlns="" id="{19D52F23-8E2C-4B32-9AA0-ED3BE27EA5D9}"/>
+                <a16:creationId xmlns="" xmlns:a16="http://schemas.microsoft.com/office/drawing/2014/main" id="{19D52F23-8E2C-4B32-9AA0-ED3BE27EA5D9}"/>
               </a:ext>
             </a:extLst>
           </p:cNvPr>
@@ -7008,7 +7006,7 @@
           <p:cNvPr id="4" name="CuadroTexto 3">
             <a:extLst>
               <a:ext uri="{FF2B5EF4-FFF2-40B4-BE49-F238E27FC236}">
-                <a16:creationId xmlns:a16="http://schemas.microsoft.com/office/drawing/2014/main" xmlns="" id="{16A7AC56-791D-E2A4-904A-DD4EDC1E7312}"/>
+                <a16:creationId xmlns="" xmlns:a16="http://schemas.microsoft.com/office/drawing/2014/main" id="{16A7AC56-791D-E2A4-904A-DD4EDC1E7312}"/>
               </a:ext>
             </a:extLst>
           </p:cNvPr>
@@ -7159,7 +7157,7 @@
           <p:cNvPr id="3" name="Conector recto de flecha 2">
             <a:extLst>
               <a:ext uri="{FF2B5EF4-FFF2-40B4-BE49-F238E27FC236}">
-                <a16:creationId xmlns:a16="http://schemas.microsoft.com/office/drawing/2014/main" xmlns="" id="{7345FF58-0B53-4C95-52F2-6C4D6472CE54}"/>
+                <a16:creationId xmlns="" xmlns:a16="http://schemas.microsoft.com/office/drawing/2014/main" id="{7345FF58-0B53-4C95-52F2-6C4D6472CE54}"/>
               </a:ext>
             </a:extLst>
           </p:cNvPr>
@@ -7198,7 +7196,7 @@
           <p:cNvPr id="6" name="CuadroTexto 5">
             <a:extLst>
               <a:ext uri="{FF2B5EF4-FFF2-40B4-BE49-F238E27FC236}">
-                <a16:creationId xmlns:a16="http://schemas.microsoft.com/office/drawing/2014/main" xmlns="" id="{1B1C4ED7-8C6E-E33D-17EF-E420BB21598D}"/>
+                <a16:creationId xmlns="" xmlns:a16="http://schemas.microsoft.com/office/drawing/2014/main" id="{1B1C4ED7-8C6E-E33D-17EF-E420BB21598D}"/>
               </a:ext>
             </a:extLst>
           </p:cNvPr>
@@ -7535,7 +7533,7 @@
           <p:cNvPr id="8" name="Conector recto de flecha 7">
             <a:extLst>
               <a:ext uri="{FF2B5EF4-FFF2-40B4-BE49-F238E27FC236}">
-                <a16:creationId xmlns:a16="http://schemas.microsoft.com/office/drawing/2014/main" xmlns="" id="{EBB8EA2F-36EB-A429-E082-5190605D5F12}"/>
+                <a16:creationId xmlns="" xmlns:a16="http://schemas.microsoft.com/office/drawing/2014/main" id="{EBB8EA2F-36EB-A429-E082-5190605D5F12}"/>
               </a:ext>
             </a:extLst>
           </p:cNvPr>
@@ -7576,7 +7574,7 @@
           <p:cNvPr id="9" name="CuadroTexto 8">
             <a:extLst>
               <a:ext uri="{FF2B5EF4-FFF2-40B4-BE49-F238E27FC236}">
-                <a16:creationId xmlns:a16="http://schemas.microsoft.com/office/drawing/2014/main" xmlns="" id="{5E20B3EB-3778-05BB-C0A0-49DD4DB11FBE}"/>
+                <a16:creationId xmlns="" xmlns:a16="http://schemas.microsoft.com/office/drawing/2014/main" id="{5E20B3EB-3778-05BB-C0A0-49DD4DB11FBE}"/>
               </a:ext>
             </a:extLst>
           </p:cNvPr>
@@ -7664,7 +7662,7 @@
           <p:cNvPr id="10" name="CuadroTexto 9">
             <a:extLst>
               <a:ext uri="{FF2B5EF4-FFF2-40B4-BE49-F238E27FC236}">
-                <a16:creationId xmlns:a16="http://schemas.microsoft.com/office/drawing/2014/main" xmlns="" id="{5E12C93B-6091-9EE3-09A5-B92D2868C342}"/>
+                <a16:creationId xmlns="" xmlns:a16="http://schemas.microsoft.com/office/drawing/2014/main" id="{5E12C93B-6091-9EE3-09A5-B92D2868C342}"/>
               </a:ext>
             </a:extLst>
           </p:cNvPr>
@@ -8052,7 +8050,7 @@
           <p:cNvPr id="17" name="Conector recto de flecha 16">
             <a:extLst>
               <a:ext uri="{FF2B5EF4-FFF2-40B4-BE49-F238E27FC236}">
-                <a16:creationId xmlns:a16="http://schemas.microsoft.com/office/drawing/2014/main" xmlns="" id="{0CC1DC1F-96E9-B9A0-C54F-E2E2DFAA410F}"/>
+                <a16:creationId xmlns="" xmlns:a16="http://schemas.microsoft.com/office/drawing/2014/main" id="{0CC1DC1F-96E9-B9A0-C54F-E2E2DFAA410F}"/>
               </a:ext>
             </a:extLst>
           </p:cNvPr>
@@ -8093,7 +8091,7 @@
           <p:cNvPr id="18" name="CuadroTexto 17">
             <a:extLst>
               <a:ext uri="{FF2B5EF4-FFF2-40B4-BE49-F238E27FC236}">
-                <a16:creationId xmlns:a16="http://schemas.microsoft.com/office/drawing/2014/main" xmlns="" id="{F20D4AB5-80ED-61AE-2BD0-03040F0E3754}"/>
+                <a16:creationId xmlns="" xmlns:a16="http://schemas.microsoft.com/office/drawing/2014/main" id="{F20D4AB5-80ED-61AE-2BD0-03040F0E3754}"/>
               </a:ext>
             </a:extLst>
           </p:cNvPr>
@@ -8448,7 +8446,7 @@
           <p:cNvPr id="20" name="Conector recto de flecha 19">
             <a:extLst>
               <a:ext uri="{FF2B5EF4-FFF2-40B4-BE49-F238E27FC236}">
-                <a16:creationId xmlns:a16="http://schemas.microsoft.com/office/drawing/2014/main" xmlns="" id="{12BBF2B6-A703-EDA5-E5B6-A33EA034466F}"/>
+                <a16:creationId xmlns="" xmlns:a16="http://schemas.microsoft.com/office/drawing/2014/main" id="{12BBF2B6-A703-EDA5-E5B6-A33EA034466F}"/>
               </a:ext>
             </a:extLst>
           </p:cNvPr>
@@ -8489,7 +8487,7 @@
           <p:cNvPr id="21" name="Conector recto de flecha 20">
             <a:extLst>
               <a:ext uri="{FF2B5EF4-FFF2-40B4-BE49-F238E27FC236}">
-                <a16:creationId xmlns:a16="http://schemas.microsoft.com/office/drawing/2014/main" xmlns="" id="{4C176E21-7B13-C702-15F8-19B3DCD99DAA}"/>
+                <a16:creationId xmlns="" xmlns:a16="http://schemas.microsoft.com/office/drawing/2014/main" id="{4C176E21-7B13-C702-15F8-19B3DCD99DAA}"/>
               </a:ext>
             </a:extLst>
           </p:cNvPr>
@@ -8530,7 +8528,7 @@
           <p:cNvPr id="22" name="CuadroTexto 21">
             <a:extLst>
               <a:ext uri="{FF2B5EF4-FFF2-40B4-BE49-F238E27FC236}">
-                <a16:creationId xmlns:a16="http://schemas.microsoft.com/office/drawing/2014/main" xmlns="" id="{0362EA0C-D10B-C31D-FD07-7B5193568BBA}"/>
+                <a16:creationId xmlns="" xmlns:a16="http://schemas.microsoft.com/office/drawing/2014/main" id="{0362EA0C-D10B-C31D-FD07-7B5193568BBA}"/>
               </a:ext>
             </a:extLst>
           </p:cNvPr>
@@ -8905,7 +8903,7 @@
           <p:cNvPr id="23" name="Conector recto de flecha 22">
             <a:extLst>
               <a:ext uri="{FF2B5EF4-FFF2-40B4-BE49-F238E27FC236}">
-                <a16:creationId xmlns:a16="http://schemas.microsoft.com/office/drawing/2014/main" xmlns="" id="{58D94BDF-04ED-E933-4493-AA0BA224E3BD}"/>
+                <a16:creationId xmlns="" xmlns:a16="http://schemas.microsoft.com/office/drawing/2014/main" id="{58D94BDF-04ED-E933-4493-AA0BA224E3BD}"/>
               </a:ext>
             </a:extLst>
           </p:cNvPr>
@@ -8946,7 +8944,7 @@
           <p:cNvPr id="24" name="CuadroTexto 23">
             <a:extLst>
               <a:ext uri="{FF2B5EF4-FFF2-40B4-BE49-F238E27FC236}">
-                <a16:creationId xmlns:a16="http://schemas.microsoft.com/office/drawing/2014/main" xmlns="" id="{4E8BF99B-2667-8AB3-5F1C-3ED773B66021}"/>
+                <a16:creationId xmlns="" xmlns:a16="http://schemas.microsoft.com/office/drawing/2014/main" id="{4E8BF99B-2667-8AB3-5F1C-3ED773B66021}"/>
               </a:ext>
             </a:extLst>
           </p:cNvPr>
@@ -9199,7 +9197,7 @@
           <p:cNvPr id="25" name="CuadroTexto 24">
             <a:extLst>
               <a:ext uri="{FF2B5EF4-FFF2-40B4-BE49-F238E27FC236}">
-                <a16:creationId xmlns:a16="http://schemas.microsoft.com/office/drawing/2014/main" xmlns="" id="{13CDB574-E37B-F325-5302-56EDB7309AC2}"/>
+                <a16:creationId xmlns="" xmlns:a16="http://schemas.microsoft.com/office/drawing/2014/main" id="{13CDB574-E37B-F325-5302-56EDB7309AC2}"/>
               </a:ext>
             </a:extLst>
           </p:cNvPr>
@@ -9731,7 +9729,7 @@
           <p:cNvPr id="27" name="Conector recto de flecha 26">
             <a:extLst>
               <a:ext uri="{FF2B5EF4-FFF2-40B4-BE49-F238E27FC236}">
-                <a16:creationId xmlns:a16="http://schemas.microsoft.com/office/drawing/2014/main" xmlns="" id="{403DC80B-2E5A-33C5-30D2-1DD66C01D9E5}"/>
+                <a16:creationId xmlns="" xmlns:a16="http://schemas.microsoft.com/office/drawing/2014/main" id="{403DC80B-2E5A-33C5-30D2-1DD66C01D9E5}"/>
               </a:ext>
             </a:extLst>
           </p:cNvPr>
@@ -9772,7 +9770,7 @@
           <p:cNvPr id="28" name="Imagen 27">
             <a:extLst>
               <a:ext uri="{FF2B5EF4-FFF2-40B4-BE49-F238E27FC236}">
-                <a16:creationId xmlns:a16="http://schemas.microsoft.com/office/drawing/2014/main" xmlns="" id="{191AD5F9-A1B6-4B26-A8C4-E6E94F8223D5}"/>
+                <a16:creationId xmlns="" xmlns:a16="http://schemas.microsoft.com/office/drawing/2014/main" id="{191AD5F9-A1B6-4B26-A8C4-E6E94F8223D5}"/>
               </a:ext>
             </a:extLst>
           </p:cNvPr>
@@ -9832,7 +9830,7 @@
           <p:cNvPr id="16" name="Rectángulo 15">
             <a:extLst>
               <a:ext uri="{FF2B5EF4-FFF2-40B4-BE49-F238E27FC236}">
-                <a16:creationId xmlns:a16="http://schemas.microsoft.com/office/drawing/2014/main" xmlns="" id="{90AD2C01-0806-40DB-B787-528F32368EB8}"/>
+                <a16:creationId xmlns="" xmlns:a16="http://schemas.microsoft.com/office/drawing/2014/main" id="{90AD2C01-0806-40DB-B787-528F32368EB8}"/>
               </a:ext>
             </a:extLst>
           </p:cNvPr>
@@ -9915,7 +9913,7 @@
           <p:cNvPr id="2" name="Rectángulo 1">
             <a:extLst>
               <a:ext uri="{FF2B5EF4-FFF2-40B4-BE49-F238E27FC236}">
-                <a16:creationId xmlns:a16="http://schemas.microsoft.com/office/drawing/2014/main" xmlns="" id="{BBDB4281-4FFA-40A6-BBD4-150933920B73}"/>
+                <a16:creationId xmlns="" xmlns:a16="http://schemas.microsoft.com/office/drawing/2014/main" id="{BBDB4281-4FFA-40A6-BBD4-150933920B73}"/>
               </a:ext>
             </a:extLst>
           </p:cNvPr>
@@ -9989,7 +9987,7 @@
           <p:cNvPr id="13" name="Rectángulo: esquinas redondeadas 12">
             <a:extLst>
               <a:ext uri="{FF2B5EF4-FFF2-40B4-BE49-F238E27FC236}">
-                <a16:creationId xmlns:a16="http://schemas.microsoft.com/office/drawing/2014/main" xmlns="" id="{AEA3DFEE-37E7-42E5-A1DE-D2E6C9BD02A9}"/>
+                <a16:creationId xmlns="" xmlns:a16="http://schemas.microsoft.com/office/drawing/2014/main" id="{AEA3DFEE-37E7-42E5-A1DE-D2E6C9BD02A9}"/>
               </a:ext>
             </a:extLst>
           </p:cNvPr>
@@ -10093,7 +10091,7 @@
           <p:cNvPr id="17" name="CuadroTexto 16">
             <a:extLst>
               <a:ext uri="{FF2B5EF4-FFF2-40B4-BE49-F238E27FC236}">
-                <a16:creationId xmlns:a16="http://schemas.microsoft.com/office/drawing/2014/main" xmlns="" id="{970F0842-7949-435F-814D-047398ACA20E}"/>
+                <a16:creationId xmlns="" xmlns:a16="http://schemas.microsoft.com/office/drawing/2014/main" id="{970F0842-7949-435F-814D-047398ACA20E}"/>
               </a:ext>
             </a:extLst>
           </p:cNvPr>
@@ -10135,7 +10133,7 @@
           <p:cNvPr id="24" name="Imagen 23">
             <a:extLst>
               <a:ext uri="{FF2B5EF4-FFF2-40B4-BE49-F238E27FC236}">
-                <a16:creationId xmlns:a16="http://schemas.microsoft.com/office/drawing/2014/main" xmlns="" id="{73E0D10E-035C-46D1-964D-13ADDC2E659C}"/>
+                <a16:creationId xmlns="" xmlns:a16="http://schemas.microsoft.com/office/drawing/2014/main" id="{73E0D10E-035C-46D1-964D-13ADDC2E659C}"/>
               </a:ext>
             </a:extLst>
           </p:cNvPr>
@@ -10165,7 +10163,7 @@
           <p:cNvPr id="5" name="CuadroTexto 4">
             <a:extLst>
               <a:ext uri="{FF2B5EF4-FFF2-40B4-BE49-F238E27FC236}">
-                <a16:creationId xmlns:a16="http://schemas.microsoft.com/office/drawing/2014/main" xmlns="" id="{1EF251DA-B8F0-5215-5CE0-E1C0F91ED86B}"/>
+                <a16:creationId xmlns="" xmlns:a16="http://schemas.microsoft.com/office/drawing/2014/main" id="{1EF251DA-B8F0-5215-5CE0-E1C0F91ED86B}"/>
               </a:ext>
             </a:extLst>
           </p:cNvPr>
@@ -10206,7 +10204,7 @@
           <p:cNvPr id="10" name="CuadroTexto 9">
             <a:extLst>
               <a:ext uri="{FF2B5EF4-FFF2-40B4-BE49-F238E27FC236}">
-                <a16:creationId xmlns:a16="http://schemas.microsoft.com/office/drawing/2014/main" xmlns="" id="{7283A91B-8F10-4BF1-B546-FA2AAB41496E}"/>
+                <a16:creationId xmlns="" xmlns:a16="http://schemas.microsoft.com/office/drawing/2014/main" id="{7283A91B-8F10-4BF1-B546-FA2AAB41496E}"/>
               </a:ext>
             </a:extLst>
           </p:cNvPr>
@@ -10243,7 +10241,7 @@
             <a:hlinkClick r:id="" action="ppaction://media"/>
             <a:extLst>
               <a:ext uri="{FF2B5EF4-FFF2-40B4-BE49-F238E27FC236}">
-                <a16:creationId xmlns:a16="http://schemas.microsoft.com/office/drawing/2014/main" xmlns="" id="{DE1110CD-2652-4425-BE73-70D816FBF177}"/>
+                <a16:creationId xmlns="" xmlns:a16="http://schemas.microsoft.com/office/drawing/2014/main" id="{DE1110CD-2652-4425-BE73-70D816FBF177}"/>
               </a:ext>
             </a:extLst>
           </p:cNvPr>
@@ -10275,7 +10273,7 @@
           <p:cNvPr id="12" name="Bocadillo: rectángulo 11">
             <a:extLst>
               <a:ext uri="{FF2B5EF4-FFF2-40B4-BE49-F238E27FC236}">
-                <a16:creationId xmlns:a16="http://schemas.microsoft.com/office/drawing/2014/main" xmlns="" id="{7AB558B6-4D91-4644-AC53-DEDAB1E2BAB4}"/>
+                <a16:creationId xmlns="" xmlns:a16="http://schemas.microsoft.com/office/drawing/2014/main" id="{7AB558B6-4D91-4644-AC53-DEDAB1E2BAB4}"/>
               </a:ext>
             </a:extLst>
           </p:cNvPr>
@@ -10393,7 +10391,7 @@
           <p:cNvPr id="14" name="Bocadillo: rectángulo 13">
             <a:extLst>
               <a:ext uri="{FF2B5EF4-FFF2-40B4-BE49-F238E27FC236}">
-                <a16:creationId xmlns:a16="http://schemas.microsoft.com/office/drawing/2014/main" xmlns="" id="{EECB8871-926D-4135-8D1C-CAEE1FCF96C4}"/>
+                <a16:creationId xmlns="" xmlns:a16="http://schemas.microsoft.com/office/drawing/2014/main" id="{EECB8871-926D-4135-8D1C-CAEE1FCF96C4}"/>
               </a:ext>
             </a:extLst>
           </p:cNvPr>
@@ -10511,7 +10509,7 @@
           <p:cNvPr id="15" name="Bocadillo: rectángulo 14">
             <a:extLst>
               <a:ext uri="{FF2B5EF4-FFF2-40B4-BE49-F238E27FC236}">
-                <a16:creationId xmlns:a16="http://schemas.microsoft.com/office/drawing/2014/main" xmlns="" id="{45AA9C72-18FD-43A8-AE8C-00A81F5D8C2E}"/>
+                <a16:creationId xmlns="" xmlns:a16="http://schemas.microsoft.com/office/drawing/2014/main" id="{45AA9C72-18FD-43A8-AE8C-00A81F5D8C2E}"/>
               </a:ext>
             </a:extLst>
           </p:cNvPr>
@@ -10629,7 +10627,7 @@
           <p:cNvPr id="21" name="CuadroTexto 20">
             <a:extLst>
               <a:ext uri="{FF2B5EF4-FFF2-40B4-BE49-F238E27FC236}">
-                <a16:creationId xmlns:a16="http://schemas.microsoft.com/office/drawing/2014/main" xmlns="" id="{10FFF914-56FD-4435-AF9F-B8B18F45FBAE}"/>
+                <a16:creationId xmlns="" xmlns:a16="http://schemas.microsoft.com/office/drawing/2014/main" id="{10FFF914-56FD-4435-AF9F-B8B18F45FBAE}"/>
               </a:ext>
             </a:extLst>
           </p:cNvPr>
@@ -10708,7 +10706,7 @@
           <p:cNvPr id="16" name="Rectángulo 15">
             <a:extLst>
               <a:ext uri="{FF2B5EF4-FFF2-40B4-BE49-F238E27FC236}">
-                <a16:creationId xmlns:a16="http://schemas.microsoft.com/office/drawing/2014/main" xmlns="" id="{90AD2C01-0806-40DB-B787-528F32368EB8}"/>
+                <a16:creationId xmlns="" xmlns:a16="http://schemas.microsoft.com/office/drawing/2014/main" id="{90AD2C01-0806-40DB-B787-528F32368EB8}"/>
               </a:ext>
             </a:extLst>
           </p:cNvPr>
@@ -10791,7 +10789,7 @@
           <p:cNvPr id="13" name="Rectángulo: esquinas redondeadas 12">
             <a:extLst>
               <a:ext uri="{FF2B5EF4-FFF2-40B4-BE49-F238E27FC236}">
-                <a16:creationId xmlns:a16="http://schemas.microsoft.com/office/drawing/2014/main" xmlns="" id="{AEA3DFEE-37E7-42E5-A1DE-D2E6C9BD02A9}"/>
+                <a16:creationId xmlns="" xmlns:a16="http://schemas.microsoft.com/office/drawing/2014/main" id="{AEA3DFEE-37E7-42E5-A1DE-D2E6C9BD02A9}"/>
               </a:ext>
             </a:extLst>
           </p:cNvPr>
@@ -10875,7 +10873,7 @@
           <p:cNvPr id="14" name="Bocadillo: rectángulo 13">
             <a:extLst>
               <a:ext uri="{FF2B5EF4-FFF2-40B4-BE49-F238E27FC236}">
-                <a16:creationId xmlns:a16="http://schemas.microsoft.com/office/drawing/2014/main" xmlns="" id="{EECB8871-926D-4135-8D1C-CAEE1FCF96C4}"/>
+                <a16:creationId xmlns="" xmlns:a16="http://schemas.microsoft.com/office/drawing/2014/main" id="{EECB8871-926D-4135-8D1C-CAEE1FCF96C4}"/>
               </a:ext>
             </a:extLst>
           </p:cNvPr>
@@ -10993,7 +10991,7 @@
           <p:cNvPr id="15" name="Bocadillo: rectángulo 14">
             <a:extLst>
               <a:ext uri="{FF2B5EF4-FFF2-40B4-BE49-F238E27FC236}">
-                <a16:creationId xmlns:a16="http://schemas.microsoft.com/office/drawing/2014/main" xmlns="" id="{45AA9C72-18FD-43A8-AE8C-00A81F5D8C2E}"/>
+                <a16:creationId xmlns="" xmlns:a16="http://schemas.microsoft.com/office/drawing/2014/main" id="{45AA9C72-18FD-43A8-AE8C-00A81F5D8C2E}"/>
               </a:ext>
             </a:extLst>
           </p:cNvPr>
@@ -11111,7 +11109,7 @@
           <p:cNvPr id="19" name="Rectángulo 18">
             <a:extLst>
               <a:ext uri="{FF2B5EF4-FFF2-40B4-BE49-F238E27FC236}">
-                <a16:creationId xmlns:a16="http://schemas.microsoft.com/office/drawing/2014/main" xmlns="" id="{ABC1DDFE-4F53-4B79-8C98-B536D4257692}"/>
+                <a16:creationId xmlns="" xmlns:a16="http://schemas.microsoft.com/office/drawing/2014/main" id="{ABC1DDFE-4F53-4B79-8C98-B536D4257692}"/>
               </a:ext>
             </a:extLst>
           </p:cNvPr>
@@ -11185,7 +11183,7 @@
           <p:cNvPr id="2050" name="Picture 2" descr="Genially – Recursos Pedagogicos Digitales">
             <a:extLst>
               <a:ext uri="{FF2B5EF4-FFF2-40B4-BE49-F238E27FC236}">
-                <a16:creationId xmlns:a16="http://schemas.microsoft.com/office/drawing/2014/main" xmlns="" id="{B18B8384-E8F3-4EB5-82B0-2C636ADB4DF2}"/>
+                <a16:creationId xmlns="" xmlns:a16="http://schemas.microsoft.com/office/drawing/2014/main" id="{B18B8384-E8F3-4EB5-82B0-2C636ADB4DF2}"/>
               </a:ext>
             </a:extLst>
           </p:cNvPr>
@@ -11232,7 +11230,7 @@
           <p:cNvPr id="20" name="Bocadillo: rectángulo 19">
             <a:extLst>
               <a:ext uri="{FF2B5EF4-FFF2-40B4-BE49-F238E27FC236}">
-                <a16:creationId xmlns:a16="http://schemas.microsoft.com/office/drawing/2014/main" xmlns="" id="{2171C07D-BC4B-42AA-8894-4D70E38A4A92}"/>
+                <a16:creationId xmlns="" xmlns:a16="http://schemas.microsoft.com/office/drawing/2014/main" id="{2171C07D-BC4B-42AA-8894-4D70E38A4A92}"/>
               </a:ext>
             </a:extLst>
           </p:cNvPr>
@@ -11376,7 +11374,7 @@
           <p:cNvPr id="22" name="CuadroTexto 21">
             <a:extLst>
               <a:ext uri="{FF2B5EF4-FFF2-40B4-BE49-F238E27FC236}">
-                <a16:creationId xmlns:a16="http://schemas.microsoft.com/office/drawing/2014/main" xmlns="" id="{2D1CCD66-7B72-4C3E-9D1B-A68E860D3202}"/>
+                <a16:creationId xmlns="" xmlns:a16="http://schemas.microsoft.com/office/drawing/2014/main" id="{2D1CCD66-7B72-4C3E-9D1B-A68E860D3202}"/>
               </a:ext>
             </a:extLst>
           </p:cNvPr>
@@ -11688,7 +11686,7 @@
           <p:cNvPr id="10" name="Imagen 9">
             <a:extLst>
               <a:ext uri="{FF2B5EF4-FFF2-40B4-BE49-F238E27FC236}">
-                <a16:creationId xmlns:a16="http://schemas.microsoft.com/office/drawing/2014/main" xmlns="" id="{C0774191-CBFB-4FF4-8430-2B8C1CD6F415}"/>
+                <a16:creationId xmlns="" xmlns:a16="http://schemas.microsoft.com/office/drawing/2014/main" id="{C0774191-CBFB-4FF4-8430-2B8C1CD6F415}"/>
               </a:ext>
             </a:extLst>
           </p:cNvPr>
@@ -11748,7 +11746,7 @@
           <p:cNvPr id="16" name="Rectángulo 15">
             <a:extLst>
               <a:ext uri="{FF2B5EF4-FFF2-40B4-BE49-F238E27FC236}">
-                <a16:creationId xmlns:a16="http://schemas.microsoft.com/office/drawing/2014/main" xmlns="" id="{90AD2C01-0806-40DB-B787-528F32368EB8}"/>
+                <a16:creationId xmlns="" xmlns:a16="http://schemas.microsoft.com/office/drawing/2014/main" id="{90AD2C01-0806-40DB-B787-528F32368EB8}"/>
               </a:ext>
             </a:extLst>
           </p:cNvPr>
@@ -11831,7 +11829,7 @@
           <p:cNvPr id="13" name="Rectángulo: esquinas redondeadas 12">
             <a:extLst>
               <a:ext uri="{FF2B5EF4-FFF2-40B4-BE49-F238E27FC236}">
-                <a16:creationId xmlns:a16="http://schemas.microsoft.com/office/drawing/2014/main" xmlns="" id="{AEA3DFEE-37E7-42E5-A1DE-D2E6C9BD02A9}"/>
+                <a16:creationId xmlns="" xmlns:a16="http://schemas.microsoft.com/office/drawing/2014/main" id="{AEA3DFEE-37E7-42E5-A1DE-D2E6C9BD02A9}"/>
               </a:ext>
             </a:extLst>
           </p:cNvPr>
@@ -11915,7 +11913,7 @@
           <p:cNvPr id="14" name="Bocadillo: rectángulo 13">
             <a:extLst>
               <a:ext uri="{FF2B5EF4-FFF2-40B4-BE49-F238E27FC236}">
-                <a16:creationId xmlns:a16="http://schemas.microsoft.com/office/drawing/2014/main" xmlns="" id="{EECB8871-926D-4135-8D1C-CAEE1FCF96C4}"/>
+                <a16:creationId xmlns="" xmlns:a16="http://schemas.microsoft.com/office/drawing/2014/main" id="{EECB8871-926D-4135-8D1C-CAEE1FCF96C4}"/>
               </a:ext>
             </a:extLst>
           </p:cNvPr>
@@ -12033,7 +12031,7 @@
           <p:cNvPr id="15" name="Bocadillo: rectángulo 14">
             <a:extLst>
               <a:ext uri="{FF2B5EF4-FFF2-40B4-BE49-F238E27FC236}">
-                <a16:creationId xmlns:a16="http://schemas.microsoft.com/office/drawing/2014/main" xmlns="" id="{45AA9C72-18FD-43A8-AE8C-00A81F5D8C2E}"/>
+                <a16:creationId xmlns="" xmlns:a16="http://schemas.microsoft.com/office/drawing/2014/main" id="{45AA9C72-18FD-43A8-AE8C-00A81F5D8C2E}"/>
               </a:ext>
             </a:extLst>
           </p:cNvPr>
@@ -12151,7 +12149,7 @@
           <p:cNvPr id="19" name="Rectángulo 18">
             <a:extLst>
               <a:ext uri="{FF2B5EF4-FFF2-40B4-BE49-F238E27FC236}">
-                <a16:creationId xmlns:a16="http://schemas.microsoft.com/office/drawing/2014/main" xmlns="" id="{ABC1DDFE-4F53-4B79-8C98-B536D4257692}"/>
+                <a16:creationId xmlns="" xmlns:a16="http://schemas.microsoft.com/office/drawing/2014/main" id="{ABC1DDFE-4F53-4B79-8C98-B536D4257692}"/>
               </a:ext>
             </a:extLst>
           </p:cNvPr>
@@ -12230,7 +12228,7 @@
           <p:cNvPr id="20" name="Bocadillo: rectángulo 19">
             <a:extLst>
               <a:ext uri="{FF2B5EF4-FFF2-40B4-BE49-F238E27FC236}">
-                <a16:creationId xmlns:a16="http://schemas.microsoft.com/office/drawing/2014/main" xmlns="" id="{2171C07D-BC4B-42AA-8894-4D70E38A4A92}"/>
+                <a16:creationId xmlns="" xmlns:a16="http://schemas.microsoft.com/office/drawing/2014/main" id="{2171C07D-BC4B-42AA-8894-4D70E38A4A92}"/>
               </a:ext>
             </a:extLst>
           </p:cNvPr>
@@ -12358,7 +12356,7 @@
           <p:cNvPr id="2" name="CuadroTexto 1">
             <a:extLst>
               <a:ext uri="{FF2B5EF4-FFF2-40B4-BE49-F238E27FC236}">
-                <a16:creationId xmlns:a16="http://schemas.microsoft.com/office/drawing/2014/main" xmlns="" id="{94A7B772-DF3B-4A07-84E5-697CE0A97845}"/>
+                <a16:creationId xmlns="" xmlns:a16="http://schemas.microsoft.com/office/drawing/2014/main" id="{94A7B772-DF3B-4A07-84E5-697CE0A97845}"/>
               </a:ext>
             </a:extLst>
           </p:cNvPr>
@@ -12426,7 +12424,7 @@
           <p:cNvPr id="4" name="Imagen 3">
             <a:extLst>
               <a:ext uri="{FF2B5EF4-FFF2-40B4-BE49-F238E27FC236}">
-                <a16:creationId xmlns:a16="http://schemas.microsoft.com/office/drawing/2014/main" xmlns="" id="{6E86868C-4529-4682-9068-0EC294A9FD57}"/>
+                <a16:creationId xmlns="" xmlns:a16="http://schemas.microsoft.com/office/drawing/2014/main" id="{6E86868C-4529-4682-9068-0EC294A9FD57}"/>
               </a:ext>
             </a:extLst>
           </p:cNvPr>
@@ -12508,7 +12506,7 @@
           <p:cNvPr id="12" name="Bocadillo: rectángulo 11">
             <a:extLst>
               <a:ext uri="{FF2B5EF4-FFF2-40B4-BE49-F238E27FC236}">
-                <a16:creationId xmlns:a16="http://schemas.microsoft.com/office/drawing/2014/main" xmlns="" id="{70B146D3-6014-43AE-AB94-DAB0ED5EB331}"/>
+                <a16:creationId xmlns="" xmlns:a16="http://schemas.microsoft.com/office/drawing/2014/main" id="{70B146D3-6014-43AE-AB94-DAB0ED5EB331}"/>
               </a:ext>
             </a:extLst>
           </p:cNvPr>
@@ -12628,7 +12626,7 @@
           <p:cNvPr id="17" name="CuadroTexto 16">
             <a:extLst>
               <a:ext uri="{FF2B5EF4-FFF2-40B4-BE49-F238E27FC236}">
-                <a16:creationId xmlns:a16="http://schemas.microsoft.com/office/drawing/2014/main" xmlns="" id="{2F6D32AD-98E7-44F8-9589-8617C6D3D70C}"/>
+                <a16:creationId xmlns="" xmlns:a16="http://schemas.microsoft.com/office/drawing/2014/main" id="{2F6D32AD-98E7-44F8-9589-8617C6D3D70C}"/>
               </a:ext>
             </a:extLst>
           </p:cNvPr>
@@ -12872,7 +12870,7 @@
           <p:cNvPr id="16" name="Rectángulo 15">
             <a:extLst>
               <a:ext uri="{FF2B5EF4-FFF2-40B4-BE49-F238E27FC236}">
-                <a16:creationId xmlns:a16="http://schemas.microsoft.com/office/drawing/2014/main" xmlns="" id="{90AD2C01-0806-40DB-B787-528F32368EB8}"/>
+                <a16:creationId xmlns="" xmlns:a16="http://schemas.microsoft.com/office/drawing/2014/main" id="{90AD2C01-0806-40DB-B787-528F32368EB8}"/>
               </a:ext>
             </a:extLst>
           </p:cNvPr>
@@ -12955,7 +12953,7 @@
           <p:cNvPr id="2" name="Rectángulo 1">
             <a:extLst>
               <a:ext uri="{FF2B5EF4-FFF2-40B4-BE49-F238E27FC236}">
-                <a16:creationId xmlns:a16="http://schemas.microsoft.com/office/drawing/2014/main" xmlns="" id="{BBDB4281-4FFA-40A6-BBD4-150933920B73}"/>
+                <a16:creationId xmlns="" xmlns:a16="http://schemas.microsoft.com/office/drawing/2014/main" id="{BBDB4281-4FFA-40A6-BBD4-150933920B73}"/>
               </a:ext>
             </a:extLst>
           </p:cNvPr>
@@ -13011,7 +13009,7 @@
           <p:cNvPr id="13" name="Rectángulo: esquinas redondeadas 12">
             <a:extLst>
               <a:ext uri="{FF2B5EF4-FFF2-40B4-BE49-F238E27FC236}">
-                <a16:creationId xmlns:a16="http://schemas.microsoft.com/office/drawing/2014/main" xmlns="" id="{AEA3DFEE-37E7-42E5-A1DE-D2E6C9BD02A9}"/>
+                <a16:creationId xmlns="" xmlns:a16="http://schemas.microsoft.com/office/drawing/2014/main" id="{AEA3DFEE-37E7-42E5-A1DE-D2E6C9BD02A9}"/>
               </a:ext>
             </a:extLst>
           </p:cNvPr>
@@ -13095,7 +13093,7 @@
           <p:cNvPr id="17" name="CuadroTexto 16">
             <a:extLst>
               <a:ext uri="{FF2B5EF4-FFF2-40B4-BE49-F238E27FC236}">
-                <a16:creationId xmlns:a16="http://schemas.microsoft.com/office/drawing/2014/main" xmlns="" id="{970F0842-7949-435F-814D-047398ACA20E}"/>
+                <a16:creationId xmlns="" xmlns:a16="http://schemas.microsoft.com/office/drawing/2014/main" id="{970F0842-7949-435F-814D-047398ACA20E}"/>
               </a:ext>
             </a:extLst>
           </p:cNvPr>
@@ -15227,7 +15225,7 @@
           <p:cNvPr id="24" name="Imagen 23">
             <a:extLst>
               <a:ext uri="{FF2B5EF4-FFF2-40B4-BE49-F238E27FC236}">
-                <a16:creationId xmlns:a16="http://schemas.microsoft.com/office/drawing/2014/main" xmlns="" id="{73E0D10E-035C-46D1-964D-13ADDC2E659C}"/>
+                <a16:creationId xmlns="" xmlns:a16="http://schemas.microsoft.com/office/drawing/2014/main" id="{73E0D10E-035C-46D1-964D-13ADDC2E659C}"/>
               </a:ext>
             </a:extLst>
           </p:cNvPr>
@@ -15257,7 +15255,7 @@
           <p:cNvPr id="5" name="CuadroTexto 4">
             <a:extLst>
               <a:ext uri="{FF2B5EF4-FFF2-40B4-BE49-F238E27FC236}">
-                <a16:creationId xmlns:a16="http://schemas.microsoft.com/office/drawing/2014/main" xmlns="" id="{3C35B68E-42CB-6FC4-BEE0-4E9094D553E7}"/>
+                <a16:creationId xmlns="" xmlns:a16="http://schemas.microsoft.com/office/drawing/2014/main" id="{3C35B68E-42CB-6FC4-BEE0-4E9094D553E7}"/>
               </a:ext>
             </a:extLst>
           </p:cNvPr>
@@ -15298,7 +15296,7 @@
           <p:cNvPr id="10" name="CuadroTexto 9">
             <a:extLst>
               <a:ext uri="{FF2B5EF4-FFF2-40B4-BE49-F238E27FC236}">
-                <a16:creationId xmlns:a16="http://schemas.microsoft.com/office/drawing/2014/main" xmlns="" id="{79A47E6A-9179-446B-8F9E-CDA709DE068B}"/>
+                <a16:creationId xmlns="" xmlns:a16="http://schemas.microsoft.com/office/drawing/2014/main" id="{79A47E6A-9179-446B-8F9E-CDA709DE068B}"/>
               </a:ext>
             </a:extLst>
           </p:cNvPr>
@@ -15333,7 +15331,7 @@
           <p:cNvPr id="11" name="CuadroTexto 10">
             <a:extLst>
               <a:ext uri="{FF2B5EF4-FFF2-40B4-BE49-F238E27FC236}">
-                <a16:creationId xmlns:a16="http://schemas.microsoft.com/office/drawing/2014/main" xmlns="" id="{CCDFED41-AE4C-4655-9658-10BD76A33CC7}"/>
+                <a16:creationId xmlns="" xmlns:a16="http://schemas.microsoft.com/office/drawing/2014/main" id="{CCDFED41-AE4C-4655-9658-10BD76A33CC7}"/>
               </a:ext>
             </a:extLst>
           </p:cNvPr>
@@ -15404,7 +15402,7 @@
           <p:cNvPr id="12" name="Gráfico 11" descr="Presentación con gráfico de barras con relleno sólido">
             <a:extLst>
               <a:ext uri="{FF2B5EF4-FFF2-40B4-BE49-F238E27FC236}">
-                <a16:creationId xmlns:a16="http://schemas.microsoft.com/office/drawing/2014/main" xmlns="" id="{30EBDC8D-C7A0-41CD-B776-F86A7B08A404}"/>
+                <a16:creationId xmlns="" xmlns:a16="http://schemas.microsoft.com/office/drawing/2014/main" id="{30EBDC8D-C7A0-41CD-B776-F86A7B08A404}"/>
               </a:ext>
             </a:extLst>
           </p:cNvPr>
@@ -15420,7 +15418,7 @@
                 <a14:useLocalDpi xmlns:a14="http://schemas.microsoft.com/office/drawing/2010/main" val="0"/>
               </a:ext>
               <a:ext uri="{96DAC541-7B7A-43D3-8B79-37D633B846F1}">
-                <asvg:svgBlip xmlns:asvg="http://schemas.microsoft.com/office/drawing/2016/SVG/main" xmlns="" r:embed="rId4"/>
+                <asvg:svgBlip xmlns="" xmlns:asvg="http://schemas.microsoft.com/office/drawing/2016/SVG/main" r:embed="rId4"/>
               </a:ext>
             </a:extLst>
           </a:blip>
@@ -15443,7 +15441,7 @@
           <p:cNvPr id="14" name="Bocadillo: rectángulo 13">
             <a:extLst>
               <a:ext uri="{FF2B5EF4-FFF2-40B4-BE49-F238E27FC236}">
-                <a16:creationId xmlns:a16="http://schemas.microsoft.com/office/drawing/2014/main" xmlns="" id="{A3F02F3D-5E64-486D-BE7F-ABB4A350FA26}"/>
+                <a16:creationId xmlns="" xmlns:a16="http://schemas.microsoft.com/office/drawing/2014/main" id="{A3F02F3D-5E64-486D-BE7F-ABB4A350FA26}"/>
               </a:ext>
             </a:extLst>
           </p:cNvPr>
@@ -15561,7 +15559,7 @@
           <p:cNvPr id="15" name="Bocadillo: rectángulo 14">
             <a:extLst>
               <a:ext uri="{FF2B5EF4-FFF2-40B4-BE49-F238E27FC236}">
-                <a16:creationId xmlns:a16="http://schemas.microsoft.com/office/drawing/2014/main" xmlns="" id="{E9C0407C-B2DE-40DD-8202-4A670E937C59}"/>
+                <a16:creationId xmlns="" xmlns:a16="http://schemas.microsoft.com/office/drawing/2014/main" id="{E9C0407C-B2DE-40DD-8202-4A670E937C59}"/>
               </a:ext>
             </a:extLst>
           </p:cNvPr>
@@ -15679,7 +15677,7 @@
           <p:cNvPr id="18" name="Bocadillo: rectángulo 17">
             <a:extLst>
               <a:ext uri="{FF2B5EF4-FFF2-40B4-BE49-F238E27FC236}">
-                <a16:creationId xmlns:a16="http://schemas.microsoft.com/office/drawing/2014/main" xmlns="" id="{813DC902-3B83-4DBF-BB2A-315A7B40778C}"/>
+                <a16:creationId xmlns="" xmlns:a16="http://schemas.microsoft.com/office/drawing/2014/main" id="{813DC902-3B83-4DBF-BB2A-315A7B40778C}"/>
               </a:ext>
             </a:extLst>
           </p:cNvPr>
@@ -15797,7 +15795,7 @@
           <p:cNvPr id="19" name="Bocadillo: rectángulo 18">
             <a:extLst>
               <a:ext uri="{FF2B5EF4-FFF2-40B4-BE49-F238E27FC236}">
-                <a16:creationId xmlns:a16="http://schemas.microsoft.com/office/drawing/2014/main" xmlns="" id="{BA7122EF-1426-47FE-B1C2-D6EA4C5D0F7A}"/>
+                <a16:creationId xmlns="" xmlns:a16="http://schemas.microsoft.com/office/drawing/2014/main" id="{BA7122EF-1426-47FE-B1C2-D6EA4C5D0F7A}"/>
               </a:ext>
             </a:extLst>
           </p:cNvPr>
@@ -15915,7 +15913,7 @@
           <p:cNvPr id="20" name="Imagen 19">
             <a:extLst>
               <a:ext uri="{FF2B5EF4-FFF2-40B4-BE49-F238E27FC236}">
-                <a16:creationId xmlns:a16="http://schemas.microsoft.com/office/drawing/2014/main" xmlns="" id="{B7E9E855-6C1B-481F-B3F0-835364E64BCB}"/>
+                <a16:creationId xmlns="" xmlns:a16="http://schemas.microsoft.com/office/drawing/2014/main" id="{B7E9E855-6C1B-481F-B3F0-835364E64BCB}"/>
               </a:ext>
             </a:extLst>
           </p:cNvPr>
@@ -15975,7 +15973,7 @@
           <p:cNvPr id="16" name="Rectángulo 15">
             <a:extLst>
               <a:ext uri="{FF2B5EF4-FFF2-40B4-BE49-F238E27FC236}">
-                <a16:creationId xmlns:a16="http://schemas.microsoft.com/office/drawing/2014/main" xmlns="" id="{90AD2C01-0806-40DB-B787-528F32368EB8}"/>
+                <a16:creationId xmlns="" xmlns:a16="http://schemas.microsoft.com/office/drawing/2014/main" id="{90AD2C01-0806-40DB-B787-528F32368EB8}"/>
               </a:ext>
             </a:extLst>
           </p:cNvPr>
@@ -16058,7 +16056,7 @@
           <p:cNvPr id="13" name="Rectángulo: esquinas redondeadas 12">
             <a:extLst>
               <a:ext uri="{FF2B5EF4-FFF2-40B4-BE49-F238E27FC236}">
-                <a16:creationId xmlns:a16="http://schemas.microsoft.com/office/drawing/2014/main" xmlns="" id="{AEA3DFEE-37E7-42E5-A1DE-D2E6C9BD02A9}"/>
+                <a16:creationId xmlns="" xmlns:a16="http://schemas.microsoft.com/office/drawing/2014/main" id="{AEA3DFEE-37E7-42E5-A1DE-D2E6C9BD02A9}"/>
               </a:ext>
             </a:extLst>
           </p:cNvPr>
@@ -16131,7 +16129,7 @@
           <p:cNvPr id="17" name="CuadroTexto 16">
             <a:extLst>
               <a:ext uri="{FF2B5EF4-FFF2-40B4-BE49-F238E27FC236}">
-                <a16:creationId xmlns:a16="http://schemas.microsoft.com/office/drawing/2014/main" xmlns="" id="{970F0842-7949-435F-814D-047398ACA20E}"/>
+                <a16:creationId xmlns="" xmlns:a16="http://schemas.microsoft.com/office/drawing/2014/main" id="{970F0842-7949-435F-814D-047398ACA20E}"/>
               </a:ext>
             </a:extLst>
           </p:cNvPr>
@@ -17251,7 +17249,7 @@
           <p:cNvPr id="16" name="Rectángulo 15">
             <a:extLst>
               <a:ext uri="{FF2B5EF4-FFF2-40B4-BE49-F238E27FC236}">
-                <a16:creationId xmlns:a16="http://schemas.microsoft.com/office/drawing/2014/main" xmlns="" id="{90AD2C01-0806-40DB-B787-528F32368EB8}"/>
+                <a16:creationId xmlns="" xmlns:a16="http://schemas.microsoft.com/office/drawing/2014/main" id="{90AD2C01-0806-40DB-B787-528F32368EB8}"/>
               </a:ext>
             </a:extLst>
           </p:cNvPr>
@@ -17334,7 +17332,7 @@
           <p:cNvPr id="2" name="Rectángulo 1">
             <a:extLst>
               <a:ext uri="{FF2B5EF4-FFF2-40B4-BE49-F238E27FC236}">
-                <a16:creationId xmlns:a16="http://schemas.microsoft.com/office/drawing/2014/main" xmlns="" id="{BBDB4281-4FFA-40A6-BBD4-150933920B73}"/>
+                <a16:creationId xmlns="" xmlns:a16="http://schemas.microsoft.com/office/drawing/2014/main" id="{BBDB4281-4FFA-40A6-BBD4-150933920B73}"/>
               </a:ext>
             </a:extLst>
           </p:cNvPr>
@@ -17401,7 +17399,7 @@
           <p:cNvPr id="13" name="Rectángulo: esquinas redondeadas 12">
             <a:extLst>
               <a:ext uri="{FF2B5EF4-FFF2-40B4-BE49-F238E27FC236}">
-                <a16:creationId xmlns:a16="http://schemas.microsoft.com/office/drawing/2014/main" xmlns="" id="{AEA3DFEE-37E7-42E5-A1DE-D2E6C9BD02A9}"/>
+                <a16:creationId xmlns="" xmlns:a16="http://schemas.microsoft.com/office/drawing/2014/main" id="{AEA3DFEE-37E7-42E5-A1DE-D2E6C9BD02A9}"/>
               </a:ext>
             </a:extLst>
           </p:cNvPr>
@@ -17474,7 +17472,7 @@
           <p:cNvPr id="12" name="Tabla 11">
             <a:extLst>
               <a:ext uri="{FF2B5EF4-FFF2-40B4-BE49-F238E27FC236}">
-                <a16:creationId xmlns:a16="http://schemas.microsoft.com/office/drawing/2014/main" xmlns="" id="{52FC8807-B356-CF9F-F56F-F1567EDD474C}"/>
+                <a16:creationId xmlns="" xmlns:a16="http://schemas.microsoft.com/office/drawing/2014/main" id="{52FC8807-B356-CF9F-F56F-F1567EDD474C}"/>
               </a:ext>
             </a:extLst>
           </p:cNvPr>
@@ -17503,7 +17501,7 @@
                 <a:gridCol w="5757545">
                   <a:extLst>
                     <a:ext uri="{9D8B030D-6E8A-4147-A177-3AD203B41FA5}">
-                      <a16:colId xmlns:a16="http://schemas.microsoft.com/office/drawing/2014/main" xmlns="" val="2369263136"/>
+                      <a16:colId xmlns="" xmlns:a16="http://schemas.microsoft.com/office/drawing/2014/main" val="2369263136"/>
                     </a:ext>
                   </a:extLst>
                 </a:gridCol>
@@ -17950,7 +17948,7 @@
                 </a:tc>
                 <a:extLst>
                   <a:ext uri="{0D108BD9-81ED-4DB2-BD59-A6C34878D82A}">
-                    <a16:rowId xmlns:a16="http://schemas.microsoft.com/office/drawing/2014/main" xmlns="" val="1204910751"/>
+                    <a16:rowId xmlns="" xmlns:a16="http://schemas.microsoft.com/office/drawing/2014/main" val="1204910751"/>
                   </a:ext>
                 </a:extLst>
               </a:tr>
@@ -17963,7 +17961,7 @@
           <p:cNvPr id="4" name="CuadroTexto 3">
             <a:extLst>
               <a:ext uri="{FF2B5EF4-FFF2-40B4-BE49-F238E27FC236}">
-                <a16:creationId xmlns:a16="http://schemas.microsoft.com/office/drawing/2014/main" xmlns="" id="{6B864D28-34B9-7ADA-9AE8-64D393AFCD5C}"/>
+                <a16:creationId xmlns="" xmlns:a16="http://schemas.microsoft.com/office/drawing/2014/main" id="{6B864D28-34B9-7ADA-9AE8-64D393AFCD5C}"/>
               </a:ext>
             </a:extLst>
           </p:cNvPr>
@@ -18014,7 +18012,7 @@
           <p:cNvPr id="14" name="Bocadillo: rectángulo 13">
             <a:extLst>
               <a:ext uri="{FF2B5EF4-FFF2-40B4-BE49-F238E27FC236}">
-                <a16:creationId xmlns:a16="http://schemas.microsoft.com/office/drawing/2014/main" xmlns="" id="{7811C493-D27C-4BA7-BCE4-5630DC219693}"/>
+                <a16:creationId xmlns="" xmlns:a16="http://schemas.microsoft.com/office/drawing/2014/main" id="{7811C493-D27C-4BA7-BCE4-5630DC219693}"/>
               </a:ext>
             </a:extLst>
           </p:cNvPr>
@@ -18110,7 +18108,7 @@
           <p:cNvPr id="15" name="Bocadillo: rectángulo 14">
             <a:extLst>
               <a:ext uri="{FF2B5EF4-FFF2-40B4-BE49-F238E27FC236}">
-                <a16:creationId xmlns:a16="http://schemas.microsoft.com/office/drawing/2014/main" xmlns="" id="{2A4D108D-3CCA-4844-8601-7F98A87C08B4}"/>
+                <a16:creationId xmlns="" xmlns:a16="http://schemas.microsoft.com/office/drawing/2014/main" id="{2A4D108D-3CCA-4844-8601-7F98A87C08B4}"/>
               </a:ext>
             </a:extLst>
           </p:cNvPr>
@@ -18228,7 +18226,7 @@
           <p:cNvPr id="19" name="Bocadillo: rectángulo 18">
             <a:extLst>
               <a:ext uri="{FF2B5EF4-FFF2-40B4-BE49-F238E27FC236}">
-                <a16:creationId xmlns:a16="http://schemas.microsoft.com/office/drawing/2014/main" xmlns="" id="{8798B31C-5E6C-4ECC-8B97-75AC7A4BEAF9}"/>
+                <a16:creationId xmlns="" xmlns:a16="http://schemas.microsoft.com/office/drawing/2014/main" id="{8798B31C-5E6C-4ECC-8B97-75AC7A4BEAF9}"/>
               </a:ext>
             </a:extLst>
           </p:cNvPr>
@@ -18346,7 +18344,7 @@
           <p:cNvPr id="21" name="CuadroTexto 20">
             <a:extLst>
               <a:ext uri="{FF2B5EF4-FFF2-40B4-BE49-F238E27FC236}">
-                <a16:creationId xmlns:a16="http://schemas.microsoft.com/office/drawing/2014/main" xmlns="" id="{0A092499-7674-442E-AB84-A69D3C31FD37}"/>
+                <a16:creationId xmlns="" xmlns:a16="http://schemas.microsoft.com/office/drawing/2014/main" id="{0A092499-7674-442E-AB84-A69D3C31FD37}"/>
               </a:ext>
             </a:extLst>
           </p:cNvPr>
@@ -18564,7 +18562,7 @@
           <p:cNvPr id="16" name="Rectángulo 15">
             <a:extLst>
               <a:ext uri="{FF2B5EF4-FFF2-40B4-BE49-F238E27FC236}">
-                <a16:creationId xmlns:a16="http://schemas.microsoft.com/office/drawing/2014/main" xmlns="" id="{90AD2C01-0806-40DB-B787-528F32368EB8}"/>
+                <a16:creationId xmlns="" xmlns:a16="http://schemas.microsoft.com/office/drawing/2014/main" id="{90AD2C01-0806-40DB-B787-528F32368EB8}"/>
               </a:ext>
             </a:extLst>
           </p:cNvPr>
@@ -18647,7 +18645,7 @@
           <p:cNvPr id="2" name="Rectángulo 1">
             <a:extLst>
               <a:ext uri="{FF2B5EF4-FFF2-40B4-BE49-F238E27FC236}">
-                <a16:creationId xmlns:a16="http://schemas.microsoft.com/office/drawing/2014/main" xmlns="" id="{BBDB4281-4FFA-40A6-BBD4-150933920B73}"/>
+                <a16:creationId xmlns="" xmlns:a16="http://schemas.microsoft.com/office/drawing/2014/main" id="{BBDB4281-4FFA-40A6-BBD4-150933920B73}"/>
               </a:ext>
             </a:extLst>
           </p:cNvPr>
@@ -18710,7 +18708,7 @@
           <p:cNvPr id="13" name="Rectángulo: esquinas redondeadas 12">
             <a:extLst>
               <a:ext uri="{FF2B5EF4-FFF2-40B4-BE49-F238E27FC236}">
-                <a16:creationId xmlns:a16="http://schemas.microsoft.com/office/drawing/2014/main" xmlns="" id="{AEA3DFEE-37E7-42E5-A1DE-D2E6C9BD02A9}"/>
+                <a16:creationId xmlns="" xmlns:a16="http://schemas.microsoft.com/office/drawing/2014/main" id="{AEA3DFEE-37E7-42E5-A1DE-D2E6C9BD02A9}"/>
               </a:ext>
             </a:extLst>
           </p:cNvPr>
@@ -18783,7 +18781,7 @@
           <p:cNvPr id="24" name="Imagen 23">
             <a:extLst>
               <a:ext uri="{FF2B5EF4-FFF2-40B4-BE49-F238E27FC236}">
-                <a16:creationId xmlns:a16="http://schemas.microsoft.com/office/drawing/2014/main" xmlns="" id="{73E0D10E-035C-46D1-964D-13ADDC2E659C}"/>
+                <a16:creationId xmlns="" xmlns:a16="http://schemas.microsoft.com/office/drawing/2014/main" id="{73E0D10E-035C-46D1-964D-13ADDC2E659C}"/>
               </a:ext>
             </a:extLst>
           </p:cNvPr>
@@ -18813,7 +18811,7 @@
           <p:cNvPr id="4" name="CuadroTexto 3">
             <a:extLst>
               <a:ext uri="{FF2B5EF4-FFF2-40B4-BE49-F238E27FC236}">
-                <a16:creationId xmlns:a16="http://schemas.microsoft.com/office/drawing/2014/main" xmlns="" id="{84313BB7-A564-66CC-EA91-D1C219ECC382}"/>
+                <a16:creationId xmlns="" xmlns:a16="http://schemas.microsoft.com/office/drawing/2014/main" id="{84313BB7-A564-66CC-EA91-D1C219ECC382}"/>
               </a:ext>
             </a:extLst>
           </p:cNvPr>
@@ -19064,7 +19062,7 @@
           <p:cNvPr id="8" name="CuadroTexto 7">
             <a:extLst>
               <a:ext uri="{FF2B5EF4-FFF2-40B4-BE49-F238E27FC236}">
-                <a16:creationId xmlns:a16="http://schemas.microsoft.com/office/drawing/2014/main" xmlns="" id="{FB7F753E-371D-373C-A3DE-EDE25CC123D7}"/>
+                <a16:creationId xmlns="" xmlns:a16="http://schemas.microsoft.com/office/drawing/2014/main" id="{FB7F753E-371D-373C-A3DE-EDE25CC123D7}"/>
               </a:ext>
             </a:extLst>
           </p:cNvPr>
@@ -19105,7 +19103,7 @@
           <p:cNvPr id="9" name="CuadroTexto 8">
             <a:extLst>
               <a:ext uri="{FF2B5EF4-FFF2-40B4-BE49-F238E27FC236}">
-                <a16:creationId xmlns:a16="http://schemas.microsoft.com/office/drawing/2014/main" xmlns="" id="{8B50032A-D746-7FCF-5451-18B7F278A9BE}"/>
+                <a16:creationId xmlns="" xmlns:a16="http://schemas.microsoft.com/office/drawing/2014/main" id="{8B50032A-D746-7FCF-5451-18B7F278A9BE}"/>
               </a:ext>
             </a:extLst>
           </p:cNvPr>
@@ -19182,7 +19180,7 @@
           <p:cNvPr id="15" name="CuadroTexto 14">
             <a:extLst>
               <a:ext uri="{FF2B5EF4-FFF2-40B4-BE49-F238E27FC236}">
-                <a16:creationId xmlns:a16="http://schemas.microsoft.com/office/drawing/2014/main" xmlns="" id="{2C3393E6-D548-4287-8D70-66582CF6829B}"/>
+                <a16:creationId xmlns="" xmlns:a16="http://schemas.microsoft.com/office/drawing/2014/main" id="{2C3393E6-D548-4287-8D70-66582CF6829B}"/>
               </a:ext>
             </a:extLst>
           </p:cNvPr>
@@ -19217,7 +19215,7 @@
           <p:cNvPr id="18" name="Bocadillo: rectángulo 17">
             <a:extLst>
               <a:ext uri="{FF2B5EF4-FFF2-40B4-BE49-F238E27FC236}">
-                <a16:creationId xmlns:a16="http://schemas.microsoft.com/office/drawing/2014/main" xmlns="" id="{6B3157E9-8B08-4689-8092-059B7B1A7944}"/>
+                <a16:creationId xmlns="" xmlns:a16="http://schemas.microsoft.com/office/drawing/2014/main" id="{6B3157E9-8B08-4689-8092-059B7B1A7944}"/>
               </a:ext>
             </a:extLst>
           </p:cNvPr>
@@ -19313,7 +19311,7 @@
           <p:cNvPr id="19" name="Picture 2" descr="Ver las imágenes de origen">
             <a:extLst>
               <a:ext uri="{FF2B5EF4-FFF2-40B4-BE49-F238E27FC236}">
-                <a16:creationId xmlns:a16="http://schemas.microsoft.com/office/drawing/2014/main" xmlns="" id="{0AE98D6A-66C8-4EE1-A314-ECFDC88DB775}"/>
+                <a16:creationId xmlns="" xmlns:a16="http://schemas.microsoft.com/office/drawing/2014/main" id="{0AE98D6A-66C8-4EE1-A314-ECFDC88DB775}"/>
               </a:ext>
             </a:extLst>
           </p:cNvPr>
@@ -19386,7 +19384,7 @@
           <p:cNvPr id="21" name="CuadroTexto 20">
             <a:extLst>
               <a:ext uri="{FF2B5EF4-FFF2-40B4-BE49-F238E27FC236}">
-                <a16:creationId xmlns:a16="http://schemas.microsoft.com/office/drawing/2014/main" xmlns="" id="{B06D1F65-AAB5-46E0-8E48-A9807EA89C80}"/>
+                <a16:creationId xmlns="" xmlns:a16="http://schemas.microsoft.com/office/drawing/2014/main" id="{B06D1F65-AAB5-46E0-8E48-A9807EA89C80}"/>
               </a:ext>
             </a:extLst>
           </p:cNvPr>
@@ -19487,7 +19485,7 @@
           <p:cNvPr id="22" name="Bocadillo: rectángulo 21">
             <a:extLst>
               <a:ext uri="{FF2B5EF4-FFF2-40B4-BE49-F238E27FC236}">
-                <a16:creationId xmlns:a16="http://schemas.microsoft.com/office/drawing/2014/main" xmlns="" id="{FBDEA17F-4E87-47FF-8FCC-2725070B3844}"/>
+                <a16:creationId xmlns="" xmlns:a16="http://schemas.microsoft.com/office/drawing/2014/main" id="{FBDEA17F-4E87-47FF-8FCC-2725070B3844}"/>
               </a:ext>
             </a:extLst>
           </p:cNvPr>
@@ -19605,7 +19603,7 @@
           <p:cNvPr id="23" name="Bocadillo: rectángulo 22">
             <a:extLst>
               <a:ext uri="{FF2B5EF4-FFF2-40B4-BE49-F238E27FC236}">
-                <a16:creationId xmlns:a16="http://schemas.microsoft.com/office/drawing/2014/main" xmlns="" id="{EAA878C3-55CB-48E3-8699-4F6759B3674A}"/>
+                <a16:creationId xmlns="" xmlns:a16="http://schemas.microsoft.com/office/drawing/2014/main" id="{EAA878C3-55CB-48E3-8699-4F6759B3674A}"/>
               </a:ext>
             </a:extLst>
           </p:cNvPr>
@@ -19723,7 +19721,7 @@
           <p:cNvPr id="25" name="Bocadillo: rectángulo 24">
             <a:extLst>
               <a:ext uri="{FF2B5EF4-FFF2-40B4-BE49-F238E27FC236}">
-                <a16:creationId xmlns:a16="http://schemas.microsoft.com/office/drawing/2014/main" xmlns="" id="{C7FA67BE-ED61-466B-826B-77426EB9BB84}"/>
+                <a16:creationId xmlns="" xmlns:a16="http://schemas.microsoft.com/office/drawing/2014/main" id="{C7FA67BE-ED61-466B-826B-77426EB9BB84}"/>
               </a:ext>
             </a:extLst>
           </p:cNvPr>
@@ -19871,7 +19869,7 @@
           <p:cNvPr id="16" name="Rectángulo 15">
             <a:extLst>
               <a:ext uri="{FF2B5EF4-FFF2-40B4-BE49-F238E27FC236}">
-                <a16:creationId xmlns:a16="http://schemas.microsoft.com/office/drawing/2014/main" xmlns="" id="{90AD2C01-0806-40DB-B787-528F32368EB8}"/>
+                <a16:creationId xmlns="" xmlns:a16="http://schemas.microsoft.com/office/drawing/2014/main" id="{90AD2C01-0806-40DB-B787-528F32368EB8}"/>
               </a:ext>
             </a:extLst>
           </p:cNvPr>
@@ -19954,7 +19952,7 @@
           <p:cNvPr id="2" name="Rectángulo 1">
             <a:extLst>
               <a:ext uri="{FF2B5EF4-FFF2-40B4-BE49-F238E27FC236}">
-                <a16:creationId xmlns:a16="http://schemas.microsoft.com/office/drawing/2014/main" xmlns="" id="{BBDB4281-4FFA-40A6-BBD4-150933920B73}"/>
+                <a16:creationId xmlns="" xmlns:a16="http://schemas.microsoft.com/office/drawing/2014/main" id="{BBDB4281-4FFA-40A6-BBD4-150933920B73}"/>
               </a:ext>
             </a:extLst>
           </p:cNvPr>
@@ -20077,7 +20075,7 @@
           <p:cNvPr id="13" name="Rectángulo: esquinas redondeadas 12">
             <a:extLst>
               <a:ext uri="{FF2B5EF4-FFF2-40B4-BE49-F238E27FC236}">
-                <a16:creationId xmlns:a16="http://schemas.microsoft.com/office/drawing/2014/main" xmlns="" id="{AEA3DFEE-37E7-42E5-A1DE-D2E6C9BD02A9}"/>
+                <a16:creationId xmlns="" xmlns:a16="http://schemas.microsoft.com/office/drawing/2014/main" id="{AEA3DFEE-37E7-42E5-A1DE-D2E6C9BD02A9}"/>
               </a:ext>
             </a:extLst>
           </p:cNvPr>
@@ -20140,7 +20138,7 @@
           <p:cNvPr id="17" name="CuadroTexto 16">
             <a:extLst>
               <a:ext uri="{FF2B5EF4-FFF2-40B4-BE49-F238E27FC236}">
-                <a16:creationId xmlns:a16="http://schemas.microsoft.com/office/drawing/2014/main" xmlns="" id="{970F0842-7949-435F-814D-047398ACA20E}"/>
+                <a16:creationId xmlns="" xmlns:a16="http://schemas.microsoft.com/office/drawing/2014/main" id="{970F0842-7949-435F-814D-047398ACA20E}"/>
               </a:ext>
             </a:extLst>
           </p:cNvPr>
@@ -20181,7 +20179,7 @@
           <p:cNvPr id="9" name="Tabla 8">
             <a:extLst>
               <a:ext uri="{FF2B5EF4-FFF2-40B4-BE49-F238E27FC236}">
-                <a16:creationId xmlns:a16="http://schemas.microsoft.com/office/drawing/2014/main" xmlns="" id="{38AFE28C-F2C1-2A86-42C3-7A56FA2DF869}"/>
+                <a16:creationId xmlns="" xmlns:a16="http://schemas.microsoft.com/office/drawing/2014/main" id="{38AFE28C-F2C1-2A86-42C3-7A56FA2DF869}"/>
               </a:ext>
             </a:extLst>
           </p:cNvPr>
@@ -20210,7 +20208,7 @@
                 <a:gridCol w="7955280">
                   <a:extLst>
                     <a:ext uri="{9D8B030D-6E8A-4147-A177-3AD203B41FA5}">
-                      <a16:colId xmlns:a16="http://schemas.microsoft.com/office/drawing/2014/main" xmlns="" val="3725863984"/>
+                      <a16:colId xmlns="" xmlns:a16="http://schemas.microsoft.com/office/drawing/2014/main" val="3725863984"/>
                     </a:ext>
                   </a:extLst>
                 </a:gridCol>
@@ -20697,7 +20695,7 @@
                 </a:tc>
                 <a:extLst>
                   <a:ext uri="{0D108BD9-81ED-4DB2-BD59-A6C34878D82A}">
-                    <a16:rowId xmlns:a16="http://schemas.microsoft.com/office/drawing/2014/main" xmlns="" val="3430388533"/>
+                    <a16:rowId xmlns="" xmlns:a16="http://schemas.microsoft.com/office/drawing/2014/main" val="3430388533"/>
                   </a:ext>
                 </a:extLst>
               </a:tr>
@@ -20710,7 +20708,7 @@
           <p:cNvPr id="5" name="CuadroTexto 4">
             <a:extLst>
               <a:ext uri="{FF2B5EF4-FFF2-40B4-BE49-F238E27FC236}">
-                <a16:creationId xmlns:a16="http://schemas.microsoft.com/office/drawing/2014/main" xmlns="" id="{25978B3D-5E0D-F087-460D-DA4E75700246}"/>
+                <a16:creationId xmlns="" xmlns:a16="http://schemas.microsoft.com/office/drawing/2014/main" id="{25978B3D-5E0D-F087-460D-DA4E75700246}"/>
               </a:ext>
             </a:extLst>
           </p:cNvPr>
@@ -20766,7 +20764,7 @@
           <p:cNvPr id="14" name="CuadroTexto 13">
             <a:extLst>
               <a:ext uri="{FF2B5EF4-FFF2-40B4-BE49-F238E27FC236}">
-                <a16:creationId xmlns:a16="http://schemas.microsoft.com/office/drawing/2014/main" xmlns="" id="{F534BA01-C45F-4C44-A452-619822A6EE2F}"/>
+                <a16:creationId xmlns="" xmlns:a16="http://schemas.microsoft.com/office/drawing/2014/main" id="{F534BA01-C45F-4C44-A452-619822A6EE2F}"/>
               </a:ext>
             </a:extLst>
           </p:cNvPr>
@@ -20926,7 +20924,7 @@
           <p:cNvPr id="15" name="Bocadillo: rectángulo 14">
             <a:extLst>
               <a:ext uri="{FF2B5EF4-FFF2-40B4-BE49-F238E27FC236}">
-                <a16:creationId xmlns:a16="http://schemas.microsoft.com/office/drawing/2014/main" xmlns="" id="{E4B1B709-37A9-4860-A2CC-566DE98AEB53}"/>
+                <a16:creationId xmlns="" xmlns:a16="http://schemas.microsoft.com/office/drawing/2014/main" id="{E4B1B709-37A9-4860-A2CC-566DE98AEB53}"/>
               </a:ext>
             </a:extLst>
           </p:cNvPr>
@@ -21070,7 +21068,7 @@
           <p:cNvPr id="18" name="Bocadillo: rectángulo 17">
             <a:extLst>
               <a:ext uri="{FF2B5EF4-FFF2-40B4-BE49-F238E27FC236}">
-                <a16:creationId xmlns:a16="http://schemas.microsoft.com/office/drawing/2014/main" xmlns="" id="{3BBC5DEA-6CA1-4897-89E7-F535EA1BFEF9}"/>
+                <a16:creationId xmlns="" xmlns:a16="http://schemas.microsoft.com/office/drawing/2014/main" id="{3BBC5DEA-6CA1-4897-89E7-F535EA1BFEF9}"/>
               </a:ext>
             </a:extLst>
           </p:cNvPr>
@@ -21188,7 +21186,7 @@
           <p:cNvPr id="19" name="Bocadillo: rectángulo 18">
             <a:extLst>
               <a:ext uri="{FF2B5EF4-FFF2-40B4-BE49-F238E27FC236}">
-                <a16:creationId xmlns:a16="http://schemas.microsoft.com/office/drawing/2014/main" xmlns="" id="{12C26531-DC51-420F-A382-256D252720AA}"/>
+                <a16:creationId xmlns="" xmlns:a16="http://schemas.microsoft.com/office/drawing/2014/main" id="{12C26531-DC51-420F-A382-256D252720AA}"/>
               </a:ext>
             </a:extLst>
           </p:cNvPr>
@@ -21336,7 +21334,7 @@
           <p:cNvPr id="7" name="Rectángulo 6">
             <a:extLst>
               <a:ext uri="{FF2B5EF4-FFF2-40B4-BE49-F238E27FC236}">
-                <a16:creationId xmlns:a16="http://schemas.microsoft.com/office/drawing/2014/main" xmlns="" id="{649BE3BA-54B7-49C5-8D1C-77839E013BDC}"/>
+                <a16:creationId xmlns="" xmlns:a16="http://schemas.microsoft.com/office/drawing/2014/main" id="{649BE3BA-54B7-49C5-8D1C-77839E013BDC}"/>
               </a:ext>
             </a:extLst>
           </p:cNvPr>
@@ -21419,7 +21417,7 @@
           <p:cNvPr id="8" name="Tabla 7">
             <a:extLst>
               <a:ext uri="{FF2B5EF4-FFF2-40B4-BE49-F238E27FC236}">
-                <a16:creationId xmlns:a16="http://schemas.microsoft.com/office/drawing/2014/main" xmlns="" id="{A59CF99A-0F10-FC1B-013D-5325B41706D8}"/>
+                <a16:creationId xmlns="" xmlns:a16="http://schemas.microsoft.com/office/drawing/2014/main" id="{A59CF99A-0F10-FC1B-013D-5325B41706D8}"/>
               </a:ext>
             </a:extLst>
           </p:cNvPr>
@@ -21448,14 +21446,14 @@
                 <a:gridCol w="5269416">
                   <a:extLst>
                     <a:ext uri="{9D8B030D-6E8A-4147-A177-3AD203B41FA5}">
-                      <a16:colId xmlns:a16="http://schemas.microsoft.com/office/drawing/2014/main" xmlns="" val="426222232"/>
+                      <a16:colId xmlns="" xmlns:a16="http://schemas.microsoft.com/office/drawing/2014/main" val="426222232"/>
                     </a:ext>
                   </a:extLst>
                 </a:gridCol>
                 <a:gridCol w="4879327">
                   <a:extLst>
                     <a:ext uri="{9D8B030D-6E8A-4147-A177-3AD203B41FA5}">
-                      <a16:colId xmlns:a16="http://schemas.microsoft.com/office/drawing/2014/main" xmlns="" val="2839859259"/>
+                      <a16:colId xmlns="" xmlns:a16="http://schemas.microsoft.com/office/drawing/2014/main" val="2839859259"/>
                     </a:ext>
                   </a:extLst>
                 </a:gridCol>
@@ -21500,7 +21498,7 @@
                 </a:tc>
                 <a:extLst>
                   <a:ext uri="{0D108BD9-81ED-4DB2-BD59-A6C34878D82A}">
-                    <a16:rowId xmlns:a16="http://schemas.microsoft.com/office/drawing/2014/main" xmlns="" val="259401696"/>
+                    <a16:rowId xmlns="" xmlns:a16="http://schemas.microsoft.com/office/drawing/2014/main" val="259401696"/>
                   </a:ext>
                 </a:extLst>
               </a:tr>
@@ -21553,7 +21551,7 @@
                 </a:tc>
                 <a:extLst>
                   <a:ext uri="{0D108BD9-81ED-4DB2-BD59-A6C34878D82A}">
-                    <a16:rowId xmlns:a16="http://schemas.microsoft.com/office/drawing/2014/main" xmlns="" val="2894591963"/>
+                    <a16:rowId xmlns="" xmlns:a16="http://schemas.microsoft.com/office/drawing/2014/main" val="2894591963"/>
                   </a:ext>
                 </a:extLst>
               </a:tr>
@@ -21847,7 +21845,7 @@
                 </a:tc>
                 <a:extLst>
                   <a:ext uri="{0D108BD9-81ED-4DB2-BD59-A6C34878D82A}">
-                    <a16:rowId xmlns:a16="http://schemas.microsoft.com/office/drawing/2014/main" xmlns="" val="1377558905"/>
+                    <a16:rowId xmlns="" xmlns:a16="http://schemas.microsoft.com/office/drawing/2014/main" val="1377558905"/>
                   </a:ext>
                 </a:extLst>
               </a:tr>
@@ -21860,7 +21858,7 @@
           <p:cNvPr id="5" name="CuadroTexto 4">
             <a:extLst>
               <a:ext uri="{FF2B5EF4-FFF2-40B4-BE49-F238E27FC236}">
-                <a16:creationId xmlns:a16="http://schemas.microsoft.com/office/drawing/2014/main" xmlns="" id="{B22405A4-7377-9E8F-5B4E-A09A346E017F}"/>
+                <a16:creationId xmlns="" xmlns:a16="http://schemas.microsoft.com/office/drawing/2014/main" id="{B22405A4-7377-9E8F-5B4E-A09A346E017F}"/>
               </a:ext>
             </a:extLst>
           </p:cNvPr>
@@ -21936,7 +21934,7 @@
           <p:cNvPr id="6" name="Bocadillo: rectángulo 5">
             <a:extLst>
               <a:ext uri="{FF2B5EF4-FFF2-40B4-BE49-F238E27FC236}">
-                <a16:creationId xmlns:a16="http://schemas.microsoft.com/office/drawing/2014/main" xmlns="" id="{422DE0E3-7AAF-4FD2-9007-C0D80CC53E1D}"/>
+                <a16:creationId xmlns="" xmlns:a16="http://schemas.microsoft.com/office/drawing/2014/main" id="{422DE0E3-7AAF-4FD2-9007-C0D80CC53E1D}"/>
               </a:ext>
             </a:extLst>
           </p:cNvPr>
@@ -22054,7 +22052,7 @@
           <p:cNvPr id="9" name="Rectángulo 8">
             <a:extLst>
               <a:ext uri="{FF2B5EF4-FFF2-40B4-BE49-F238E27FC236}">
-                <a16:creationId xmlns:a16="http://schemas.microsoft.com/office/drawing/2014/main" xmlns="" id="{A8AF4058-B198-40A3-AFE9-09387EE36350}"/>
+                <a16:creationId xmlns="" xmlns:a16="http://schemas.microsoft.com/office/drawing/2014/main" id="{A8AF4058-B198-40A3-AFE9-09387EE36350}"/>
               </a:ext>
             </a:extLst>
           </p:cNvPr>
@@ -22111,7 +22109,7 @@
           <p:cNvPr id="10" name="Bocadillo: rectángulo 9">
             <a:extLst>
               <a:ext uri="{FF2B5EF4-FFF2-40B4-BE49-F238E27FC236}">
-                <a16:creationId xmlns:a16="http://schemas.microsoft.com/office/drawing/2014/main" xmlns="" id="{BA455273-5EE7-4D92-86D1-1A60612DB2ED}"/>
+                <a16:creationId xmlns="" xmlns:a16="http://schemas.microsoft.com/office/drawing/2014/main" id="{BA455273-5EE7-4D92-86D1-1A60612DB2ED}"/>
               </a:ext>
             </a:extLst>
           </p:cNvPr>
@@ -22229,7 +22227,7 @@
           <p:cNvPr id="11" name="Bocadillo: rectángulo 10">
             <a:extLst>
               <a:ext uri="{FF2B5EF4-FFF2-40B4-BE49-F238E27FC236}">
-                <a16:creationId xmlns:a16="http://schemas.microsoft.com/office/drawing/2014/main" xmlns="" id="{0EF21809-4D2D-4EF1-9D90-145AED3FEEED}"/>
+                <a16:creationId xmlns="" xmlns:a16="http://schemas.microsoft.com/office/drawing/2014/main" id="{0EF21809-4D2D-4EF1-9D90-145AED3FEEED}"/>
               </a:ext>
             </a:extLst>
           </p:cNvPr>
@@ -22355,1955 +22353,6 @@
 </p:sld>
 </file>
 
-<file path=ppt/slides/slide20.xml><?xml version="1.0" encoding="utf-8"?>
-<p:sld xmlns:a="http://schemas.openxmlformats.org/drawingml/2006/main" xmlns:r="http://schemas.openxmlformats.org/officeDocument/2006/relationships" xmlns:p="http://schemas.openxmlformats.org/presentationml/2006/main">
-  <p:cSld>
-    <p:spTree>
-      <p:nvGrpSpPr>
-        <p:cNvPr id="1" name=""/>
-        <p:cNvGrpSpPr/>
-        <p:nvPr/>
-      </p:nvGrpSpPr>
-      <p:grpSpPr>
-        <a:xfrm>
-          <a:off x="0" y="0"/>
-          <a:ext cx="0" cy="0"/>
-          <a:chOff x="0" y="0"/>
-          <a:chExt cx="0" cy="0"/>
-        </a:xfrm>
-      </p:grpSpPr>
-      <p:sp>
-        <p:nvSpPr>
-          <p:cNvPr id="3" name="Rectángulo: esquinas redondeadas 2">
-            <a:extLst>
-              <a:ext uri="{FF2B5EF4-FFF2-40B4-BE49-F238E27FC236}">
-                <a16:creationId xmlns:a16="http://schemas.microsoft.com/office/drawing/2014/main" xmlns="" id="{4C040F9F-0794-4827-A378-16E9E22FD70A}"/>
-              </a:ext>
-            </a:extLst>
-          </p:cNvPr>
-          <p:cNvSpPr/>
-          <p:nvPr/>
-        </p:nvSpPr>
-        <p:spPr>
-          <a:xfrm>
-            <a:off x="112542" y="119269"/>
-            <a:ext cx="1617784" cy="443948"/>
-          </a:xfrm>
-          <a:prstGeom prst="roundRect">
-            <a:avLst/>
-          </a:prstGeom>
-          <a:solidFill>
-            <a:srgbClr val="00B050"/>
-          </a:solidFill>
-          <a:ln>
-            <a:noFill/>
-          </a:ln>
-        </p:spPr>
-        <p:style>
-          <a:lnRef idx="2">
-            <a:schemeClr val="accent1">
-              <a:shade val="50000"/>
-            </a:schemeClr>
-          </a:lnRef>
-          <a:fillRef idx="1">
-            <a:schemeClr val="accent1"/>
-          </a:fillRef>
-          <a:effectRef idx="0">
-            <a:schemeClr val="accent1"/>
-          </a:effectRef>
-          <a:fontRef idx="minor">
-            <a:schemeClr val="lt1"/>
-          </a:fontRef>
-        </p:style>
-        <p:txBody>
-          <a:bodyPr lIns="91440" tIns="45720" rIns="91440" bIns="45720" rtlCol="0" anchor="ctr"/>
-          <a:lstStyle/>
-          <a:p>
-            <a:pPr algn="ctr">
-              <a:defRPr/>
-            </a:pPr>
-            <a:r>
-              <a:rPr lang="es-MX" sz="2400" b="1">
-                <a:latin typeface="Calibri" panose="020F0502020204030204"/>
-              </a:rPr>
-              <a:t>Module </a:t>
-            </a:r>
-            <a:r>
-              <a:rPr kumimoji="0" lang="es-MX" sz="2400" b="1" i="0" u="none" strike="noStrike" kern="1200" cap="none" spc="0" normalizeH="0" baseline="0" noProof="0">
-                <a:ln>
-                  <a:noFill/>
-                </a:ln>
-                <a:effectLst/>
-                <a:uLnTx/>
-                <a:uFillTx/>
-                <a:latin typeface="Calibri" panose="020F0502020204030204"/>
-                <a:ea typeface="+mn-ea"/>
-                <a:cs typeface="+mn-cs"/>
-              </a:rPr>
-              <a:t>1</a:t>
-            </a:r>
-          </a:p>
-        </p:txBody>
-      </p:sp>
-      <p:sp>
-        <p:nvSpPr>
-          <p:cNvPr id="5" name="Rectángulo: esquinas redondeadas 4">
-            <a:extLst>
-              <a:ext uri="{FF2B5EF4-FFF2-40B4-BE49-F238E27FC236}">
-                <a16:creationId xmlns:a16="http://schemas.microsoft.com/office/drawing/2014/main" xmlns="" id="{AF55A350-95FD-4BE3-B989-8FABA6F383DF}"/>
-              </a:ext>
-            </a:extLst>
-          </p:cNvPr>
-          <p:cNvSpPr/>
-          <p:nvPr/>
-        </p:nvSpPr>
-        <p:spPr>
-          <a:xfrm>
-            <a:off x="6093656" y="986216"/>
-            <a:ext cx="5361725" cy="668848"/>
-          </a:xfrm>
-          <a:prstGeom prst="roundRect">
-            <a:avLst/>
-          </a:prstGeom>
-          <a:solidFill>
-            <a:srgbClr val="002060"/>
-          </a:solidFill>
-          <a:ln>
-            <a:noFill/>
-          </a:ln>
-        </p:spPr>
-        <p:style>
-          <a:lnRef idx="2">
-            <a:schemeClr val="accent1">
-              <a:shade val="50000"/>
-            </a:schemeClr>
-          </a:lnRef>
-          <a:fillRef idx="1">
-            <a:schemeClr val="accent1"/>
-          </a:fillRef>
-          <a:effectRef idx="0">
-            <a:schemeClr val="accent1"/>
-          </a:effectRef>
-          <a:fontRef idx="minor">
-            <a:schemeClr val="lt1"/>
-          </a:fontRef>
-        </p:style>
-        <p:txBody>
-          <a:bodyPr lIns="91440" tIns="45720" rIns="91440" bIns="45720" rtlCol="0" anchor="ctr"/>
-          <a:lstStyle/>
-          <a:p>
-            <a:pPr marL="0" marR="0" lvl="0" indent="0" algn="ctr" defTabSz="914400" rtl="0" eaLnBrk="1" fontAlgn="auto" latinLnBrk="0" hangingPunct="1">
-              <a:lnSpc>
-                <a:spcPct val="100000"/>
-              </a:lnSpc>
-              <a:spcBef>
-                <a:spcPts val="0"/>
-              </a:spcBef>
-              <a:spcAft>
-                <a:spcPts val="0"/>
-              </a:spcAft>
-              <a:buClrTx/>
-              <a:buSzTx/>
-              <a:buFontTx/>
-              <a:buNone/>
-              <a:tabLst/>
-              <a:defRPr/>
-            </a:pPr>
-            <a:r>
-              <a:rPr lang="es-MX" b="1" dirty="0">
-                <a:latin typeface="Calibri" panose="020F0502020204030204"/>
-              </a:rPr>
-              <a:t>Project 1</a:t>
-            </a:r>
-            <a:r>
-              <a:rPr kumimoji="0" lang="es-MX" sz="1800" b="1" i="0" u="none" strike="noStrike" kern="1200" cap="none" spc="0" normalizeH="0" baseline="0" noProof="0" dirty="0">
-                <a:ln>
-                  <a:noFill/>
-                </a:ln>
-                <a:effectLst/>
-                <a:uLnTx/>
-                <a:uFillTx/>
-                <a:latin typeface="Calibri" panose="020F0502020204030204"/>
-                <a:ea typeface="+mn-ea"/>
-                <a:cs typeface="+mn-cs"/>
-              </a:rPr>
-              <a:t>:</a:t>
-            </a:r>
-          </a:p>
-          <a:p>
-            <a:pPr lvl="0" algn="ctr">
-              <a:defRPr/>
-            </a:pPr>
-            <a:r>
-              <a:rPr lang="es-MX" b="1" dirty="0"/>
-              <a:t>Request letter and a complain letter.</a:t>
-            </a:r>
-            <a:endParaRPr kumimoji="0" lang="es-MX" sz="1800" b="1" i="0" u="none" strike="noStrike" kern="1200" cap="none" spc="0" normalizeH="0" baseline="0" noProof="0" dirty="0">
-              <a:ln>
-                <a:noFill/>
-              </a:ln>
-              <a:effectLst/>
-              <a:uLnTx/>
-              <a:uFillTx/>
-              <a:latin typeface="Calibri" panose="020F0502020204030204"/>
-              <a:ea typeface="+mn-ea"/>
-              <a:cs typeface="+mn-cs"/>
-            </a:endParaRPr>
-          </a:p>
-        </p:txBody>
-      </p:sp>
-      <p:sp>
-        <p:nvSpPr>
-          <p:cNvPr id="7" name="CuadroTexto 6">
-            <a:extLst>
-              <a:ext uri="{FF2B5EF4-FFF2-40B4-BE49-F238E27FC236}">
-                <a16:creationId xmlns:a16="http://schemas.microsoft.com/office/drawing/2014/main" xmlns="" id="{A9707BAF-01F6-435C-8580-53D4E383FD82}"/>
-              </a:ext>
-            </a:extLst>
-          </p:cNvPr>
-          <p:cNvSpPr txBox="1"/>
-          <p:nvPr/>
-        </p:nvSpPr>
-        <p:spPr>
-          <a:xfrm>
-            <a:off x="6093655" y="1719188"/>
-            <a:ext cx="5719653" cy="3416320"/>
-          </a:xfrm>
-          <a:prstGeom prst="rect">
-            <a:avLst/>
-          </a:prstGeom>
-          <a:noFill/>
-        </p:spPr>
-        <p:txBody>
-          <a:bodyPr wrap="square" lIns="91440" tIns="45720" rIns="91440" bIns="45720" anchor="t">
-            <a:spAutoFit/>
-          </a:bodyPr>
-          <a:lstStyle/>
-          <a:p>
-            <a:pPr algn="just">
-              <a:defRPr/>
-            </a:pPr>
-            <a:r>
-              <a:rPr lang="es-MX" sz="1200" b="1" dirty="0">
-                <a:ea typeface="+mn-lt"/>
-                <a:cs typeface="+mn-lt"/>
-              </a:rPr>
-              <a:t>Description: </a:t>
-            </a:r>
-            <a:r>
-              <a:rPr lang="es-MX" sz="1200" dirty="0">
-                <a:ea typeface="+mn-lt"/>
-                <a:cs typeface="+mn-lt"/>
-              </a:rPr>
-              <a:t>Course participants write a request and a complain letter following this type of documentation conventions.</a:t>
-            </a:r>
-            <a:endParaRPr lang="es-ES" dirty="0"/>
-          </a:p>
-          <a:p>
-            <a:pPr algn="just">
-              <a:defRPr/>
-            </a:pPr>
-            <a:endParaRPr lang="es-MX" sz="1200" dirty="0">
-              <a:ea typeface="+mn-lt"/>
-              <a:cs typeface="+mn-lt"/>
-            </a:endParaRPr>
-          </a:p>
-          <a:p>
-            <a:pPr algn="just">
-              <a:defRPr/>
-            </a:pPr>
-            <a:r>
-              <a:rPr lang="es-MX" sz="1200" b="1" dirty="0">
-                <a:ea typeface="+mn-lt"/>
-                <a:cs typeface="+mn-lt"/>
-              </a:rPr>
-              <a:t>Evaluation criteria:</a:t>
-            </a:r>
-            <a:endParaRPr lang="es-MX" dirty="0"/>
-          </a:p>
-          <a:p>
-            <a:pPr algn="just">
-              <a:defRPr/>
-            </a:pPr>
-            <a:r>
-              <a:rPr lang="es-MX" sz="1200" dirty="0">
-                <a:ea typeface="+mn-lt"/>
-                <a:cs typeface="+mn-lt"/>
-              </a:rPr>
-              <a:t>The document must</a:t>
-            </a:r>
-            <a:r>
-              <a:rPr kumimoji="0" lang="es-MX" sz="1200" i="0" u="none" strike="noStrike" kern="1200" cap="none" spc="0" normalizeH="0" baseline="0" noProof="0" dirty="0">
-                <a:ln>
-                  <a:noFill/>
-                </a:ln>
-                <a:effectLst/>
-                <a:uLnTx/>
-                <a:uFillTx/>
-                <a:ea typeface="+mn-lt"/>
-                <a:cs typeface="+mn-lt"/>
-              </a:rPr>
-              <a:t>:</a:t>
-            </a:r>
-            <a:endParaRPr lang="es-MX" dirty="0">
-              <a:ea typeface="+mn-lt"/>
-              <a:cs typeface="+mn-lt"/>
-            </a:endParaRPr>
-          </a:p>
-          <a:p>
-            <a:pPr marL="228600" indent="-228600" algn="just">
-              <a:buFont typeface="+mj-lt"/>
-              <a:buAutoNum type="arabicPeriod"/>
-              <a:defRPr/>
-            </a:pPr>
-            <a:r>
-              <a:rPr lang="es-MX" sz="1200" dirty="0">
-                <a:ea typeface="+mn-lt"/>
-                <a:cs typeface="+mn-lt"/>
-              </a:rPr>
-              <a:t>Have clarity of purpose and thought.</a:t>
-            </a:r>
-            <a:endParaRPr lang="es-MX" dirty="0">
-              <a:cs typeface="Calibri" panose="020F0502020204030204"/>
-            </a:endParaRPr>
-          </a:p>
-          <a:p>
-            <a:pPr marL="228600" indent="-228600" algn="just">
-              <a:buFont typeface="+mj-lt"/>
-              <a:buAutoNum type="arabicPeriod"/>
-              <a:defRPr/>
-            </a:pPr>
-            <a:r>
-              <a:rPr lang="es-MX" sz="1200" dirty="0">
-                <a:ea typeface="+mn-lt"/>
-                <a:cs typeface="+mn-lt"/>
-              </a:rPr>
-              <a:t>Convey accurate, relevant and complete information.</a:t>
-            </a:r>
-            <a:endParaRPr lang="es-MX" dirty="0">
-              <a:cs typeface="Calibri" panose="020F0502020204030204"/>
-            </a:endParaRPr>
-          </a:p>
-          <a:p>
-            <a:pPr marL="228600" indent="-228600" algn="just">
-              <a:buFont typeface="+mj-lt"/>
-              <a:buAutoNum type="arabicPeriod"/>
-              <a:defRPr/>
-            </a:pPr>
-            <a:r>
-              <a:rPr lang="es-MX" sz="1200" dirty="0">
-                <a:ea typeface="+mn-lt"/>
-                <a:cs typeface="+mn-lt"/>
-              </a:rPr>
-              <a:t>Have short, concise and clear sentences.</a:t>
-            </a:r>
-            <a:endParaRPr lang="es-MX" dirty="0">
-              <a:cs typeface="Calibri" panose="020F0502020204030204"/>
-            </a:endParaRPr>
-          </a:p>
-          <a:p>
-            <a:pPr marL="228600" indent="-228600" algn="just">
-              <a:buFont typeface="+mj-lt"/>
-              <a:buAutoNum type="arabicPeriod"/>
-              <a:defRPr/>
-            </a:pPr>
-            <a:r>
-              <a:rPr lang="es-MX" sz="1200" dirty="0">
-                <a:ea typeface="+mn-lt"/>
-                <a:cs typeface="+mn-lt"/>
-              </a:rPr>
-              <a:t>Have correct grammar and sentence structure.</a:t>
-            </a:r>
-            <a:endParaRPr lang="es-MX" dirty="0">
-              <a:cs typeface="Calibri" panose="020F0502020204030204"/>
-            </a:endParaRPr>
-          </a:p>
-          <a:p>
-            <a:pPr marL="171450" indent="-171450" algn="just">
-              <a:buFont typeface="Wingdings"/>
-              <a:buChar char="§"/>
-              <a:defRPr/>
-            </a:pPr>
-            <a:endParaRPr lang="es-MX" sz="1200" dirty="0">
-              <a:ea typeface="+mn-lt"/>
-              <a:cs typeface="+mn-lt"/>
-            </a:endParaRPr>
-          </a:p>
-          <a:p>
-            <a:pPr algn="just">
-              <a:defRPr/>
-            </a:pPr>
-            <a:r>
-              <a:rPr lang="es-MX" sz="1200" b="1" dirty="0">
-                <a:ea typeface="+mn-lt"/>
-                <a:cs typeface="+mn-lt"/>
-              </a:rPr>
-              <a:t>Guidelines</a:t>
-            </a:r>
-            <a:r>
-              <a:rPr kumimoji="0" lang="es-MX" sz="1200" b="1" i="0" u="none" strike="noStrike" kern="1200" cap="none" spc="0" normalizeH="0" baseline="0" noProof="0" dirty="0">
-                <a:ln>
-                  <a:noFill/>
-                </a:ln>
-                <a:effectLst/>
-                <a:uLnTx/>
-                <a:uFillTx/>
-                <a:ea typeface="+mn-lt"/>
-                <a:cs typeface="+mn-lt"/>
-              </a:rPr>
-              <a:t>:</a:t>
-            </a:r>
-            <a:r>
-              <a:rPr lang="es-MX" sz="1200" b="1" dirty="0">
-                <a:ea typeface="+mn-lt"/>
-                <a:cs typeface="+mn-lt"/>
-              </a:rPr>
-              <a:t> </a:t>
-            </a:r>
-          </a:p>
-          <a:p>
-            <a:pPr marL="228600" indent="-228600" algn="just">
-              <a:buFont typeface="+mj-lt"/>
-              <a:buAutoNum type="arabicPeriod"/>
-              <a:defRPr/>
-            </a:pPr>
-            <a:r>
-              <a:rPr lang="es-MX" sz="1200" dirty="0">
-                <a:ea typeface="+mn-lt"/>
-                <a:cs typeface="+mn-lt"/>
-              </a:rPr>
-              <a:t>The document must be written correctly using samples of the vocabulary and structures studied in this module. It must be written in Microsoft Word using font Arial size 12  and must be sent in an attachment. </a:t>
-            </a:r>
-          </a:p>
-          <a:p>
-            <a:pPr marL="228600" indent="-228600" algn="just">
-              <a:buFont typeface="+mj-lt"/>
-              <a:buAutoNum type="arabicPeriod"/>
-              <a:defRPr/>
-            </a:pPr>
-            <a:r>
-              <a:rPr lang="es-MX" sz="1200" dirty="0" err="1">
-                <a:ea typeface="+mn-lt"/>
-                <a:cs typeface="+mn-lt"/>
-              </a:rPr>
-              <a:t>Name</a:t>
-            </a:r>
-            <a:r>
-              <a:rPr lang="es-MX" sz="1200" dirty="0">
-                <a:ea typeface="+mn-lt"/>
-                <a:cs typeface="+mn-lt"/>
-              </a:rPr>
-              <a:t> </a:t>
-            </a:r>
-            <a:r>
-              <a:rPr lang="es-MX" sz="1200" dirty="0" err="1">
-                <a:ea typeface="+mn-lt"/>
-                <a:cs typeface="+mn-lt"/>
-              </a:rPr>
-              <a:t>your</a:t>
-            </a:r>
-            <a:r>
-              <a:rPr lang="es-MX" sz="1200" dirty="0">
-                <a:ea typeface="+mn-lt"/>
-                <a:cs typeface="+mn-lt"/>
-              </a:rPr>
-              <a:t> file as </a:t>
-            </a:r>
-            <a:r>
-              <a:rPr lang="es-MX" sz="1200" dirty="0" err="1">
-                <a:ea typeface="+mn-lt"/>
-                <a:cs typeface="+mn-lt"/>
-              </a:rPr>
-              <a:t>follows</a:t>
-            </a:r>
-            <a:r>
-              <a:rPr lang="es-MX" sz="1200" dirty="0">
-                <a:ea typeface="+mn-lt"/>
-                <a:cs typeface="+mn-lt"/>
-              </a:rPr>
-              <a:t>: </a:t>
-            </a:r>
-            <a:r>
-              <a:rPr lang="es-MX" sz="1200" dirty="0" err="1">
-                <a:ea typeface="+mn-lt"/>
-                <a:cs typeface="+mn-lt"/>
-              </a:rPr>
-              <a:t>Act</a:t>
-            </a:r>
-            <a:r>
-              <a:rPr lang="es-MX" sz="1200" i="1" dirty="0" err="1">
-                <a:ea typeface="+mn-lt"/>
-                <a:cs typeface="+mn-lt"/>
-              </a:rPr>
-              <a:t>n</a:t>
-            </a:r>
-            <a:r>
-              <a:rPr lang="es-MX" sz="1200" dirty="0" err="1">
-                <a:ea typeface="+mn-lt"/>
-                <a:cs typeface="+mn-lt"/>
-              </a:rPr>
-              <a:t>_LastName</a:t>
-            </a:r>
-            <a:r>
-              <a:rPr lang="es-MX" sz="1200" dirty="0">
-                <a:ea typeface="+mn-lt"/>
-                <a:cs typeface="+mn-lt"/>
-              </a:rPr>
-              <a:t> and </a:t>
-            </a:r>
-            <a:r>
-              <a:rPr lang="es-MX" sz="1200" dirty="0" err="1">
-                <a:ea typeface="+mn-lt"/>
-                <a:cs typeface="+mn-lt"/>
-              </a:rPr>
-              <a:t>FirstName</a:t>
-            </a:r>
-            <a:r>
-              <a:rPr lang="es-MX" sz="1200" dirty="0">
-                <a:ea typeface="+mn-lt"/>
-                <a:cs typeface="+mn-lt"/>
-              </a:rPr>
-              <a:t>. </a:t>
-            </a:r>
-            <a:r>
-              <a:rPr lang="es-MX" sz="1200" dirty="0" err="1">
-                <a:ea typeface="+mn-lt"/>
-                <a:cs typeface="+mn-lt"/>
-              </a:rPr>
-              <a:t>For</a:t>
-            </a:r>
-            <a:r>
-              <a:rPr lang="es-MX" sz="1200" dirty="0">
-                <a:ea typeface="+mn-lt"/>
-                <a:cs typeface="+mn-lt"/>
-              </a:rPr>
-              <a:t> </a:t>
-            </a:r>
-            <a:r>
-              <a:rPr lang="es-MX" sz="1200" dirty="0" err="1">
-                <a:ea typeface="+mn-lt"/>
-                <a:cs typeface="+mn-lt"/>
-              </a:rPr>
-              <a:t>example</a:t>
-            </a:r>
-            <a:r>
-              <a:rPr lang="es-MX" sz="1200" dirty="0">
-                <a:ea typeface="+mn-lt"/>
-                <a:cs typeface="+mn-lt"/>
-              </a:rPr>
-              <a:t>: Act2_VillanuevaMariaTeresa.</a:t>
-            </a:r>
-          </a:p>
-          <a:p>
-            <a:pPr marL="228600" indent="-228600" algn="just">
-              <a:buFont typeface="+mj-lt"/>
-              <a:buAutoNum type="arabicPeriod"/>
-              <a:defRPr/>
-            </a:pPr>
-            <a:r>
-              <a:rPr lang="es-MX" sz="1200" dirty="0" err="1">
-                <a:ea typeface="+mn-lt"/>
-                <a:cs typeface="+mn-lt"/>
-              </a:rPr>
-              <a:t>Send</a:t>
-            </a:r>
-            <a:r>
-              <a:rPr lang="es-MX" sz="1200" dirty="0">
-                <a:ea typeface="+mn-lt"/>
-                <a:cs typeface="+mn-lt"/>
-              </a:rPr>
-              <a:t> </a:t>
-            </a:r>
-            <a:r>
-              <a:rPr lang="es-MX" sz="1200" dirty="0" err="1">
-                <a:ea typeface="+mn-lt"/>
-                <a:cs typeface="+mn-lt"/>
-              </a:rPr>
-              <a:t>your</a:t>
-            </a:r>
-            <a:r>
-              <a:rPr lang="es-MX" sz="1200" dirty="0">
-                <a:ea typeface="+mn-lt"/>
-                <a:cs typeface="+mn-lt"/>
-              </a:rPr>
-              <a:t> file, in Word </a:t>
-            </a:r>
-            <a:r>
-              <a:rPr lang="es-MX" sz="1200" dirty="0" err="1">
-                <a:ea typeface="+mn-lt"/>
-                <a:cs typeface="+mn-lt"/>
-              </a:rPr>
-              <a:t>format</a:t>
-            </a:r>
-            <a:r>
-              <a:rPr lang="es-MX" sz="1200" dirty="0">
-                <a:ea typeface="+mn-lt"/>
-                <a:cs typeface="+mn-lt"/>
-              </a:rPr>
-              <a:t>, </a:t>
-            </a:r>
-            <a:r>
-              <a:rPr lang="es-MX" sz="1200" dirty="0" err="1">
-                <a:ea typeface="+mn-lt"/>
-                <a:cs typeface="+mn-lt"/>
-              </a:rPr>
-              <a:t>via</a:t>
-            </a:r>
-            <a:r>
-              <a:rPr lang="es-MX" sz="1200" dirty="0">
-                <a:ea typeface="+mn-lt"/>
-                <a:cs typeface="+mn-lt"/>
-              </a:rPr>
-              <a:t> </a:t>
-            </a:r>
-            <a:r>
-              <a:rPr lang="es-MX" sz="1200" b="1" dirty="0" err="1">
-                <a:ea typeface="+mn-lt"/>
-                <a:cs typeface="+mn-lt"/>
-              </a:rPr>
-              <a:t>Activities</a:t>
-            </a:r>
-            <a:r>
-              <a:rPr lang="es-MX" sz="1200" dirty="0">
-                <a:ea typeface="+mn-lt"/>
-                <a:cs typeface="+mn-lt"/>
-              </a:rPr>
-              <a:t> </a:t>
-            </a:r>
-            <a:r>
-              <a:rPr lang="es-MX" sz="1200" dirty="0" err="1">
-                <a:ea typeface="+mn-lt"/>
-                <a:cs typeface="+mn-lt"/>
-              </a:rPr>
-              <a:t>tool</a:t>
-            </a:r>
-            <a:r>
-              <a:rPr lang="es-MX" sz="1200" dirty="0">
-                <a:ea typeface="+mn-lt"/>
-                <a:cs typeface="+mn-lt"/>
-              </a:rPr>
-              <a:t> in Eminus </a:t>
-            </a:r>
-            <a:r>
-              <a:rPr lang="es-MX" sz="1200" dirty="0" err="1">
-                <a:ea typeface="+mn-lt"/>
-                <a:cs typeface="+mn-lt"/>
-              </a:rPr>
-              <a:t>platform</a:t>
-            </a:r>
-            <a:r>
-              <a:rPr lang="es-MX" sz="1200" dirty="0">
-                <a:ea typeface="+mn-lt"/>
-                <a:cs typeface="+mn-lt"/>
-              </a:rPr>
-              <a:t>, no </a:t>
-            </a:r>
-            <a:r>
-              <a:rPr lang="es-MX" sz="1200" dirty="0" err="1">
-                <a:ea typeface="+mn-lt"/>
-                <a:cs typeface="+mn-lt"/>
-              </a:rPr>
-              <a:t>later</a:t>
-            </a:r>
-            <a:r>
-              <a:rPr lang="es-MX" sz="1200" dirty="0">
-                <a:ea typeface="+mn-lt"/>
-                <a:cs typeface="+mn-lt"/>
-              </a:rPr>
-              <a:t> </a:t>
-            </a:r>
-            <a:r>
-              <a:rPr lang="es-MX" sz="1200" dirty="0" err="1">
-                <a:ea typeface="+mn-lt"/>
-                <a:cs typeface="+mn-lt"/>
-              </a:rPr>
-              <a:t>than</a:t>
-            </a:r>
-            <a:r>
-              <a:rPr lang="es-MX" sz="1200" dirty="0">
-                <a:ea typeface="+mn-lt"/>
-                <a:cs typeface="+mn-lt"/>
-              </a:rPr>
-              <a:t> the </a:t>
-            </a:r>
-            <a:r>
-              <a:rPr lang="es-MX" sz="1200" dirty="0" err="1">
-                <a:ea typeface="+mn-lt"/>
-                <a:cs typeface="+mn-lt"/>
-              </a:rPr>
-              <a:t>due</a:t>
-            </a:r>
-            <a:r>
-              <a:rPr lang="es-MX" sz="1200" dirty="0">
-                <a:ea typeface="+mn-lt"/>
-                <a:cs typeface="+mn-lt"/>
-              </a:rPr>
-              <a:t> date set in the </a:t>
-            </a:r>
-            <a:r>
-              <a:rPr lang="es-MX" sz="1200" b="1" dirty="0" err="1">
-                <a:ea typeface="+mn-lt"/>
-                <a:cs typeface="+mn-lt"/>
-              </a:rPr>
-              <a:t>Course</a:t>
-            </a:r>
-            <a:r>
-              <a:rPr lang="es-MX" sz="1200" b="1" dirty="0">
-                <a:ea typeface="+mn-lt"/>
-                <a:cs typeface="+mn-lt"/>
-              </a:rPr>
-              <a:t> calendar</a:t>
-            </a:r>
-            <a:r>
-              <a:rPr lang="es-MX" sz="1200" dirty="0">
-                <a:ea typeface="+mn-lt"/>
-                <a:cs typeface="+mn-lt"/>
-              </a:rPr>
-              <a:t>.</a:t>
-            </a:r>
-          </a:p>
-        </p:txBody>
-      </p:sp>
-      <p:sp>
-        <p:nvSpPr>
-          <p:cNvPr id="13" name="Título 1">
-            <a:extLst>
-              <a:ext uri="{FF2B5EF4-FFF2-40B4-BE49-F238E27FC236}">
-                <a16:creationId xmlns:a16="http://schemas.microsoft.com/office/drawing/2014/main" xmlns="" id="{2E2221D9-EA27-4789-BD5A-87BAC12E5EED}"/>
-              </a:ext>
-            </a:extLst>
-          </p:cNvPr>
-          <p:cNvSpPr>
-            <a:spLocks noGrp="1"/>
-          </p:cNvSpPr>
-          <p:nvPr>
-            <p:ph type="title"/>
-          </p:nvPr>
-        </p:nvSpPr>
-        <p:spPr>
-          <a:xfrm>
-            <a:off x="444478" y="604059"/>
-            <a:ext cx="4044395" cy="559589"/>
-          </a:xfrm>
-        </p:spPr>
-        <p:txBody>
-          <a:bodyPr>
-            <a:normAutofit/>
-          </a:bodyPr>
-          <a:lstStyle/>
-          <a:p>
-            <a:r>
-              <a:rPr lang="es-MX" sz="2800" dirty="0" err="1"/>
-              <a:t>Evidence</a:t>
-            </a:r>
-            <a:endParaRPr lang="es-ES" dirty="0"/>
-          </a:p>
-        </p:txBody>
-      </p:sp>
-      <p:pic>
-        <p:nvPicPr>
-          <p:cNvPr id="6" name="Imagen 5"/>
-          <p:cNvPicPr>
-            <a:picLocks noChangeAspect="1"/>
-          </p:cNvPicPr>
-          <p:nvPr/>
-        </p:nvPicPr>
-        <p:blipFill rotWithShape="1">
-          <a:blip r:embed="rId2"/>
-          <a:srcRect t="18932" r="3402"/>
-          <a:stretch/>
-        </p:blipFill>
-        <p:spPr>
-          <a:xfrm>
-            <a:off x="261793" y="1949697"/>
-            <a:ext cx="5529407" cy="2007008"/>
-          </a:xfrm>
-          <a:prstGeom prst="rect">
-            <a:avLst/>
-          </a:prstGeom>
-        </p:spPr>
-      </p:pic>
-      <p:sp>
-        <p:nvSpPr>
-          <p:cNvPr id="9" name="CuadroTexto 8">
-            <a:extLst>
-              <a:ext uri="{FF2B5EF4-FFF2-40B4-BE49-F238E27FC236}">
-                <a16:creationId xmlns:a16="http://schemas.microsoft.com/office/drawing/2014/main" xmlns="" id="{6B9177FD-7CD6-EEDA-DEA2-AB93DB3B4450}"/>
-              </a:ext>
-            </a:extLst>
-          </p:cNvPr>
-          <p:cNvSpPr txBox="1"/>
-          <p:nvPr/>
-        </p:nvSpPr>
-        <p:spPr>
-          <a:xfrm>
-            <a:off x="830084" y="1265487"/>
-            <a:ext cx="5157786" cy="923330"/>
-          </a:xfrm>
-          <a:prstGeom prst="rect">
-            <a:avLst/>
-          </a:prstGeom>
-          <a:noFill/>
-        </p:spPr>
-        <p:txBody>
-          <a:bodyPr wrap="square" lIns="91440" tIns="45720" rIns="91440" bIns="45720" rtlCol="0" anchor="t">
-            <a:spAutoFit/>
-          </a:bodyPr>
-          <a:lstStyle/>
-          <a:p>
-            <a:pPr>
-              <a:defRPr/>
-            </a:pPr>
-            <a:r>
-              <a:rPr lang="es-MX" b="0" i="0" u="none" strike="noStrike" dirty="0">
-                <a:ea typeface="+mn-lt"/>
-                <a:cs typeface="+mn-lt"/>
-              </a:rPr>
-              <a:t>Click on the icon to </a:t>
-            </a:r>
-            <a:r>
-              <a:rPr lang="es-MX" dirty="0">
-                <a:ea typeface="+mn-lt"/>
-                <a:cs typeface="+mn-lt"/>
-              </a:rPr>
-              <a:t>see the description of this module </a:t>
-            </a:r>
-            <a:r>
-              <a:rPr lang="es-MX" dirty="0">
-                <a:solidFill>
-                  <a:srgbClr val="000000"/>
-                </a:solidFill>
-                <a:ea typeface="+mn-lt"/>
-                <a:cs typeface="+mn-lt"/>
-              </a:rPr>
-              <a:t>evidence</a:t>
-            </a:r>
-            <a:r>
-              <a:rPr lang="es-MX" dirty="0">
-                <a:ea typeface="+mn-lt"/>
-                <a:cs typeface="+mn-lt"/>
-              </a:rPr>
-              <a:t>.</a:t>
-            </a:r>
-            <a:endParaRPr lang="es-ES" dirty="0"/>
-          </a:p>
-          <a:p>
-            <a:pPr marL="0" marR="0" lvl="0" indent="0" algn="l" defTabSz="914400">
-              <a:lnSpc>
-                <a:spcPct val="100000"/>
-              </a:lnSpc>
-              <a:spcBef>
-                <a:spcPts val="0"/>
-              </a:spcBef>
-              <a:spcAft>
-                <a:spcPts val="0"/>
-              </a:spcAft>
-              <a:buClrTx/>
-              <a:buSzTx/>
-              <a:buFontTx/>
-              <a:buNone/>
-              <a:tabLst/>
-              <a:defRPr/>
-            </a:pPr>
-            <a:endParaRPr lang="es-MX" b="0" i="0" u="none" strike="noStrike" kern="1200" cap="none" spc="0" normalizeH="0" baseline="0" noProof="0" dirty="0">
-              <a:ln>
-                <a:noFill/>
-              </a:ln>
-              <a:solidFill>
-                <a:prstClr val="black"/>
-              </a:solidFill>
-              <a:effectLst/>
-              <a:uLnTx/>
-              <a:uFillTx/>
-              <a:latin typeface="Calibri" panose="020F0502020204030204"/>
-              <a:cs typeface="Calibri"/>
-            </a:endParaRPr>
-          </a:p>
-        </p:txBody>
-      </p:sp>
-      <p:pic>
-        <p:nvPicPr>
-          <p:cNvPr id="10" name="Imagen 9">
-            <a:extLst>
-              <a:ext uri="{FF2B5EF4-FFF2-40B4-BE49-F238E27FC236}">
-                <a16:creationId xmlns:a16="http://schemas.microsoft.com/office/drawing/2014/main" xmlns="" id="{941CF315-17AB-45C2-A6C7-7DBDC8C56AEE}"/>
-              </a:ext>
-            </a:extLst>
-          </p:cNvPr>
-          <p:cNvPicPr>
-            <a:picLocks noChangeAspect="1"/>
-          </p:cNvPicPr>
-          <p:nvPr/>
-        </p:nvPicPr>
-        <p:blipFill>
-          <a:blip r:embed="rId3"/>
-          <a:stretch>
-            <a:fillRect/>
-          </a:stretch>
-        </p:blipFill>
-        <p:spPr>
-          <a:xfrm>
-            <a:off x="261793" y="1400717"/>
-            <a:ext cx="462506" cy="318471"/>
-          </a:xfrm>
-          <a:prstGeom prst="rect">
-            <a:avLst/>
-          </a:prstGeom>
-        </p:spPr>
-      </p:pic>
-    </p:spTree>
-    <p:extLst>
-      <p:ext uri="{BB962C8B-B14F-4D97-AF65-F5344CB8AC3E}">
-        <p14:creationId xmlns:p14="http://schemas.microsoft.com/office/powerpoint/2010/main" val="1779890389"/>
-      </p:ext>
-    </p:extLst>
-  </p:cSld>
-  <p:clrMapOvr>
-    <a:masterClrMapping/>
-  </p:clrMapOvr>
-</p:sld>
-</file>
-
-<file path=ppt/slides/slide21.xml><?xml version="1.0" encoding="utf-8"?>
-<p:sld xmlns:a="http://schemas.openxmlformats.org/drawingml/2006/main" xmlns:r="http://schemas.openxmlformats.org/officeDocument/2006/relationships" xmlns:p="http://schemas.openxmlformats.org/presentationml/2006/main">
-  <p:cSld>
-    <p:spTree>
-      <p:nvGrpSpPr>
-        <p:cNvPr id="1" name=""/>
-        <p:cNvGrpSpPr/>
-        <p:nvPr/>
-      </p:nvGrpSpPr>
-      <p:grpSpPr>
-        <a:xfrm>
-          <a:off x="0" y="0"/>
-          <a:ext cx="0" cy="0"/>
-          <a:chOff x="0" y="0"/>
-          <a:chExt cx="0" cy="0"/>
-        </a:xfrm>
-      </p:grpSpPr>
-      <p:sp>
-        <p:nvSpPr>
-          <p:cNvPr id="3" name="Rectángulo: esquinas redondeadas 2">
-            <a:extLst>
-              <a:ext uri="{FF2B5EF4-FFF2-40B4-BE49-F238E27FC236}">
-                <a16:creationId xmlns:a16="http://schemas.microsoft.com/office/drawing/2014/main" xmlns="" id="{4C040F9F-0794-4827-A378-16E9E22FD70A}"/>
-              </a:ext>
-            </a:extLst>
-          </p:cNvPr>
-          <p:cNvSpPr/>
-          <p:nvPr/>
-        </p:nvSpPr>
-        <p:spPr>
-          <a:xfrm>
-            <a:off x="112542" y="119269"/>
-            <a:ext cx="1617784" cy="443948"/>
-          </a:xfrm>
-          <a:prstGeom prst="roundRect">
-            <a:avLst/>
-          </a:prstGeom>
-          <a:solidFill>
-            <a:srgbClr val="00B050"/>
-          </a:solidFill>
-          <a:ln>
-            <a:noFill/>
-          </a:ln>
-        </p:spPr>
-        <p:style>
-          <a:lnRef idx="2">
-            <a:schemeClr val="accent1">
-              <a:shade val="50000"/>
-            </a:schemeClr>
-          </a:lnRef>
-          <a:fillRef idx="1">
-            <a:schemeClr val="accent1"/>
-          </a:fillRef>
-          <a:effectRef idx="0">
-            <a:schemeClr val="accent1"/>
-          </a:effectRef>
-          <a:fontRef idx="minor">
-            <a:schemeClr val="lt1"/>
-          </a:fontRef>
-        </p:style>
-        <p:txBody>
-          <a:bodyPr lIns="91440" tIns="45720" rIns="91440" bIns="45720" rtlCol="0" anchor="ctr"/>
-          <a:lstStyle/>
-          <a:p>
-            <a:pPr marL="0" marR="0" lvl="0" indent="0" algn="ctr" defTabSz="914400" rtl="0" eaLnBrk="1" fontAlgn="auto" latinLnBrk="0" hangingPunct="1">
-              <a:lnSpc>
-                <a:spcPct val="100000"/>
-              </a:lnSpc>
-              <a:spcBef>
-                <a:spcPts val="0"/>
-              </a:spcBef>
-              <a:spcAft>
-                <a:spcPts val="0"/>
-              </a:spcAft>
-              <a:buClrTx/>
-              <a:buSzTx/>
-              <a:buFontTx/>
-              <a:buNone/>
-              <a:tabLst/>
-              <a:defRPr/>
-            </a:pPr>
-            <a:r>
-              <a:rPr lang="es-MX" sz="2400" b="1">
-                <a:latin typeface="Calibri" panose="020F0502020204030204"/>
-              </a:rPr>
-              <a:t>Module</a:t>
-            </a:r>
-            <a:r>
-              <a:rPr kumimoji="0" lang="es-MX" sz="2400" b="1" i="0" u="none" strike="noStrike" kern="1200" cap="none" spc="0" normalizeH="0" baseline="0" noProof="0">
-                <a:ln>
-                  <a:noFill/>
-                </a:ln>
-                <a:effectLst/>
-                <a:uLnTx/>
-                <a:uFillTx/>
-                <a:latin typeface="Calibri" panose="020F0502020204030204"/>
-                <a:ea typeface="+mn-ea"/>
-                <a:cs typeface="+mn-cs"/>
-              </a:rPr>
-              <a:t> 1</a:t>
-            </a:r>
-          </a:p>
-        </p:txBody>
-      </p:sp>
-      <p:sp>
-        <p:nvSpPr>
-          <p:cNvPr id="5" name="Rectángulo: esquinas redondeadas 4">
-            <a:extLst>
-              <a:ext uri="{FF2B5EF4-FFF2-40B4-BE49-F238E27FC236}">
-                <a16:creationId xmlns:a16="http://schemas.microsoft.com/office/drawing/2014/main" xmlns="" id="{AF55A350-95FD-4BE3-B989-8FABA6F383DF}"/>
-              </a:ext>
-            </a:extLst>
-          </p:cNvPr>
-          <p:cNvSpPr/>
-          <p:nvPr/>
-        </p:nvSpPr>
-        <p:spPr>
-          <a:xfrm>
-            <a:off x="588819" y="1731706"/>
-            <a:ext cx="3327009" cy="555012"/>
-          </a:xfrm>
-          <a:prstGeom prst="roundRect">
-            <a:avLst/>
-          </a:prstGeom>
-          <a:solidFill>
-            <a:srgbClr val="002060"/>
-          </a:solidFill>
-          <a:ln>
-            <a:noFill/>
-          </a:ln>
-        </p:spPr>
-        <p:style>
-          <a:lnRef idx="2">
-            <a:schemeClr val="accent1">
-              <a:shade val="50000"/>
-            </a:schemeClr>
-          </a:lnRef>
-          <a:fillRef idx="1">
-            <a:schemeClr val="accent1"/>
-          </a:fillRef>
-          <a:effectRef idx="0">
-            <a:schemeClr val="accent1"/>
-          </a:effectRef>
-          <a:fontRef idx="minor">
-            <a:schemeClr val="lt1"/>
-          </a:fontRef>
-        </p:style>
-        <p:txBody>
-          <a:bodyPr lIns="91440" tIns="45720" rIns="91440" bIns="45720" rtlCol="0" anchor="ctr"/>
-          <a:lstStyle/>
-          <a:p>
-            <a:pPr algn="ctr">
-              <a:defRPr/>
-            </a:pPr>
-            <a:r>
-              <a:rPr lang="es-MX" sz="2400" b="1" dirty="0">
-                <a:latin typeface="Calibri" panose="020F0502020204030204"/>
-              </a:rPr>
-              <a:t>Basic reference</a:t>
-            </a:r>
-            <a:endParaRPr kumimoji="0" lang="es-MX" sz="2400" b="1" i="0" u="none" strike="noStrike" kern="1200" cap="none" spc="0" normalizeH="0" baseline="0" noProof="0" dirty="0">
-              <a:ln>
-                <a:noFill/>
-              </a:ln>
-              <a:solidFill>
-                <a:prstClr val="white"/>
-              </a:solidFill>
-              <a:effectLst/>
-              <a:uLnTx/>
-              <a:uFillTx/>
-              <a:latin typeface="Calibri" panose="020F0502020204030204"/>
-              <a:ea typeface="+mn-ea"/>
-              <a:cs typeface="+mn-cs"/>
-            </a:endParaRPr>
-          </a:p>
-        </p:txBody>
-      </p:sp>
-      <p:sp>
-        <p:nvSpPr>
-          <p:cNvPr id="10" name="CuadroTexto 9">
-            <a:extLst>
-              <a:ext uri="{FF2B5EF4-FFF2-40B4-BE49-F238E27FC236}">
-                <a16:creationId xmlns:a16="http://schemas.microsoft.com/office/drawing/2014/main" xmlns="" id="{1B6E25F1-4638-4096-A303-1E7B797DCE07}"/>
-              </a:ext>
-            </a:extLst>
-          </p:cNvPr>
-          <p:cNvSpPr txBox="1"/>
-          <p:nvPr/>
-        </p:nvSpPr>
-        <p:spPr>
-          <a:xfrm>
-            <a:off x="588819" y="2282833"/>
-            <a:ext cx="10768510" cy="2846933"/>
-          </a:xfrm>
-          <a:prstGeom prst="rect">
-            <a:avLst/>
-          </a:prstGeom>
-          <a:noFill/>
-        </p:spPr>
-        <p:txBody>
-          <a:bodyPr wrap="square" lIns="91440" tIns="45720" rIns="91440" bIns="45720" anchor="t">
-            <a:spAutoFit/>
-          </a:bodyPr>
-          <a:lstStyle/>
-          <a:p>
-            <a:pPr marL="171450" lvl="0" indent="-171450">
-              <a:buFont typeface="Arial" panose="020B0604020202020204" pitchFamily="34" charset="0"/>
-              <a:buChar char="•"/>
-            </a:pPr>
-            <a:endParaRPr lang="en-US" sz="1400" dirty="0">
-              <a:solidFill>
-                <a:prstClr val="black"/>
-              </a:solidFill>
-              <a:latin typeface="Calibri" panose="020F0502020204030204"/>
-              <a:cs typeface="Calibri" panose="020F0502020204030204"/>
-            </a:endParaRPr>
-          </a:p>
-          <a:p>
-            <a:pPr marL="339725" indent="-339725">
-              <a:defRPr/>
-            </a:pPr>
-            <a:r>
-              <a:rPr lang="en-US" sz="1500" dirty="0" err="1">
-                <a:ea typeface="+mn-lt"/>
-                <a:cs typeface="+mn-lt"/>
-              </a:rPr>
-              <a:t>Alred</a:t>
-            </a:r>
-            <a:r>
-              <a:rPr lang="en-US" sz="1500" dirty="0">
-                <a:ea typeface="+mn-lt"/>
-                <a:cs typeface="+mn-lt"/>
-              </a:rPr>
-              <a:t>, G.,  </a:t>
-            </a:r>
-            <a:r>
-              <a:rPr lang="en-US" sz="1500" dirty="0" err="1">
-                <a:ea typeface="+mn-lt"/>
-                <a:cs typeface="+mn-lt"/>
-              </a:rPr>
-              <a:t>Brusaw</a:t>
-            </a:r>
-            <a:r>
-              <a:rPr lang="en-US" sz="1500" dirty="0">
-                <a:ea typeface="+mn-lt"/>
-                <a:cs typeface="+mn-lt"/>
-              </a:rPr>
-              <a:t>, C. T. </a:t>
-            </a:r>
-            <a:r>
-              <a:rPr lang="en-US" sz="1600" dirty="0"/>
-              <a:t>&amp;</a:t>
-            </a:r>
-            <a:r>
-              <a:rPr lang="es-ES_tradnl" sz="1600" dirty="0"/>
-              <a:t> </a:t>
-            </a:r>
-            <a:r>
-              <a:rPr lang="en-US" sz="1500" dirty="0" err="1">
-                <a:ea typeface="+mn-lt"/>
-                <a:cs typeface="+mn-lt"/>
-              </a:rPr>
-              <a:t>Oliu</a:t>
-            </a:r>
-            <a:r>
-              <a:rPr lang="en-US" sz="1500" dirty="0">
-                <a:ea typeface="+mn-lt"/>
-                <a:cs typeface="+mn-lt"/>
-              </a:rPr>
-              <a:t>, W. E.   (2009). </a:t>
-            </a:r>
-            <a:r>
-              <a:rPr lang="en-US" sz="1500" i="1" dirty="0">
-                <a:ea typeface="+mn-lt"/>
-                <a:cs typeface="+mn-lt"/>
-              </a:rPr>
-              <a:t>Handbook of Technical writing.</a:t>
-            </a:r>
-            <a:r>
-              <a:rPr lang="en-US" sz="1500" dirty="0">
-                <a:ea typeface="+mn-lt"/>
-                <a:cs typeface="+mn-lt"/>
-              </a:rPr>
-              <a:t> Ninth edition. APA Updates.</a:t>
-            </a:r>
-            <a:endParaRPr lang="en-US" sz="1500" dirty="0">
-              <a:latin typeface="Calibri" panose="020F0502020204030204"/>
-              <a:cs typeface="Calibri" panose="020F0502020204030204"/>
-            </a:endParaRPr>
-          </a:p>
-          <a:p>
-            <a:pPr marL="339725" indent="-339725">
-              <a:defRPr/>
-            </a:pPr>
-            <a:r>
-              <a:rPr lang="en-US" sz="1500" dirty="0">
-                <a:ea typeface="+mn-lt"/>
-                <a:cs typeface="+mn-lt"/>
-              </a:rPr>
-              <a:t>Bradley, A. (2022, </a:t>
-            </a:r>
-            <a:r>
-              <a:rPr lang="en-US" sz="1500" dirty="0" err="1">
-                <a:ea typeface="+mn-lt"/>
-                <a:cs typeface="+mn-lt"/>
-              </a:rPr>
-              <a:t>june</a:t>
-            </a:r>
-            <a:r>
-              <a:rPr lang="en-US" sz="1500" dirty="0">
-                <a:ea typeface="+mn-lt"/>
-                <a:cs typeface="+mn-lt"/>
-              </a:rPr>
-              <a:t> 1). </a:t>
-            </a:r>
-            <a:r>
-              <a:rPr lang="en-US" sz="1500" i="1" dirty="0">
-                <a:ea typeface="+mn-lt"/>
-                <a:cs typeface="+mn-lt"/>
-              </a:rPr>
-              <a:t>Writing a Business Request Letter</a:t>
-            </a:r>
-            <a:r>
-              <a:rPr lang="en-US" sz="1500" dirty="0">
-                <a:ea typeface="+mn-lt"/>
-                <a:cs typeface="+mn-lt"/>
-              </a:rPr>
-              <a:t> [Free Sample]. The writing center. </a:t>
-            </a:r>
-            <a:r>
-              <a:rPr lang="en-US" sz="1500" dirty="0">
-                <a:ea typeface="+mn-lt"/>
-                <a:cs typeface="+mn-lt"/>
-                <a:hlinkClick r:id="rId2"/>
-              </a:rPr>
-              <a:t>https://writingcenter.unc.edu/tips-and-tools/business-letters/</a:t>
-            </a:r>
-            <a:r>
-              <a:rPr lang="en-US" sz="1500" dirty="0">
-                <a:ea typeface="+mn-lt"/>
-                <a:cs typeface="+mn-lt"/>
-              </a:rPr>
-              <a:t> </a:t>
-            </a:r>
-            <a:endParaRPr lang="en-US" sz="1500" dirty="0">
-              <a:cs typeface="Calibri"/>
-            </a:endParaRPr>
-          </a:p>
-          <a:p>
-            <a:pPr marL="339725" indent="-339725">
-              <a:defRPr/>
-            </a:pPr>
-            <a:r>
-              <a:rPr lang="en-US" sz="1500" dirty="0">
-                <a:ea typeface="+mn-lt"/>
-                <a:cs typeface="+mn-lt"/>
-              </a:rPr>
-              <a:t>Career Development. (2014, </a:t>
-            </a:r>
-            <a:r>
-              <a:rPr lang="en-US" sz="1500" dirty="0" err="1">
-                <a:ea typeface="+mn-lt"/>
-                <a:cs typeface="+mn-lt"/>
-              </a:rPr>
-              <a:t>june</a:t>
-            </a:r>
-            <a:r>
-              <a:rPr lang="en-US" sz="1500" dirty="0">
-                <a:ea typeface="+mn-lt"/>
-                <a:cs typeface="+mn-lt"/>
-              </a:rPr>
-              <a:t>). </a:t>
-            </a:r>
-            <a:r>
-              <a:rPr lang="en-US" sz="1500" i="1" dirty="0">
-                <a:ea typeface="+mn-lt"/>
-                <a:cs typeface="+mn-lt"/>
-              </a:rPr>
-              <a:t>Curriculum vitae. Tips and samples. </a:t>
-            </a:r>
-            <a:r>
-              <a:rPr lang="en-US" sz="1500" dirty="0" err="1">
-                <a:ea typeface="+mn-lt"/>
-                <a:cs typeface="+mn-lt"/>
-              </a:rPr>
-              <a:t>Grad.illinois.edu</a:t>
-            </a:r>
-            <a:r>
-              <a:rPr lang="en-US" sz="1500" dirty="0">
-                <a:ea typeface="+mn-lt"/>
-                <a:cs typeface="+mn-lt"/>
-              </a:rPr>
-              <a:t>. </a:t>
-            </a:r>
-            <a:r>
-              <a:rPr lang="en-US" sz="1500" dirty="0">
-                <a:ea typeface="+mn-lt"/>
-                <a:cs typeface="+mn-lt"/>
-                <a:hlinkClick r:id="rId3"/>
-              </a:rPr>
-              <a:t>https://grad.illinois.edu/sites/default/files/pdfs/cvsamples.pdf</a:t>
-            </a:r>
-            <a:r>
-              <a:rPr lang="en-US" sz="1500" dirty="0">
-                <a:ea typeface="+mn-lt"/>
-                <a:cs typeface="+mn-lt"/>
-              </a:rPr>
-              <a:t>  </a:t>
-            </a:r>
-            <a:endParaRPr lang="en-US" sz="1500" dirty="0">
-              <a:cs typeface="Calibri"/>
-            </a:endParaRPr>
-          </a:p>
-          <a:p>
-            <a:pPr marL="339725" indent="-339725">
-              <a:defRPr/>
-            </a:pPr>
-            <a:r>
-              <a:rPr lang="en-US" sz="1500" dirty="0" err="1">
-                <a:ea typeface="+mn-lt"/>
-                <a:cs typeface="+mn-lt"/>
-              </a:rPr>
-              <a:t>Naterop</a:t>
-            </a:r>
-            <a:r>
-              <a:rPr lang="en-US" sz="1500" dirty="0">
-                <a:ea typeface="+mn-lt"/>
-                <a:cs typeface="+mn-lt"/>
-              </a:rPr>
-              <a:t>, J. B., Weis, E. </a:t>
-            </a:r>
-            <a:r>
-              <a:rPr lang="en-US" sz="1400" dirty="0"/>
-              <a:t>&amp; </a:t>
-            </a:r>
-            <a:r>
-              <a:rPr lang="en-US" sz="1500" dirty="0">
-                <a:ea typeface="+mn-lt"/>
-                <a:cs typeface="+mn-lt"/>
-              </a:rPr>
-              <a:t> </a:t>
-            </a:r>
-            <a:r>
-              <a:rPr lang="en-US" sz="1500" dirty="0" err="1">
-                <a:ea typeface="+mn-lt"/>
-                <a:cs typeface="+mn-lt"/>
-              </a:rPr>
-              <a:t>Haberfellner</a:t>
-            </a:r>
-            <a:r>
-              <a:rPr lang="en-US" sz="1500" dirty="0">
-                <a:ea typeface="+mn-lt"/>
-                <a:cs typeface="+mn-lt"/>
-              </a:rPr>
-              <a:t>, E. (1998</a:t>
-            </a:r>
-            <a:r>
-              <a:rPr lang="en-US" sz="1500" i="1" dirty="0">
-                <a:ea typeface="+mn-lt"/>
-                <a:cs typeface="+mn-lt"/>
-              </a:rPr>
-              <a:t>). Business Letters for All. 21st edition. </a:t>
-            </a:r>
-            <a:r>
-              <a:rPr lang="en-US" sz="1500" dirty="0">
-                <a:ea typeface="+mn-lt"/>
-                <a:cs typeface="+mn-lt"/>
-              </a:rPr>
-              <a:t>Oxford University Press.</a:t>
-            </a:r>
-            <a:endParaRPr lang="en-US" sz="1500" dirty="0">
-              <a:cs typeface="Calibri"/>
-            </a:endParaRPr>
-          </a:p>
-          <a:p>
-            <a:pPr marL="339725" indent="-339725">
-              <a:defRPr/>
-            </a:pPr>
-            <a:r>
-              <a:rPr lang="en-US" sz="1500" dirty="0" err="1">
-                <a:ea typeface="+mn-lt"/>
-                <a:cs typeface="+mn-lt"/>
-              </a:rPr>
-              <a:t>SampleTemplates</a:t>
-            </a:r>
-            <a:r>
-              <a:rPr lang="en-US" sz="1500" dirty="0">
-                <a:ea typeface="+mn-lt"/>
-                <a:cs typeface="+mn-lt"/>
-              </a:rPr>
-              <a:t>. (S. f.). </a:t>
-            </a:r>
-            <a:r>
-              <a:rPr lang="en-US" sz="1500" i="1" dirty="0">
-                <a:ea typeface="+mn-lt"/>
-                <a:cs typeface="+mn-lt"/>
-              </a:rPr>
-              <a:t>FREE 5+ Sample Employee Reference Letter Templates in PDF | MS. </a:t>
-            </a:r>
-            <a:r>
-              <a:rPr lang="en-US" sz="1500" dirty="0" err="1">
-                <a:ea typeface="+mn-lt"/>
-                <a:cs typeface="+mn-lt"/>
-              </a:rPr>
-              <a:t>Sampletemplates.com</a:t>
-            </a:r>
-            <a:r>
-              <a:rPr lang="en-US" sz="1500" dirty="0">
-                <a:ea typeface="+mn-lt"/>
-                <a:cs typeface="+mn-lt"/>
-              </a:rPr>
-              <a:t>. </a:t>
-            </a:r>
-            <a:r>
-              <a:rPr lang="en-US" sz="1500" dirty="0">
-                <a:ea typeface="+mn-lt"/>
-                <a:cs typeface="+mn-lt"/>
-                <a:hlinkClick r:id="rId4"/>
-              </a:rPr>
-              <a:t>https://www.sampletemplates.com/letter-templates/employee-reference-letters.html</a:t>
-            </a:r>
-            <a:endParaRPr lang="en-US" sz="1500" dirty="0">
-              <a:cs typeface="Calibri"/>
-            </a:endParaRPr>
-          </a:p>
-          <a:p>
-            <a:pPr marL="339725" indent="-339725">
-              <a:defRPr/>
-            </a:pPr>
-            <a:r>
-              <a:rPr lang="en-US" sz="1500" dirty="0">
-                <a:ea typeface="+mn-lt"/>
-                <a:cs typeface="+mn-lt"/>
-              </a:rPr>
-              <a:t>The Writing Centre. University of North Carolina at Chapel Hill. </a:t>
-            </a:r>
-            <a:r>
-              <a:rPr lang="es-ES_tradnl" sz="1500" i="1" dirty="0"/>
-              <a:t>Business </a:t>
-            </a:r>
-            <a:r>
-              <a:rPr lang="es-ES_tradnl" sz="1500" i="1" dirty="0" err="1"/>
-              <a:t>Writing</a:t>
-            </a:r>
-            <a:r>
-              <a:rPr lang="es-ES_tradnl" sz="1500" i="1" dirty="0"/>
-              <a:t>. </a:t>
-            </a:r>
-            <a:r>
-              <a:rPr lang="es-ES_tradnl" sz="1500" i="1" dirty="0" err="1"/>
-              <a:t>What</a:t>
-            </a:r>
-            <a:r>
-              <a:rPr lang="es-ES_tradnl" sz="1500" i="1" dirty="0"/>
-              <a:t> </a:t>
-            </a:r>
-            <a:r>
-              <a:rPr lang="es-ES_tradnl" sz="1500" i="1" dirty="0" err="1"/>
-              <a:t>this</a:t>
-            </a:r>
-            <a:r>
-              <a:rPr lang="es-ES_tradnl" sz="1500" i="1" dirty="0"/>
-              <a:t> </a:t>
-            </a:r>
-            <a:r>
-              <a:rPr lang="es-ES_tradnl" sz="1500" i="1" dirty="0" err="1"/>
-              <a:t>handout</a:t>
-            </a:r>
-            <a:r>
-              <a:rPr lang="es-ES_tradnl" sz="1500" i="1" dirty="0"/>
-              <a:t> </a:t>
-            </a:r>
-            <a:r>
-              <a:rPr lang="es-ES_tradnl" sz="1500" i="1" dirty="0" err="1"/>
-              <a:t>is</a:t>
-            </a:r>
-            <a:r>
-              <a:rPr lang="es-ES_tradnl" sz="1500" i="1" dirty="0"/>
-              <a:t> </a:t>
-            </a:r>
-            <a:r>
-              <a:rPr lang="es-ES_tradnl" sz="1500" i="1" dirty="0" err="1"/>
-              <a:t>about</a:t>
-            </a:r>
-            <a:r>
-              <a:rPr lang="es-ES_tradnl" sz="1500" i="1" dirty="0"/>
-              <a:t>.</a:t>
-            </a:r>
-            <a:endParaRPr lang="es-ES_tradnl" sz="1500" dirty="0"/>
-          </a:p>
-          <a:p>
-            <a:pPr marL="339725" indent="-339725">
-              <a:defRPr/>
-            </a:pPr>
-            <a:r>
-              <a:rPr lang="es-ES_tradnl" sz="1500" dirty="0" err="1">
-                <a:ea typeface="+mn-lt"/>
-                <a:cs typeface="+mn-lt"/>
-              </a:rPr>
-              <a:t>Writingcenter.unc.edu</a:t>
-            </a:r>
-            <a:r>
-              <a:rPr lang="es-ES_tradnl" sz="1500" dirty="0">
-                <a:ea typeface="+mn-lt"/>
-                <a:cs typeface="+mn-lt"/>
-              </a:rPr>
-              <a:t>.</a:t>
-            </a:r>
-            <a:r>
-              <a:rPr lang="en-US" sz="1500" dirty="0">
-                <a:ea typeface="+mn-lt"/>
-                <a:cs typeface="+mn-lt"/>
-              </a:rPr>
-              <a:t> </a:t>
-            </a:r>
-            <a:r>
-              <a:rPr lang="en-US" sz="1500" dirty="0">
-                <a:ea typeface="+mn-lt"/>
-                <a:cs typeface="+mn-lt"/>
-                <a:hlinkClick r:id="rId2"/>
-              </a:rPr>
-              <a:t>https://writingcenter.unc.edu/tips-and-tools/business-letters/</a:t>
-            </a:r>
-            <a:r>
-              <a:rPr lang="en-US" sz="1500" dirty="0">
-                <a:ea typeface="+mn-lt"/>
-                <a:cs typeface="+mn-lt"/>
-              </a:rPr>
-              <a:t> </a:t>
-            </a:r>
-            <a:endParaRPr lang="en-US" sz="1400" dirty="0">
-              <a:solidFill>
-                <a:prstClr val="black"/>
-              </a:solidFill>
-              <a:latin typeface="Calibri" panose="020F0502020204030204"/>
-              <a:cs typeface="Calibri" panose="020F0502020204030204"/>
-            </a:endParaRPr>
-          </a:p>
-          <a:p>
-            <a:pPr marL="171450" indent="-171450">
-              <a:buFont typeface="Arial" panose="020B0604020202020204" pitchFamily="34" charset="0"/>
-              <a:buChar char="•"/>
-              <a:defRPr/>
-            </a:pPr>
-            <a:endParaRPr lang="en-US" sz="1400" dirty="0">
-              <a:solidFill>
-                <a:prstClr val="black"/>
-              </a:solidFill>
-              <a:latin typeface="Calibri" panose="020F0502020204030204"/>
-              <a:cs typeface="Calibri" panose="020F0502020204030204"/>
-            </a:endParaRPr>
-          </a:p>
-        </p:txBody>
-      </p:sp>
-      <p:sp>
-        <p:nvSpPr>
-          <p:cNvPr id="9" name="Título 1">
-            <a:extLst>
-              <a:ext uri="{FF2B5EF4-FFF2-40B4-BE49-F238E27FC236}">
-                <a16:creationId xmlns:a16="http://schemas.microsoft.com/office/drawing/2014/main" xmlns="" id="{B4259CEA-837E-11D9-3DBC-4486A1EE09C2}"/>
-              </a:ext>
-            </a:extLst>
-          </p:cNvPr>
-          <p:cNvSpPr txBox="1">
-            <a:spLocks/>
-          </p:cNvSpPr>
-          <p:nvPr/>
-        </p:nvSpPr>
-        <p:spPr>
-          <a:xfrm>
-            <a:off x="588819" y="558529"/>
-            <a:ext cx="10515600" cy="555012"/>
-          </a:xfrm>
-          <a:prstGeom prst="rect">
-            <a:avLst/>
-          </a:prstGeom>
-        </p:spPr>
-        <p:txBody>
-          <a:bodyPr vert="horz" lIns="91440" tIns="45720" rIns="91440" bIns="45720" rtlCol="0" anchor="ctr">
-            <a:normAutofit lnSpcReduction="10000"/>
-          </a:bodyPr>
-          <a:lstStyle>
-            <a:lvl1pPr algn="l" defTabSz="914400" rtl="0" eaLnBrk="1" latinLnBrk="0" hangingPunct="1">
-              <a:lnSpc>
-                <a:spcPct val="90000"/>
-              </a:lnSpc>
-              <a:spcBef>
-                <a:spcPct val="0"/>
-              </a:spcBef>
-              <a:buNone/>
-              <a:defRPr sz="4400" kern="1200">
-                <a:solidFill>
-                  <a:schemeClr val="tx1"/>
-                </a:solidFill>
-                <a:latin typeface="+mj-lt"/>
-                <a:ea typeface="+mj-ea"/>
-                <a:cs typeface="+mj-cs"/>
-              </a:defRPr>
-            </a:lvl1pPr>
-          </a:lstStyle>
-          <a:p>
-            <a:pPr>
-              <a:defRPr/>
-            </a:pPr>
-            <a:r>
-              <a:rPr lang="es-MX" sz="3600" err="1">
-                <a:latin typeface="Calibri Light" panose="020F0302020204030204"/>
-              </a:rPr>
-              <a:t>References</a:t>
-            </a:r>
-            <a:endParaRPr lang="es-ES" err="1">
-              <a:ea typeface="+mj-ea"/>
-              <a:cs typeface="+mj-cs"/>
-            </a:endParaRPr>
-          </a:p>
-        </p:txBody>
-      </p:sp>
-      <p:pic>
-        <p:nvPicPr>
-          <p:cNvPr id="13" name="Imagen 12">
-            <a:extLst>
-              <a:ext uri="{FF2B5EF4-FFF2-40B4-BE49-F238E27FC236}">
-                <a16:creationId xmlns:a16="http://schemas.microsoft.com/office/drawing/2014/main" xmlns="" id="{06ACF047-577A-4AA2-9BE0-A64F4376128C}"/>
-              </a:ext>
-            </a:extLst>
-          </p:cNvPr>
-          <p:cNvPicPr>
-            <a:picLocks noChangeAspect="1"/>
-          </p:cNvPicPr>
-          <p:nvPr/>
-        </p:nvPicPr>
-        <p:blipFill>
-          <a:blip r:embed="rId5"/>
-          <a:stretch>
-            <a:fillRect/>
-          </a:stretch>
-        </p:blipFill>
-        <p:spPr>
-          <a:xfrm>
-            <a:off x="588819" y="1193147"/>
-            <a:ext cx="462506" cy="318471"/>
-          </a:xfrm>
-          <a:prstGeom prst="rect">
-            <a:avLst/>
-          </a:prstGeom>
-        </p:spPr>
-      </p:pic>
-      <p:sp>
-        <p:nvSpPr>
-          <p:cNvPr id="4" name="CuadroTexto 3">
-            <a:extLst>
-              <a:ext uri="{FF2B5EF4-FFF2-40B4-BE49-F238E27FC236}">
-                <a16:creationId xmlns:a16="http://schemas.microsoft.com/office/drawing/2014/main" xmlns="" id="{203FDE59-AC88-625D-CC8C-C48043D96AC6}"/>
-              </a:ext>
-            </a:extLst>
-          </p:cNvPr>
-          <p:cNvSpPr txBox="1"/>
-          <p:nvPr/>
-        </p:nvSpPr>
-        <p:spPr>
-          <a:xfrm>
-            <a:off x="1235605" y="1138720"/>
-            <a:ext cx="5230545" cy="369332"/>
-          </a:xfrm>
-          <a:prstGeom prst="rect">
-            <a:avLst/>
-          </a:prstGeom>
-          <a:noFill/>
-        </p:spPr>
-        <p:txBody>
-          <a:bodyPr wrap="square" lIns="91440" tIns="45720" rIns="91440" bIns="45720" rtlCol="0" anchor="t">
-            <a:spAutoFit/>
-          </a:bodyPr>
-          <a:lstStyle/>
-          <a:p>
-            <a:r>
-              <a:rPr lang="es-MX" dirty="0">
-                <a:ea typeface="+mn-lt"/>
-                <a:cs typeface="+mn-lt"/>
-              </a:rPr>
-              <a:t>Click on each link to look up the references. </a:t>
-            </a:r>
-            <a:endParaRPr lang="es-ES" dirty="0">
-              <a:cs typeface="Calibri"/>
-            </a:endParaRPr>
-          </a:p>
-        </p:txBody>
-      </p:sp>
-      <p:sp>
-        <p:nvSpPr>
-          <p:cNvPr id="14" name="Rectángulo: esquinas redondeadas 13">
-            <a:extLst>
-              <a:ext uri="{FF2B5EF4-FFF2-40B4-BE49-F238E27FC236}">
-                <a16:creationId xmlns:a16="http://schemas.microsoft.com/office/drawing/2014/main" xmlns="" id="{E6046A1C-A4C0-CC07-6ACB-64F9A0AA59CF}"/>
-              </a:ext>
-            </a:extLst>
-          </p:cNvPr>
-          <p:cNvSpPr/>
-          <p:nvPr/>
-        </p:nvSpPr>
-        <p:spPr>
-          <a:xfrm>
-            <a:off x="568078" y="5125881"/>
-            <a:ext cx="3327009" cy="555012"/>
-          </a:xfrm>
-          <a:prstGeom prst="roundRect">
-            <a:avLst/>
-          </a:prstGeom>
-          <a:solidFill>
-            <a:srgbClr val="002060"/>
-          </a:solidFill>
-          <a:ln>
-            <a:noFill/>
-          </a:ln>
-        </p:spPr>
-        <p:style>
-          <a:lnRef idx="2">
-            <a:schemeClr val="accent1">
-              <a:shade val="50000"/>
-            </a:schemeClr>
-          </a:lnRef>
-          <a:fillRef idx="1">
-            <a:schemeClr val="accent1"/>
-          </a:fillRef>
-          <a:effectRef idx="0">
-            <a:schemeClr val="accent1"/>
-          </a:effectRef>
-          <a:fontRef idx="minor">
-            <a:schemeClr val="lt1"/>
-          </a:fontRef>
-        </p:style>
-        <p:txBody>
-          <a:bodyPr lIns="91440" tIns="45720" rIns="91440" bIns="45720" rtlCol="0" anchor="ctr"/>
-          <a:lstStyle/>
-          <a:p>
-            <a:pPr algn="ctr">
-              <a:defRPr/>
-            </a:pPr>
-            <a:r>
-              <a:rPr lang="es-MX" sz="2400" b="1" err="1">
-                <a:latin typeface="Calibri" panose="020F0502020204030204"/>
-              </a:rPr>
-              <a:t>Additional</a:t>
-            </a:r>
-            <a:r>
-              <a:rPr lang="es-MX" sz="2400" b="1">
-                <a:latin typeface="Calibri" panose="020F0502020204030204"/>
-              </a:rPr>
-              <a:t> </a:t>
-            </a:r>
-            <a:r>
-              <a:rPr lang="es-MX" sz="2400" b="1" err="1">
-                <a:latin typeface="Calibri" panose="020F0502020204030204"/>
-              </a:rPr>
-              <a:t>references</a:t>
-            </a:r>
-            <a:endParaRPr kumimoji="0" lang="es-MX" sz="2400" b="1" i="0" u="none" strike="noStrike" kern="1200" cap="none" spc="0" normalizeH="0" baseline="0" noProof="0" err="1">
-              <a:ln>
-                <a:noFill/>
-              </a:ln>
-              <a:solidFill>
-                <a:prstClr val="white"/>
-              </a:solidFill>
-              <a:effectLst/>
-              <a:uLnTx/>
-              <a:uFillTx/>
-              <a:latin typeface="Calibri" panose="020F0502020204030204"/>
-              <a:ea typeface="+mn-ea"/>
-              <a:cs typeface="+mn-cs"/>
-            </a:endParaRPr>
-          </a:p>
-        </p:txBody>
-      </p:sp>
-      <p:sp>
-        <p:nvSpPr>
-          <p:cNvPr id="15" name="CuadroTexto 14">
-            <a:extLst>
-              <a:ext uri="{FF2B5EF4-FFF2-40B4-BE49-F238E27FC236}">
-                <a16:creationId xmlns:a16="http://schemas.microsoft.com/office/drawing/2014/main" xmlns="" id="{4A38DFF2-A78D-D633-289D-D382165C63E3}"/>
-              </a:ext>
-            </a:extLst>
-          </p:cNvPr>
-          <p:cNvSpPr txBox="1"/>
-          <p:nvPr/>
-        </p:nvSpPr>
-        <p:spPr>
-          <a:xfrm>
-            <a:off x="455175" y="5835115"/>
-            <a:ext cx="10782887" cy="954107"/>
-          </a:xfrm>
-          <a:prstGeom prst="rect">
-            <a:avLst/>
-          </a:prstGeom>
-          <a:noFill/>
-        </p:spPr>
-        <p:txBody>
-          <a:bodyPr wrap="square" lIns="91440" tIns="45720" rIns="91440" bIns="45720" anchor="t">
-            <a:spAutoFit/>
-          </a:bodyPr>
-          <a:lstStyle/>
-          <a:p>
-            <a:pPr marL="266700" indent="-266700"/>
-            <a:r>
-              <a:rPr lang="en-US" sz="1400" dirty="0" err="1">
-                <a:ea typeface="+mn-lt"/>
-                <a:cs typeface="+mn-lt"/>
-              </a:rPr>
-              <a:t>Physiopedia</a:t>
-            </a:r>
-            <a:r>
-              <a:rPr lang="en-US" sz="1400" dirty="0">
-                <a:ea typeface="+mn-lt"/>
-                <a:cs typeface="+mn-lt"/>
-              </a:rPr>
-              <a:t>. (S. f.) </a:t>
-            </a:r>
-            <a:r>
-              <a:rPr lang="en-US" sz="1400" i="1" dirty="0"/>
-              <a:t>Components of a Good CV. </a:t>
-            </a:r>
-            <a:r>
-              <a:rPr lang="en-US" sz="1400" dirty="0" err="1"/>
-              <a:t>Physio-pedia.com</a:t>
-            </a:r>
-            <a:r>
-              <a:rPr lang="en-US" sz="1400" dirty="0"/>
-              <a:t>. </a:t>
-            </a:r>
-            <a:r>
-              <a:rPr lang="en-US" sz="1400" dirty="0">
-                <a:ea typeface="+mn-lt"/>
-                <a:cs typeface="+mn-lt"/>
-                <a:hlinkClick r:id="rId6"/>
-              </a:rPr>
-              <a:t>https://www.physio-pedia.com/Components_of_a_Good_CV</a:t>
-            </a:r>
-            <a:r>
-              <a:rPr lang="en-US" sz="1400" dirty="0">
-                <a:ea typeface="+mn-lt"/>
-                <a:cs typeface="+mn-lt"/>
-              </a:rPr>
-              <a:t> </a:t>
-            </a:r>
-            <a:endParaRPr lang="en-US" sz="1400" dirty="0">
-              <a:solidFill>
-                <a:srgbClr val="000000"/>
-              </a:solidFill>
-              <a:cs typeface="Calibri"/>
-            </a:endParaRPr>
-          </a:p>
-          <a:p>
-            <a:pPr marL="266700" indent="-266700"/>
-            <a:r>
-              <a:rPr lang="en-US" sz="1400" dirty="0">
-                <a:ea typeface="+mn-lt"/>
-                <a:cs typeface="+mn-lt"/>
-              </a:rPr>
-              <a:t>Rosenberg, D. (2020, </a:t>
-            </a:r>
-            <a:r>
-              <a:rPr lang="en-US" sz="1400" dirty="0" err="1">
-                <a:ea typeface="+mn-lt"/>
-                <a:cs typeface="+mn-lt"/>
-              </a:rPr>
-              <a:t>july</a:t>
-            </a:r>
-            <a:r>
-              <a:rPr lang="en-US" sz="1400" dirty="0">
-                <a:ea typeface="+mn-lt"/>
-                <a:cs typeface="+mn-lt"/>
-              </a:rPr>
-              <a:t> 19). </a:t>
-            </a:r>
-            <a:r>
-              <a:rPr lang="en-US" sz="1400" i="1" dirty="0">
-                <a:ea typeface="+mn-lt"/>
-                <a:cs typeface="+mn-lt"/>
-              </a:rPr>
-              <a:t>What is a Curriculum Vitae (CV)? </a:t>
-            </a:r>
-            <a:r>
-              <a:rPr lang="en-US" sz="1400" dirty="0" err="1">
-                <a:ea typeface="+mn-lt"/>
-                <a:cs typeface="+mn-lt"/>
-              </a:rPr>
-              <a:t>Thebalancecareers.com</a:t>
-            </a:r>
-            <a:r>
-              <a:rPr lang="en-US" sz="1400" dirty="0">
-                <a:ea typeface="+mn-lt"/>
-                <a:cs typeface="+mn-lt"/>
-              </a:rPr>
-              <a:t>.</a:t>
-            </a:r>
-            <a:r>
-              <a:rPr lang="en-US" sz="1400" i="1" dirty="0">
-                <a:ea typeface="+mn-lt"/>
-                <a:cs typeface="+mn-lt"/>
-              </a:rPr>
-              <a:t> </a:t>
-            </a:r>
-            <a:r>
-              <a:rPr lang="en-US" sz="1400" dirty="0">
-                <a:ea typeface="+mn-lt"/>
-                <a:cs typeface="+mn-lt"/>
-                <a:hlinkClick r:id="rId7"/>
-              </a:rPr>
-              <a:t>https://www.thebalancecareers.com/curriculum-vitae-526158</a:t>
-            </a:r>
-            <a:endParaRPr lang="es-ES" sz="1400" dirty="0">
-              <a:cs typeface="Calibri"/>
-            </a:endParaRPr>
-          </a:p>
-          <a:p>
-            <a:pPr marL="171450" indent="-171450">
-              <a:buFont typeface="Arial" panose="020B0604020202020204" pitchFamily="34" charset="0"/>
-              <a:buChar char="•"/>
-            </a:pPr>
-            <a:endParaRPr lang="en-US" sz="1400" dirty="0">
-              <a:solidFill>
-                <a:srgbClr val="000000"/>
-              </a:solidFill>
-              <a:cs typeface="Calibri"/>
-            </a:endParaRPr>
-          </a:p>
-        </p:txBody>
-      </p:sp>
-    </p:spTree>
-    <p:extLst>
-      <p:ext uri="{BB962C8B-B14F-4D97-AF65-F5344CB8AC3E}">
-        <p14:creationId xmlns:p14="http://schemas.microsoft.com/office/powerpoint/2010/main" val="806705552"/>
-      </p:ext>
-    </p:extLst>
-  </p:cSld>
-  <p:clrMapOvr>
-    <a:masterClrMapping/>
-  </p:clrMapOvr>
-</p:sld>
-</file>
-
 <file path=ppt/slides/slide3.xml><?xml version="1.0" encoding="utf-8"?>
 <p:sld xmlns:a="http://schemas.openxmlformats.org/drawingml/2006/main" xmlns:r="http://schemas.openxmlformats.org/officeDocument/2006/relationships" xmlns:p="http://schemas.openxmlformats.org/presentationml/2006/main">
   <p:cSld>
@@ -24326,7 +22375,7 @@
           <p:cNvPr id="8" name="Rectángulo 7">
             <a:extLst>
               <a:ext uri="{FF2B5EF4-FFF2-40B4-BE49-F238E27FC236}">
-                <a16:creationId xmlns:a16="http://schemas.microsoft.com/office/drawing/2014/main" xmlns="" id="{2002D594-D570-4044-9A6A-2E16F7AA0CCC}"/>
+                <a16:creationId xmlns="" xmlns:a16="http://schemas.microsoft.com/office/drawing/2014/main" id="{2002D594-D570-4044-9A6A-2E16F7AA0CCC}"/>
               </a:ext>
             </a:extLst>
           </p:cNvPr>
@@ -24409,7 +22458,7 @@
           <p:cNvPr id="7" name="Imagen 7" descr="Texto&#10;&#10;Descripción generada automáticamente">
             <a:extLst>
               <a:ext uri="{FF2B5EF4-FFF2-40B4-BE49-F238E27FC236}">
-                <a16:creationId xmlns:a16="http://schemas.microsoft.com/office/drawing/2014/main" xmlns="" id="{1D724969-63C1-D3C8-0458-5CDC507E6451}"/>
+                <a16:creationId xmlns="" xmlns:a16="http://schemas.microsoft.com/office/drawing/2014/main" id="{1D724969-63C1-D3C8-0458-5CDC507E6451}"/>
               </a:ext>
             </a:extLst>
           </p:cNvPr>
@@ -24438,7 +22487,7 @@
           <p:cNvPr id="3" name="CuadroTexto 2">
             <a:extLst>
               <a:ext uri="{FF2B5EF4-FFF2-40B4-BE49-F238E27FC236}">
-                <a16:creationId xmlns:a16="http://schemas.microsoft.com/office/drawing/2014/main" xmlns="" id="{CDF180FD-99ED-71E3-0DBE-686E85A8547C}"/>
+                <a16:creationId xmlns="" xmlns:a16="http://schemas.microsoft.com/office/drawing/2014/main" id="{CDF180FD-99ED-71E3-0DBE-686E85A8547C}"/>
               </a:ext>
             </a:extLst>
           </p:cNvPr>
@@ -24513,7 +22562,7 @@
           <p:cNvPr id="5" name="Rectángulo 4">
             <a:extLst>
               <a:ext uri="{FF2B5EF4-FFF2-40B4-BE49-F238E27FC236}">
-                <a16:creationId xmlns:a16="http://schemas.microsoft.com/office/drawing/2014/main" xmlns="" id="{7C5C6ACB-8390-4CB1-8A57-37A6F7B88AB6}"/>
+                <a16:creationId xmlns="" xmlns:a16="http://schemas.microsoft.com/office/drawing/2014/main" id="{7C5C6ACB-8390-4CB1-8A57-37A6F7B88AB6}"/>
               </a:ext>
             </a:extLst>
           </p:cNvPr>
@@ -24570,7 +22619,7 @@
           <p:cNvPr id="9" name="CuadroTexto 8">
             <a:extLst>
               <a:ext uri="{FF2B5EF4-FFF2-40B4-BE49-F238E27FC236}">
-                <a16:creationId xmlns:a16="http://schemas.microsoft.com/office/drawing/2014/main" xmlns="" id="{FA9ADF29-9B26-40FF-B004-C56AA100A3CF}"/>
+                <a16:creationId xmlns="" xmlns:a16="http://schemas.microsoft.com/office/drawing/2014/main" id="{FA9ADF29-9B26-40FF-B004-C56AA100A3CF}"/>
               </a:ext>
             </a:extLst>
           </p:cNvPr>
@@ -24690,7 +22739,7 @@
           <p:cNvPr id="10" name="Bocadillo: rectángulo 9">
             <a:extLst>
               <a:ext uri="{FF2B5EF4-FFF2-40B4-BE49-F238E27FC236}">
-                <a16:creationId xmlns:a16="http://schemas.microsoft.com/office/drawing/2014/main" xmlns="" id="{F8F2C148-337F-4ACA-9A73-0376C278DEE6}"/>
+                <a16:creationId xmlns="" xmlns:a16="http://schemas.microsoft.com/office/drawing/2014/main" id="{F8F2C148-337F-4ACA-9A73-0376C278DEE6}"/>
               </a:ext>
             </a:extLst>
           </p:cNvPr>
@@ -24808,7 +22857,7 @@
           <p:cNvPr id="11" name="Bocadillo: rectángulo 10">
             <a:extLst>
               <a:ext uri="{FF2B5EF4-FFF2-40B4-BE49-F238E27FC236}">
-                <a16:creationId xmlns:a16="http://schemas.microsoft.com/office/drawing/2014/main" xmlns="" id="{F412975E-33DC-45CC-8361-B31B53DC150E}"/>
+                <a16:creationId xmlns="" xmlns:a16="http://schemas.microsoft.com/office/drawing/2014/main" id="{F412975E-33DC-45CC-8361-B31B53DC150E}"/>
               </a:ext>
             </a:extLst>
           </p:cNvPr>
@@ -24926,7 +22975,7 @@
           <p:cNvPr id="12" name="Bocadillo: rectángulo 11">
             <a:extLst>
               <a:ext uri="{FF2B5EF4-FFF2-40B4-BE49-F238E27FC236}">
-                <a16:creationId xmlns:a16="http://schemas.microsoft.com/office/drawing/2014/main" xmlns="" id="{29305A18-A91E-4005-8055-3448C63EAE0E}"/>
+                <a16:creationId xmlns="" xmlns:a16="http://schemas.microsoft.com/office/drawing/2014/main" id="{29305A18-A91E-4005-8055-3448C63EAE0E}"/>
               </a:ext>
             </a:extLst>
           </p:cNvPr>
@@ -25070,7 +23119,7 @@
           <p:cNvPr id="13" name="Imagen 12">
             <a:extLst>
               <a:ext uri="{FF2B5EF4-FFF2-40B4-BE49-F238E27FC236}">
-                <a16:creationId xmlns:a16="http://schemas.microsoft.com/office/drawing/2014/main" xmlns="" id="{172F8E77-939F-4BC8-9CDD-8772957C3623}"/>
+                <a16:creationId xmlns="" xmlns:a16="http://schemas.microsoft.com/office/drawing/2014/main" id="{172F8E77-939F-4BC8-9CDD-8772957C3623}"/>
               </a:ext>
             </a:extLst>
           </p:cNvPr>
@@ -25130,7 +23179,7 @@
           <p:cNvPr id="14" name="Rectángulo 13">
             <a:extLst>
               <a:ext uri="{FF2B5EF4-FFF2-40B4-BE49-F238E27FC236}">
-                <a16:creationId xmlns:a16="http://schemas.microsoft.com/office/drawing/2014/main" xmlns="" id="{13DA7711-C679-4464-AC7A-D7212C690CB8}"/>
+                <a16:creationId xmlns="" xmlns:a16="http://schemas.microsoft.com/office/drawing/2014/main" id="{13DA7711-C679-4464-AC7A-D7212C690CB8}"/>
               </a:ext>
             </a:extLst>
           </p:cNvPr>
@@ -25213,7 +23262,7 @@
           <p:cNvPr id="2" name="Rectángulo 1">
             <a:extLst>
               <a:ext uri="{FF2B5EF4-FFF2-40B4-BE49-F238E27FC236}">
-                <a16:creationId xmlns:a16="http://schemas.microsoft.com/office/drawing/2014/main" xmlns="" id="{BBDB4281-4FFA-40A6-BBD4-150933920B73}"/>
+                <a16:creationId xmlns="" xmlns:a16="http://schemas.microsoft.com/office/drawing/2014/main" id="{BBDB4281-4FFA-40A6-BBD4-150933920B73}"/>
               </a:ext>
             </a:extLst>
           </p:cNvPr>
@@ -25273,7 +23322,7 @@
           <p:cNvPr id="13" name="Rectángulo: esquinas redondeadas 12">
             <a:extLst>
               <a:ext uri="{FF2B5EF4-FFF2-40B4-BE49-F238E27FC236}">
-                <a16:creationId xmlns:a16="http://schemas.microsoft.com/office/drawing/2014/main" xmlns="" id="{AEA3DFEE-37E7-42E5-A1DE-D2E6C9BD02A9}"/>
+                <a16:creationId xmlns="" xmlns:a16="http://schemas.microsoft.com/office/drawing/2014/main" id="{AEA3DFEE-37E7-42E5-A1DE-D2E6C9BD02A9}"/>
               </a:ext>
             </a:extLst>
           </p:cNvPr>
@@ -25357,7 +23406,7 @@
           <p:cNvPr id="17" name="CuadroTexto 16">
             <a:extLst>
               <a:ext uri="{FF2B5EF4-FFF2-40B4-BE49-F238E27FC236}">
-                <a16:creationId xmlns:a16="http://schemas.microsoft.com/office/drawing/2014/main" xmlns="" id="{970F0842-7949-435F-814D-047398ACA20E}"/>
+                <a16:creationId xmlns="" xmlns:a16="http://schemas.microsoft.com/office/drawing/2014/main" id="{970F0842-7949-435F-814D-047398ACA20E}"/>
               </a:ext>
             </a:extLst>
           </p:cNvPr>
@@ -25555,7 +23604,7 @@
           <p:cNvPr id="24" name="Imagen 23">
             <a:extLst>
               <a:ext uri="{FF2B5EF4-FFF2-40B4-BE49-F238E27FC236}">
-                <a16:creationId xmlns:a16="http://schemas.microsoft.com/office/drawing/2014/main" xmlns="" id="{73E0D10E-035C-46D1-964D-13ADDC2E659C}"/>
+                <a16:creationId xmlns="" xmlns:a16="http://schemas.microsoft.com/office/drawing/2014/main" id="{73E0D10E-035C-46D1-964D-13ADDC2E659C}"/>
               </a:ext>
             </a:extLst>
           </p:cNvPr>
@@ -25585,7 +23634,7 @@
           <p:cNvPr id="5" name="CuadroTexto 4">
             <a:extLst>
               <a:ext uri="{FF2B5EF4-FFF2-40B4-BE49-F238E27FC236}">
-                <a16:creationId xmlns:a16="http://schemas.microsoft.com/office/drawing/2014/main" xmlns="" id="{97462B0D-02D5-CE2A-C8DB-91BC12F90553}"/>
+                <a16:creationId xmlns="" xmlns:a16="http://schemas.microsoft.com/office/drawing/2014/main" id="{97462B0D-02D5-CE2A-C8DB-91BC12F90553}"/>
               </a:ext>
             </a:extLst>
           </p:cNvPr>
@@ -25626,7 +23675,7 @@
           <p:cNvPr id="10" name="CuadroTexto 9">
             <a:extLst>
               <a:ext uri="{FF2B5EF4-FFF2-40B4-BE49-F238E27FC236}">
-                <a16:creationId xmlns:a16="http://schemas.microsoft.com/office/drawing/2014/main" xmlns="" id="{5E1D72B7-5889-4A8C-9455-8D1914D3D4CC}"/>
+                <a16:creationId xmlns="" xmlns:a16="http://schemas.microsoft.com/office/drawing/2014/main" id="{5E1D72B7-5889-4A8C-9455-8D1914D3D4CC}"/>
               </a:ext>
             </a:extLst>
           </p:cNvPr>
@@ -25661,7 +23710,7 @@
           <p:cNvPr id="11" name="Bocadillo: rectángulo 10">
             <a:extLst>
               <a:ext uri="{FF2B5EF4-FFF2-40B4-BE49-F238E27FC236}">
-                <a16:creationId xmlns:a16="http://schemas.microsoft.com/office/drawing/2014/main" xmlns="" id="{D4FF8349-5294-4114-817B-EFCF78C25D60}"/>
+                <a16:creationId xmlns="" xmlns:a16="http://schemas.microsoft.com/office/drawing/2014/main" id="{D4FF8349-5294-4114-817B-EFCF78C25D60}"/>
               </a:ext>
             </a:extLst>
           </p:cNvPr>
@@ -25779,7 +23828,7 @@
           <p:cNvPr id="12" name="CuadroTexto 11">
             <a:extLst>
               <a:ext uri="{FF2B5EF4-FFF2-40B4-BE49-F238E27FC236}">
-                <a16:creationId xmlns:a16="http://schemas.microsoft.com/office/drawing/2014/main" xmlns="" id="{ADA93AF2-6884-44F7-8001-1E8C4934C449}"/>
+                <a16:creationId xmlns="" xmlns:a16="http://schemas.microsoft.com/office/drawing/2014/main" id="{ADA93AF2-6884-44F7-8001-1E8C4934C449}"/>
               </a:ext>
             </a:extLst>
           </p:cNvPr>
@@ -25853,7 +23902,7 @@
           <p:cNvPr id="15" name="Gráfico 14" descr="Presentación con gráfico de barras con relleno sólido">
             <a:extLst>
               <a:ext uri="{FF2B5EF4-FFF2-40B4-BE49-F238E27FC236}">
-                <a16:creationId xmlns:a16="http://schemas.microsoft.com/office/drawing/2014/main" xmlns="" id="{5BD32646-873E-4A43-9417-E9D171895F54}"/>
+                <a16:creationId xmlns="" xmlns:a16="http://schemas.microsoft.com/office/drawing/2014/main" id="{5BD32646-873E-4A43-9417-E9D171895F54}"/>
               </a:ext>
             </a:extLst>
           </p:cNvPr>
@@ -25869,7 +23918,7 @@
                 <a14:useLocalDpi xmlns:a14="http://schemas.microsoft.com/office/drawing/2010/main" val="0"/>
               </a:ext>
               <a:ext uri="{96DAC541-7B7A-43D3-8B79-37D633B846F1}">
-                <asvg:svgBlip xmlns:asvg="http://schemas.microsoft.com/office/drawing/2016/SVG/main" xmlns="" r:embed="rId4"/>
+                <asvg:svgBlip xmlns="" xmlns:asvg="http://schemas.microsoft.com/office/drawing/2016/SVG/main" r:embed="rId4"/>
               </a:ext>
             </a:extLst>
           </a:blip>
@@ -25892,7 +23941,7 @@
           <p:cNvPr id="16" name="Bocadillo: rectángulo 15">
             <a:extLst>
               <a:ext uri="{FF2B5EF4-FFF2-40B4-BE49-F238E27FC236}">
-                <a16:creationId xmlns:a16="http://schemas.microsoft.com/office/drawing/2014/main" xmlns="" id="{A04B5A33-60DA-4885-8F2B-4FE27C92E953}"/>
+                <a16:creationId xmlns="" xmlns:a16="http://schemas.microsoft.com/office/drawing/2014/main" id="{A04B5A33-60DA-4885-8F2B-4FE27C92E953}"/>
               </a:ext>
             </a:extLst>
           </p:cNvPr>
@@ -26010,7 +24059,7 @@
           <p:cNvPr id="18" name="Bocadillo: rectángulo 17">
             <a:extLst>
               <a:ext uri="{FF2B5EF4-FFF2-40B4-BE49-F238E27FC236}">
-                <a16:creationId xmlns:a16="http://schemas.microsoft.com/office/drawing/2014/main" xmlns="" id="{80B815EA-206B-49C1-9494-1DD5E5128E59}"/>
+                <a16:creationId xmlns="" xmlns:a16="http://schemas.microsoft.com/office/drawing/2014/main" id="{80B815EA-206B-49C1-9494-1DD5E5128E59}"/>
               </a:ext>
             </a:extLst>
           </p:cNvPr>
@@ -26128,7 +24177,7 @@
           <p:cNvPr id="19" name="Bocadillo: rectángulo 18">
             <a:extLst>
               <a:ext uri="{FF2B5EF4-FFF2-40B4-BE49-F238E27FC236}">
-                <a16:creationId xmlns:a16="http://schemas.microsoft.com/office/drawing/2014/main" xmlns="" id="{3E78BF3F-8B35-48A1-89E2-90290C78A25D}"/>
+                <a16:creationId xmlns="" xmlns:a16="http://schemas.microsoft.com/office/drawing/2014/main" id="{3E78BF3F-8B35-48A1-89E2-90290C78A25D}"/>
               </a:ext>
             </a:extLst>
           </p:cNvPr>
@@ -26246,7 +24295,7 @@
           <p:cNvPr id="20" name="Imagen 19">
             <a:extLst>
               <a:ext uri="{FF2B5EF4-FFF2-40B4-BE49-F238E27FC236}">
-                <a16:creationId xmlns:a16="http://schemas.microsoft.com/office/drawing/2014/main" xmlns="" id="{CC953715-B4C7-43FB-BEBE-701EBE3A293C}"/>
+                <a16:creationId xmlns="" xmlns:a16="http://schemas.microsoft.com/office/drawing/2014/main" id="{CC953715-B4C7-43FB-BEBE-701EBE3A293C}"/>
               </a:ext>
             </a:extLst>
           </p:cNvPr>
@@ -26306,7 +24355,7 @@
           <p:cNvPr id="16" name="Rectángulo 15">
             <a:extLst>
               <a:ext uri="{FF2B5EF4-FFF2-40B4-BE49-F238E27FC236}">
-                <a16:creationId xmlns:a16="http://schemas.microsoft.com/office/drawing/2014/main" xmlns="" id="{90AD2C01-0806-40DB-B787-528F32368EB8}"/>
+                <a16:creationId xmlns="" xmlns:a16="http://schemas.microsoft.com/office/drawing/2014/main" id="{90AD2C01-0806-40DB-B787-528F32368EB8}"/>
               </a:ext>
             </a:extLst>
           </p:cNvPr>
@@ -26389,7 +24438,7 @@
           <p:cNvPr id="2" name="Rectángulo 1">
             <a:extLst>
               <a:ext uri="{FF2B5EF4-FFF2-40B4-BE49-F238E27FC236}">
-                <a16:creationId xmlns:a16="http://schemas.microsoft.com/office/drawing/2014/main" xmlns="" id="{BBDB4281-4FFA-40A6-BBD4-150933920B73}"/>
+                <a16:creationId xmlns="" xmlns:a16="http://schemas.microsoft.com/office/drawing/2014/main" id="{BBDB4281-4FFA-40A6-BBD4-150933920B73}"/>
               </a:ext>
             </a:extLst>
           </p:cNvPr>
@@ -26527,7 +24576,7 @@
           <p:cNvPr id="13" name="Rectángulo: esquinas redondeadas 12">
             <a:extLst>
               <a:ext uri="{FF2B5EF4-FFF2-40B4-BE49-F238E27FC236}">
-                <a16:creationId xmlns:a16="http://schemas.microsoft.com/office/drawing/2014/main" xmlns="" id="{AEA3DFEE-37E7-42E5-A1DE-D2E6C9BD02A9}"/>
+                <a16:creationId xmlns="" xmlns:a16="http://schemas.microsoft.com/office/drawing/2014/main" id="{AEA3DFEE-37E7-42E5-A1DE-D2E6C9BD02A9}"/>
               </a:ext>
             </a:extLst>
           </p:cNvPr>
@@ -26611,7 +24660,7 @@
           <p:cNvPr id="5" name="Imagen 5" descr="Interfaz de usuario gráfica, Texto, Aplicación&#10;&#10;Descripción generada automáticamente">
             <a:extLst>
               <a:ext uri="{FF2B5EF4-FFF2-40B4-BE49-F238E27FC236}">
-                <a16:creationId xmlns:a16="http://schemas.microsoft.com/office/drawing/2014/main" xmlns="" id="{6503E424-D2D7-3D87-A616-938FB0F681F7}"/>
+                <a16:creationId xmlns="" xmlns:a16="http://schemas.microsoft.com/office/drawing/2014/main" id="{6503E424-D2D7-3D87-A616-938FB0F681F7}"/>
               </a:ext>
             </a:extLst>
           </p:cNvPr>
@@ -26641,7 +24690,7 @@
           <p:cNvPr id="4" name="CuadroTexto 3">
             <a:extLst>
               <a:ext uri="{FF2B5EF4-FFF2-40B4-BE49-F238E27FC236}">
-                <a16:creationId xmlns:a16="http://schemas.microsoft.com/office/drawing/2014/main" xmlns="" id="{B5E3A2A7-7A0B-DD74-9FB0-1469187AC342}"/>
+                <a16:creationId xmlns="" xmlns:a16="http://schemas.microsoft.com/office/drawing/2014/main" id="{B5E3A2A7-7A0B-DD74-9FB0-1469187AC342}"/>
               </a:ext>
             </a:extLst>
           </p:cNvPr>
@@ -26732,7 +24781,7 @@
           <p:cNvPr id="12" name="Bocadillo: rectángulo 11">
             <a:extLst>
               <a:ext uri="{FF2B5EF4-FFF2-40B4-BE49-F238E27FC236}">
-                <a16:creationId xmlns:a16="http://schemas.microsoft.com/office/drawing/2014/main" xmlns="" id="{5FB121DA-1502-4884-A592-ACBBCBC0D5A4}"/>
+                <a16:creationId xmlns="" xmlns:a16="http://schemas.microsoft.com/office/drawing/2014/main" id="{5FB121DA-1502-4884-A592-ACBBCBC0D5A4}"/>
               </a:ext>
             </a:extLst>
           </p:cNvPr>
@@ -26850,7 +24899,7 @@
           <p:cNvPr id="14" name="CuadroTexto 13">
             <a:extLst>
               <a:ext uri="{FF2B5EF4-FFF2-40B4-BE49-F238E27FC236}">
-                <a16:creationId xmlns:a16="http://schemas.microsoft.com/office/drawing/2014/main" xmlns="" id="{5DE70DCC-C119-4850-9831-8C6A341B6196}"/>
+                <a16:creationId xmlns="" xmlns:a16="http://schemas.microsoft.com/office/drawing/2014/main" id="{5DE70DCC-C119-4850-9831-8C6A341B6196}"/>
               </a:ext>
             </a:extLst>
           </p:cNvPr>
@@ -27046,7 +25095,7 @@
           <p:cNvPr id="15" name="Bocadillo: rectángulo 14">
             <a:extLst>
               <a:ext uri="{FF2B5EF4-FFF2-40B4-BE49-F238E27FC236}">
-                <a16:creationId xmlns:a16="http://schemas.microsoft.com/office/drawing/2014/main" xmlns="" id="{1E86E4DD-E6B8-48BF-B307-69F7921B18B1}"/>
+                <a16:creationId xmlns="" xmlns:a16="http://schemas.microsoft.com/office/drawing/2014/main" id="{1E86E4DD-E6B8-48BF-B307-69F7921B18B1}"/>
               </a:ext>
             </a:extLst>
           </p:cNvPr>
@@ -27190,7 +25239,7 @@
           <p:cNvPr id="18" name="Bocadillo: rectángulo 17">
             <a:extLst>
               <a:ext uri="{FF2B5EF4-FFF2-40B4-BE49-F238E27FC236}">
-                <a16:creationId xmlns:a16="http://schemas.microsoft.com/office/drawing/2014/main" xmlns="" id="{865B1D12-1CC2-4240-A4D1-5701E77B7426}"/>
+                <a16:creationId xmlns="" xmlns:a16="http://schemas.microsoft.com/office/drawing/2014/main" id="{865B1D12-1CC2-4240-A4D1-5701E77B7426}"/>
               </a:ext>
             </a:extLst>
           </p:cNvPr>
@@ -27308,7 +25357,7 @@
           <p:cNvPr id="11" name="Imagen 10">
             <a:extLst>
               <a:ext uri="{FF2B5EF4-FFF2-40B4-BE49-F238E27FC236}">
-                <a16:creationId xmlns:a16="http://schemas.microsoft.com/office/drawing/2014/main" xmlns="" id="{810480C2-98FF-4419-BF5D-1F0EDE7E8D62}"/>
+                <a16:creationId xmlns="" xmlns:a16="http://schemas.microsoft.com/office/drawing/2014/main" id="{810480C2-98FF-4419-BF5D-1F0EDE7E8D62}"/>
               </a:ext>
             </a:extLst>
           </p:cNvPr>
@@ -27368,7 +25417,7 @@
           <p:cNvPr id="16" name="Rectángulo 15">
             <a:extLst>
               <a:ext uri="{FF2B5EF4-FFF2-40B4-BE49-F238E27FC236}">
-                <a16:creationId xmlns:a16="http://schemas.microsoft.com/office/drawing/2014/main" xmlns="" id="{90AD2C01-0806-40DB-B787-528F32368EB8}"/>
+                <a16:creationId xmlns="" xmlns:a16="http://schemas.microsoft.com/office/drawing/2014/main" id="{90AD2C01-0806-40DB-B787-528F32368EB8}"/>
               </a:ext>
             </a:extLst>
           </p:cNvPr>
@@ -27451,7 +25500,7 @@
           <p:cNvPr id="2" name="Rectángulo 1">
             <a:extLst>
               <a:ext uri="{FF2B5EF4-FFF2-40B4-BE49-F238E27FC236}">
-                <a16:creationId xmlns:a16="http://schemas.microsoft.com/office/drawing/2014/main" xmlns="" id="{BBDB4281-4FFA-40A6-BBD4-150933920B73}"/>
+                <a16:creationId xmlns="" xmlns:a16="http://schemas.microsoft.com/office/drawing/2014/main" id="{BBDB4281-4FFA-40A6-BBD4-150933920B73}"/>
               </a:ext>
             </a:extLst>
           </p:cNvPr>
@@ -27525,7 +25574,7 @@
           <p:cNvPr id="13" name="Rectángulo: esquinas redondeadas 12">
             <a:extLst>
               <a:ext uri="{FF2B5EF4-FFF2-40B4-BE49-F238E27FC236}">
-                <a16:creationId xmlns:a16="http://schemas.microsoft.com/office/drawing/2014/main" xmlns="" id="{AEA3DFEE-37E7-42E5-A1DE-D2E6C9BD02A9}"/>
+                <a16:creationId xmlns="" xmlns:a16="http://schemas.microsoft.com/office/drawing/2014/main" id="{AEA3DFEE-37E7-42E5-A1DE-D2E6C9BD02A9}"/>
               </a:ext>
             </a:extLst>
           </p:cNvPr>
@@ -27609,7 +25658,7 @@
           <p:cNvPr id="12" name="Bocadillo: rectángulo 11">
             <a:extLst>
               <a:ext uri="{FF2B5EF4-FFF2-40B4-BE49-F238E27FC236}">
-                <a16:creationId xmlns:a16="http://schemas.microsoft.com/office/drawing/2014/main" xmlns="" id="{5FB121DA-1502-4884-A592-ACBBCBC0D5A4}"/>
+                <a16:creationId xmlns="" xmlns:a16="http://schemas.microsoft.com/office/drawing/2014/main" id="{5FB121DA-1502-4884-A592-ACBBCBC0D5A4}"/>
               </a:ext>
             </a:extLst>
           </p:cNvPr>
@@ -27727,7 +25776,7 @@
           <p:cNvPr id="15" name="Bocadillo: rectángulo 14">
             <a:extLst>
               <a:ext uri="{FF2B5EF4-FFF2-40B4-BE49-F238E27FC236}">
-                <a16:creationId xmlns:a16="http://schemas.microsoft.com/office/drawing/2014/main" xmlns="" id="{1E86E4DD-E6B8-48BF-B307-69F7921B18B1}"/>
+                <a16:creationId xmlns="" xmlns:a16="http://schemas.microsoft.com/office/drawing/2014/main" id="{1E86E4DD-E6B8-48BF-B307-69F7921B18B1}"/>
               </a:ext>
             </a:extLst>
           </p:cNvPr>
@@ -27905,7 +25954,7 @@
           <p:cNvPr id="18" name="Bocadillo: rectángulo 17">
             <a:extLst>
               <a:ext uri="{FF2B5EF4-FFF2-40B4-BE49-F238E27FC236}">
-                <a16:creationId xmlns:a16="http://schemas.microsoft.com/office/drawing/2014/main" xmlns="" id="{865B1D12-1CC2-4240-A4D1-5701E77B7426}"/>
+                <a16:creationId xmlns="" xmlns:a16="http://schemas.microsoft.com/office/drawing/2014/main" id="{865B1D12-1CC2-4240-A4D1-5701E77B7426}"/>
               </a:ext>
             </a:extLst>
           </p:cNvPr>
@@ -28023,7 +26072,7 @@
           <p:cNvPr id="7" name="CuadroTexto 6">
             <a:extLst>
               <a:ext uri="{FF2B5EF4-FFF2-40B4-BE49-F238E27FC236}">
-                <a16:creationId xmlns:a16="http://schemas.microsoft.com/office/drawing/2014/main" xmlns="" id="{BAFB9244-3848-4066-A4E8-B4EEB5329684}"/>
+                <a16:creationId xmlns="" xmlns:a16="http://schemas.microsoft.com/office/drawing/2014/main" id="{BAFB9244-3848-4066-A4E8-B4EEB5329684}"/>
               </a:ext>
             </a:extLst>
           </p:cNvPr>
@@ -28103,7 +26152,7 @@
           <p:cNvPr id="8" name="Imagen 7">
             <a:extLst>
               <a:ext uri="{FF2B5EF4-FFF2-40B4-BE49-F238E27FC236}">
-                <a16:creationId xmlns:a16="http://schemas.microsoft.com/office/drawing/2014/main" xmlns="" id="{069AFB5E-2F41-43AC-8C85-D06B83AF119E}"/>
+                <a16:creationId xmlns="" xmlns:a16="http://schemas.microsoft.com/office/drawing/2014/main" id="{069AFB5E-2F41-43AC-8C85-D06B83AF119E}"/>
               </a:ext>
             </a:extLst>
           </p:cNvPr>
@@ -28132,7 +26181,7 @@
           <p:cNvPr id="9" name="CuadroTexto 8">
             <a:extLst>
               <a:ext uri="{FF2B5EF4-FFF2-40B4-BE49-F238E27FC236}">
-                <a16:creationId xmlns:a16="http://schemas.microsoft.com/office/drawing/2014/main" xmlns="" id="{C314F190-4E4F-422F-9348-C9DFB8CD2D2A}"/>
+                <a16:creationId xmlns="" xmlns:a16="http://schemas.microsoft.com/office/drawing/2014/main" id="{C314F190-4E4F-422F-9348-C9DFB8CD2D2A}"/>
               </a:ext>
             </a:extLst>
           </p:cNvPr>
@@ -28173,7 +26222,7 @@
           <p:cNvPr id="10" name="CuadroTexto 9">
             <a:extLst>
               <a:ext uri="{FF2B5EF4-FFF2-40B4-BE49-F238E27FC236}">
-                <a16:creationId xmlns:a16="http://schemas.microsoft.com/office/drawing/2014/main" xmlns="" id="{8B7752AE-7483-4546-A12D-64916D558C45}"/>
+                <a16:creationId xmlns="" xmlns:a16="http://schemas.microsoft.com/office/drawing/2014/main" id="{8B7752AE-7483-4546-A12D-64916D558C45}"/>
               </a:ext>
             </a:extLst>
           </p:cNvPr>
@@ -28365,7 +26414,7 @@
           <p:cNvPr id="25" name="CuadroTexto 24">
             <a:extLst>
               <a:ext uri="{FF2B5EF4-FFF2-40B4-BE49-F238E27FC236}">
-                <a16:creationId xmlns:a16="http://schemas.microsoft.com/office/drawing/2014/main" xmlns="" id="{9AEB89BF-F923-4904-A135-A21040E4920E}"/>
+                <a16:creationId xmlns="" xmlns:a16="http://schemas.microsoft.com/office/drawing/2014/main" id="{9AEB89BF-F923-4904-A135-A21040E4920E}"/>
               </a:ext>
             </a:extLst>
           </p:cNvPr>
@@ -28400,7 +26449,7 @@
           <p:cNvPr id="26" name="Bocadillo: rectángulo 25">
             <a:extLst>
               <a:ext uri="{FF2B5EF4-FFF2-40B4-BE49-F238E27FC236}">
-                <a16:creationId xmlns:a16="http://schemas.microsoft.com/office/drawing/2014/main" xmlns="" id="{BFD2E68C-C33F-4DB4-B944-61AD4D437FA7}"/>
+                <a16:creationId xmlns="" xmlns:a16="http://schemas.microsoft.com/office/drawing/2014/main" id="{BFD2E68C-C33F-4DB4-B944-61AD4D437FA7}"/>
               </a:ext>
             </a:extLst>
           </p:cNvPr>
@@ -28544,7 +26593,7 @@
           <p:cNvPr id="27" name="CuadroTexto 26">
             <a:extLst>
               <a:ext uri="{FF2B5EF4-FFF2-40B4-BE49-F238E27FC236}">
-                <a16:creationId xmlns:a16="http://schemas.microsoft.com/office/drawing/2014/main" xmlns="" id="{DFB0B004-1C16-453A-8995-D36E52150CCE}"/>
+                <a16:creationId xmlns="" xmlns:a16="http://schemas.microsoft.com/office/drawing/2014/main" id="{DFB0B004-1C16-453A-8995-D36E52150CCE}"/>
               </a:ext>
             </a:extLst>
           </p:cNvPr>
@@ -28585,7 +26634,7 @@
           <p:cNvPr id="28" name="Imagen 27">
             <a:extLst>
               <a:ext uri="{FF2B5EF4-FFF2-40B4-BE49-F238E27FC236}">
-                <a16:creationId xmlns:a16="http://schemas.microsoft.com/office/drawing/2014/main" xmlns="" id="{4ED7B88B-AA28-41CA-B897-48375AEBD3A6}"/>
+                <a16:creationId xmlns="" xmlns:a16="http://schemas.microsoft.com/office/drawing/2014/main" id="{4ED7B88B-AA28-41CA-B897-48375AEBD3A6}"/>
               </a:ext>
             </a:extLst>
           </p:cNvPr>
@@ -28615,7 +26664,7 @@
           <p:cNvPr id="17" name="Imagen 16">
             <a:extLst>
               <a:ext uri="{FF2B5EF4-FFF2-40B4-BE49-F238E27FC236}">
-                <a16:creationId xmlns:a16="http://schemas.microsoft.com/office/drawing/2014/main" xmlns="" id="{426E4177-ECF4-46E2-A5DF-256403DC55FD}"/>
+                <a16:creationId xmlns="" xmlns:a16="http://schemas.microsoft.com/office/drawing/2014/main" id="{426E4177-ECF4-46E2-A5DF-256403DC55FD}"/>
               </a:ext>
             </a:extLst>
           </p:cNvPr>
@@ -28675,7 +26724,7 @@
           <p:cNvPr id="16" name="Rectángulo 15">
             <a:extLst>
               <a:ext uri="{FF2B5EF4-FFF2-40B4-BE49-F238E27FC236}">
-                <a16:creationId xmlns:a16="http://schemas.microsoft.com/office/drawing/2014/main" xmlns="" id="{90AD2C01-0806-40DB-B787-528F32368EB8}"/>
+                <a16:creationId xmlns="" xmlns:a16="http://schemas.microsoft.com/office/drawing/2014/main" id="{90AD2C01-0806-40DB-B787-528F32368EB8}"/>
               </a:ext>
             </a:extLst>
           </p:cNvPr>
@@ -28758,7 +26807,7 @@
           <p:cNvPr id="2" name="Rectángulo 1">
             <a:extLst>
               <a:ext uri="{FF2B5EF4-FFF2-40B4-BE49-F238E27FC236}">
-                <a16:creationId xmlns:a16="http://schemas.microsoft.com/office/drawing/2014/main" xmlns="" id="{BBDB4281-4FFA-40A6-BBD4-150933920B73}"/>
+                <a16:creationId xmlns="" xmlns:a16="http://schemas.microsoft.com/office/drawing/2014/main" id="{BBDB4281-4FFA-40A6-BBD4-150933920B73}"/>
               </a:ext>
             </a:extLst>
           </p:cNvPr>
@@ -28832,7 +26881,7 @@
           <p:cNvPr id="13" name="Rectángulo: esquinas redondeadas 12">
             <a:extLst>
               <a:ext uri="{FF2B5EF4-FFF2-40B4-BE49-F238E27FC236}">
-                <a16:creationId xmlns:a16="http://schemas.microsoft.com/office/drawing/2014/main" xmlns="" id="{AEA3DFEE-37E7-42E5-A1DE-D2E6C9BD02A9}"/>
+                <a16:creationId xmlns="" xmlns:a16="http://schemas.microsoft.com/office/drawing/2014/main" id="{AEA3DFEE-37E7-42E5-A1DE-D2E6C9BD02A9}"/>
               </a:ext>
             </a:extLst>
           </p:cNvPr>
@@ -28916,7 +26965,7 @@
           <p:cNvPr id="12" name="Bocadillo: rectángulo 11">
             <a:extLst>
               <a:ext uri="{FF2B5EF4-FFF2-40B4-BE49-F238E27FC236}">
-                <a16:creationId xmlns:a16="http://schemas.microsoft.com/office/drawing/2014/main" xmlns="" id="{5FB121DA-1502-4884-A592-ACBBCBC0D5A4}"/>
+                <a16:creationId xmlns="" xmlns:a16="http://schemas.microsoft.com/office/drawing/2014/main" id="{5FB121DA-1502-4884-A592-ACBBCBC0D5A4}"/>
               </a:ext>
             </a:extLst>
           </p:cNvPr>
@@ -29034,7 +27083,7 @@
           <p:cNvPr id="15" name="Bocadillo: rectángulo 14">
             <a:extLst>
               <a:ext uri="{FF2B5EF4-FFF2-40B4-BE49-F238E27FC236}">
-                <a16:creationId xmlns:a16="http://schemas.microsoft.com/office/drawing/2014/main" xmlns="" id="{1E86E4DD-E6B8-48BF-B307-69F7921B18B1}"/>
+                <a16:creationId xmlns="" xmlns:a16="http://schemas.microsoft.com/office/drawing/2014/main" id="{1E86E4DD-E6B8-48BF-B307-69F7921B18B1}"/>
               </a:ext>
             </a:extLst>
           </p:cNvPr>
@@ -29212,7 +27261,7 @@
           <p:cNvPr id="18" name="Bocadillo: rectángulo 17">
             <a:extLst>
               <a:ext uri="{FF2B5EF4-FFF2-40B4-BE49-F238E27FC236}">
-                <a16:creationId xmlns:a16="http://schemas.microsoft.com/office/drawing/2014/main" xmlns="" id="{865B1D12-1CC2-4240-A4D1-5701E77B7426}"/>
+                <a16:creationId xmlns="" xmlns:a16="http://schemas.microsoft.com/office/drawing/2014/main" id="{865B1D12-1CC2-4240-A4D1-5701E77B7426}"/>
               </a:ext>
             </a:extLst>
           </p:cNvPr>
@@ -29330,7 +27379,7 @@
           <p:cNvPr id="7" name="CuadroTexto 6">
             <a:extLst>
               <a:ext uri="{FF2B5EF4-FFF2-40B4-BE49-F238E27FC236}">
-                <a16:creationId xmlns:a16="http://schemas.microsoft.com/office/drawing/2014/main" xmlns="" id="{BAFB9244-3848-4066-A4E8-B4EEB5329684}"/>
+                <a16:creationId xmlns="" xmlns:a16="http://schemas.microsoft.com/office/drawing/2014/main" id="{BAFB9244-3848-4066-A4E8-B4EEB5329684}"/>
               </a:ext>
             </a:extLst>
           </p:cNvPr>
@@ -29365,7 +27414,7 @@
           <p:cNvPr id="9" name="CuadroTexto 8">
             <a:extLst>
               <a:ext uri="{FF2B5EF4-FFF2-40B4-BE49-F238E27FC236}">
-                <a16:creationId xmlns:a16="http://schemas.microsoft.com/office/drawing/2014/main" xmlns="" id="{C314F190-4E4F-422F-9348-C9DFB8CD2D2A}"/>
+                <a16:creationId xmlns="" xmlns:a16="http://schemas.microsoft.com/office/drawing/2014/main" id="{C314F190-4E4F-422F-9348-C9DFB8CD2D2A}"/>
               </a:ext>
             </a:extLst>
           </p:cNvPr>
@@ -29406,7 +27455,7 @@
           <p:cNvPr id="10" name="CuadroTexto 9">
             <a:extLst>
               <a:ext uri="{FF2B5EF4-FFF2-40B4-BE49-F238E27FC236}">
-                <a16:creationId xmlns:a16="http://schemas.microsoft.com/office/drawing/2014/main" xmlns="" id="{8B7752AE-7483-4546-A12D-64916D558C45}"/>
+                <a16:creationId xmlns="" xmlns:a16="http://schemas.microsoft.com/office/drawing/2014/main" id="{8B7752AE-7483-4546-A12D-64916D558C45}"/>
               </a:ext>
             </a:extLst>
           </p:cNvPr>
@@ -29723,7 +27772,7 @@
           <p:cNvPr id="4" name="Imagen 3">
             <a:extLst>
               <a:ext uri="{FF2B5EF4-FFF2-40B4-BE49-F238E27FC236}">
-                <a16:creationId xmlns:a16="http://schemas.microsoft.com/office/drawing/2014/main" xmlns="" id="{9008000F-99FC-4054-A250-7B19C0439B8C}"/>
+                <a16:creationId xmlns="" xmlns:a16="http://schemas.microsoft.com/office/drawing/2014/main" id="{9008000F-99FC-4054-A250-7B19C0439B8C}"/>
               </a:ext>
             </a:extLst>
           </p:cNvPr>
@@ -29752,7 +27801,7 @@
           <p:cNvPr id="14" name="Imagen 13">
             <a:extLst>
               <a:ext uri="{FF2B5EF4-FFF2-40B4-BE49-F238E27FC236}">
-                <a16:creationId xmlns:a16="http://schemas.microsoft.com/office/drawing/2014/main" xmlns="" id="{6A481941-F269-49C3-97BB-FDB02AC6C2D5}"/>
+                <a16:creationId xmlns="" xmlns:a16="http://schemas.microsoft.com/office/drawing/2014/main" id="{6A481941-F269-49C3-97BB-FDB02AC6C2D5}"/>
               </a:ext>
             </a:extLst>
           </p:cNvPr>
@@ -29812,7 +27861,7 @@
           <p:cNvPr id="16" name="Rectángulo 15">
             <a:extLst>
               <a:ext uri="{FF2B5EF4-FFF2-40B4-BE49-F238E27FC236}">
-                <a16:creationId xmlns:a16="http://schemas.microsoft.com/office/drawing/2014/main" xmlns="" id="{90AD2C01-0806-40DB-B787-528F32368EB8}"/>
+                <a16:creationId xmlns="" xmlns:a16="http://schemas.microsoft.com/office/drawing/2014/main" id="{90AD2C01-0806-40DB-B787-528F32368EB8}"/>
               </a:ext>
             </a:extLst>
           </p:cNvPr>
@@ -29895,7 +27944,7 @@
           <p:cNvPr id="2" name="Rectángulo 1">
             <a:extLst>
               <a:ext uri="{FF2B5EF4-FFF2-40B4-BE49-F238E27FC236}">
-                <a16:creationId xmlns:a16="http://schemas.microsoft.com/office/drawing/2014/main" xmlns="" id="{BBDB4281-4FFA-40A6-BBD4-150933920B73}"/>
+                <a16:creationId xmlns="" xmlns:a16="http://schemas.microsoft.com/office/drawing/2014/main" id="{BBDB4281-4FFA-40A6-BBD4-150933920B73}"/>
               </a:ext>
             </a:extLst>
           </p:cNvPr>
@@ -29953,7 +28002,7 @@
           <p:cNvPr id="13" name="Rectángulo: esquinas redondeadas 12">
             <a:extLst>
               <a:ext uri="{FF2B5EF4-FFF2-40B4-BE49-F238E27FC236}">
-                <a16:creationId xmlns:a16="http://schemas.microsoft.com/office/drawing/2014/main" xmlns="" id="{AEA3DFEE-37E7-42E5-A1DE-D2E6C9BD02A9}"/>
+                <a16:creationId xmlns="" xmlns:a16="http://schemas.microsoft.com/office/drawing/2014/main" id="{AEA3DFEE-37E7-42E5-A1DE-D2E6C9BD02A9}"/>
               </a:ext>
             </a:extLst>
           </p:cNvPr>
@@ -30037,7 +28086,7 @@
           <p:cNvPr id="17" name="CuadroTexto 16">
             <a:extLst>
               <a:ext uri="{FF2B5EF4-FFF2-40B4-BE49-F238E27FC236}">
-                <a16:creationId xmlns:a16="http://schemas.microsoft.com/office/drawing/2014/main" xmlns="" id="{970F0842-7949-435F-814D-047398ACA20E}"/>
+                <a16:creationId xmlns="" xmlns:a16="http://schemas.microsoft.com/office/drawing/2014/main" id="{970F0842-7949-435F-814D-047398ACA20E}"/>
               </a:ext>
             </a:extLst>
           </p:cNvPr>
@@ -30190,7 +28239,7 @@
           <p:cNvPr id="24" name="Imagen 23">
             <a:extLst>
               <a:ext uri="{FF2B5EF4-FFF2-40B4-BE49-F238E27FC236}">
-                <a16:creationId xmlns:a16="http://schemas.microsoft.com/office/drawing/2014/main" xmlns="" id="{73E0D10E-035C-46D1-964D-13ADDC2E659C}"/>
+                <a16:creationId xmlns="" xmlns:a16="http://schemas.microsoft.com/office/drawing/2014/main" id="{73E0D10E-035C-46D1-964D-13ADDC2E659C}"/>
               </a:ext>
             </a:extLst>
           </p:cNvPr>
@@ -30220,7 +28269,7 @@
           <p:cNvPr id="5" name="CuadroTexto 4">
             <a:extLst>
               <a:ext uri="{FF2B5EF4-FFF2-40B4-BE49-F238E27FC236}">
-                <a16:creationId xmlns:a16="http://schemas.microsoft.com/office/drawing/2014/main" xmlns="" id="{59E19DD7-A17D-A5E3-E0CA-BA03A249C5E1}"/>
+                <a16:creationId xmlns="" xmlns:a16="http://schemas.microsoft.com/office/drawing/2014/main" id="{59E19DD7-A17D-A5E3-E0CA-BA03A249C5E1}"/>
               </a:ext>
             </a:extLst>
           </p:cNvPr>
@@ -30261,7 +28310,7 @@
           <p:cNvPr id="10" name="CuadroTexto 9">
             <a:extLst>
               <a:ext uri="{FF2B5EF4-FFF2-40B4-BE49-F238E27FC236}">
-                <a16:creationId xmlns:a16="http://schemas.microsoft.com/office/drawing/2014/main" xmlns="" id="{29C3FE93-C941-4DB4-9CAC-5C691E56BB37}"/>
+                <a16:creationId xmlns="" xmlns:a16="http://schemas.microsoft.com/office/drawing/2014/main" id="{29C3FE93-C941-4DB4-9CAC-5C691E56BB37}"/>
               </a:ext>
             </a:extLst>
           </p:cNvPr>
@@ -30296,7 +28345,7 @@
           <p:cNvPr id="11" name="CuadroTexto 10">
             <a:extLst>
               <a:ext uri="{FF2B5EF4-FFF2-40B4-BE49-F238E27FC236}">
-                <a16:creationId xmlns:a16="http://schemas.microsoft.com/office/drawing/2014/main" xmlns="" id="{1B6945B7-AB72-4778-9D32-3FA114DBE2AF}"/>
+                <a16:creationId xmlns="" xmlns:a16="http://schemas.microsoft.com/office/drawing/2014/main" id="{1B6945B7-AB72-4778-9D32-3FA114DBE2AF}"/>
               </a:ext>
             </a:extLst>
           </p:cNvPr>
@@ -30363,7 +28412,7 @@
           <p:cNvPr id="12" name="Gráfico 11" descr="Presentación con gráfico de barras con relleno sólido">
             <a:extLst>
               <a:ext uri="{FF2B5EF4-FFF2-40B4-BE49-F238E27FC236}">
-                <a16:creationId xmlns:a16="http://schemas.microsoft.com/office/drawing/2014/main" xmlns="" id="{566A27A0-E850-4928-BB30-90B86B392143}"/>
+                <a16:creationId xmlns="" xmlns:a16="http://schemas.microsoft.com/office/drawing/2014/main" id="{566A27A0-E850-4928-BB30-90B86B392143}"/>
               </a:ext>
             </a:extLst>
           </p:cNvPr>
@@ -30379,7 +28428,7 @@
                 <a14:useLocalDpi xmlns:a14="http://schemas.microsoft.com/office/drawing/2010/main" val="0"/>
               </a:ext>
               <a:ext uri="{96DAC541-7B7A-43D3-8B79-37D633B846F1}">
-                <asvg:svgBlip xmlns:asvg="http://schemas.microsoft.com/office/drawing/2016/SVG/main" xmlns="" r:embed="rId4"/>
+                <asvg:svgBlip xmlns="" xmlns:asvg="http://schemas.microsoft.com/office/drawing/2016/SVG/main" r:embed="rId4"/>
               </a:ext>
             </a:extLst>
           </a:blip>
@@ -30402,7 +28451,7 @@
           <p:cNvPr id="14" name="Bocadillo: rectángulo 13">
             <a:extLst>
               <a:ext uri="{FF2B5EF4-FFF2-40B4-BE49-F238E27FC236}">
-                <a16:creationId xmlns:a16="http://schemas.microsoft.com/office/drawing/2014/main" xmlns="" id="{A2F9CCC8-E44A-49AE-80F0-50FFEBC1E772}"/>
+                <a16:creationId xmlns="" xmlns:a16="http://schemas.microsoft.com/office/drawing/2014/main" id="{A2F9CCC8-E44A-49AE-80F0-50FFEBC1E772}"/>
               </a:ext>
             </a:extLst>
           </p:cNvPr>
@@ -30520,7 +28569,7 @@
           <p:cNvPr id="15" name="Bocadillo: rectángulo 14">
             <a:extLst>
               <a:ext uri="{FF2B5EF4-FFF2-40B4-BE49-F238E27FC236}">
-                <a16:creationId xmlns:a16="http://schemas.microsoft.com/office/drawing/2014/main" xmlns="" id="{25D65BAA-4E32-457F-9FDF-792B449C1C07}"/>
+                <a16:creationId xmlns="" xmlns:a16="http://schemas.microsoft.com/office/drawing/2014/main" id="{25D65BAA-4E32-457F-9FDF-792B449C1C07}"/>
               </a:ext>
             </a:extLst>
           </p:cNvPr>
@@ -30638,7 +28687,7 @@
           <p:cNvPr id="18" name="Bocadillo: rectángulo 17">
             <a:extLst>
               <a:ext uri="{FF2B5EF4-FFF2-40B4-BE49-F238E27FC236}">
-                <a16:creationId xmlns:a16="http://schemas.microsoft.com/office/drawing/2014/main" xmlns="" id="{3BC5D5EB-529E-48D6-AC28-B8626EBF2737}"/>
+                <a16:creationId xmlns="" xmlns:a16="http://schemas.microsoft.com/office/drawing/2014/main" id="{3BC5D5EB-529E-48D6-AC28-B8626EBF2737}"/>
               </a:ext>
             </a:extLst>
           </p:cNvPr>
@@ -30756,7 +28805,7 @@
           <p:cNvPr id="19" name="Bocadillo: rectángulo 18">
             <a:extLst>
               <a:ext uri="{FF2B5EF4-FFF2-40B4-BE49-F238E27FC236}">
-                <a16:creationId xmlns:a16="http://schemas.microsoft.com/office/drawing/2014/main" xmlns="" id="{5DC17B75-F81D-4337-9F91-5208A151D6CE}"/>
+                <a16:creationId xmlns="" xmlns:a16="http://schemas.microsoft.com/office/drawing/2014/main" id="{5DC17B75-F81D-4337-9F91-5208A151D6CE}"/>
               </a:ext>
             </a:extLst>
           </p:cNvPr>
@@ -30874,7 +28923,7 @@
           <p:cNvPr id="21" name="Imagen 20">
             <a:extLst>
               <a:ext uri="{FF2B5EF4-FFF2-40B4-BE49-F238E27FC236}">
-                <a16:creationId xmlns:a16="http://schemas.microsoft.com/office/drawing/2014/main" xmlns="" id="{97A39B99-0E5F-4E8A-8302-B39AE78197E0}"/>
+                <a16:creationId xmlns="" xmlns:a16="http://schemas.microsoft.com/office/drawing/2014/main" id="{97A39B99-0E5F-4E8A-8302-B39AE78197E0}"/>
               </a:ext>
             </a:extLst>
           </p:cNvPr>
@@ -30934,7 +28983,7 @@
           <p:cNvPr id="16" name="Rectángulo 15">
             <a:extLst>
               <a:ext uri="{FF2B5EF4-FFF2-40B4-BE49-F238E27FC236}">
-                <a16:creationId xmlns:a16="http://schemas.microsoft.com/office/drawing/2014/main" xmlns="" id="{90AD2C01-0806-40DB-B787-528F32368EB8}"/>
+                <a16:creationId xmlns="" xmlns:a16="http://schemas.microsoft.com/office/drawing/2014/main" id="{90AD2C01-0806-40DB-B787-528F32368EB8}"/>
               </a:ext>
             </a:extLst>
           </p:cNvPr>
@@ -31017,7 +29066,7 @@
           <p:cNvPr id="2" name="Rectángulo 1">
             <a:extLst>
               <a:ext uri="{FF2B5EF4-FFF2-40B4-BE49-F238E27FC236}">
-                <a16:creationId xmlns:a16="http://schemas.microsoft.com/office/drawing/2014/main" xmlns="" id="{BBDB4281-4FFA-40A6-BBD4-150933920B73}"/>
+                <a16:creationId xmlns="" xmlns:a16="http://schemas.microsoft.com/office/drawing/2014/main" id="{BBDB4281-4FFA-40A6-BBD4-150933920B73}"/>
               </a:ext>
             </a:extLst>
           </p:cNvPr>
@@ -31088,7 +29137,7 @@
           <p:cNvPr id="13" name="Rectángulo: esquinas redondeadas 12">
             <a:extLst>
               <a:ext uri="{FF2B5EF4-FFF2-40B4-BE49-F238E27FC236}">
-                <a16:creationId xmlns:a16="http://schemas.microsoft.com/office/drawing/2014/main" xmlns="" id="{AEA3DFEE-37E7-42E5-A1DE-D2E6C9BD02A9}"/>
+                <a16:creationId xmlns="" xmlns:a16="http://schemas.microsoft.com/office/drawing/2014/main" id="{AEA3DFEE-37E7-42E5-A1DE-D2E6C9BD02A9}"/>
               </a:ext>
             </a:extLst>
           </p:cNvPr>
@@ -31172,7 +29221,7 @@
           <p:cNvPr id="17" name="CuadroTexto 16">
             <a:extLst>
               <a:ext uri="{FF2B5EF4-FFF2-40B4-BE49-F238E27FC236}">
-                <a16:creationId xmlns:a16="http://schemas.microsoft.com/office/drawing/2014/main" xmlns="" id="{970F0842-7949-435F-814D-047398ACA20E}"/>
+                <a16:creationId xmlns="" xmlns:a16="http://schemas.microsoft.com/office/drawing/2014/main" id="{970F0842-7949-435F-814D-047398ACA20E}"/>
               </a:ext>
             </a:extLst>
           </p:cNvPr>
@@ -31262,7 +29311,7 @@
           <p:cNvPr id="4" name="Imagen 4" descr="Imagen que contiene Texto&#10;&#10;Descripción generada automáticamente">
             <a:extLst>
               <a:ext uri="{FF2B5EF4-FFF2-40B4-BE49-F238E27FC236}">
-                <a16:creationId xmlns:a16="http://schemas.microsoft.com/office/drawing/2014/main" xmlns="" id="{A89AAADF-3357-3968-F407-8090EBDCA7FF}"/>
+                <a16:creationId xmlns="" xmlns:a16="http://schemas.microsoft.com/office/drawing/2014/main" id="{A89AAADF-3357-3968-F407-8090EBDCA7FF}"/>
               </a:ext>
             </a:extLst>
           </p:cNvPr>
@@ -31292,7 +29341,7 @@
           <p:cNvPr id="5" name="Imagen 5">
             <a:extLst>
               <a:ext uri="{FF2B5EF4-FFF2-40B4-BE49-F238E27FC236}">
-                <a16:creationId xmlns:a16="http://schemas.microsoft.com/office/drawing/2014/main" xmlns="" id="{0F5162D7-ADFF-3F57-494A-9ACD78EDFDA3}"/>
+                <a16:creationId xmlns="" xmlns:a16="http://schemas.microsoft.com/office/drawing/2014/main" id="{0F5162D7-ADFF-3F57-494A-9ACD78EDFDA3}"/>
               </a:ext>
             </a:extLst>
           </p:cNvPr>
@@ -31322,7 +29371,7 @@
           <p:cNvPr id="6" name="Imagen 6">
             <a:extLst>
               <a:ext uri="{FF2B5EF4-FFF2-40B4-BE49-F238E27FC236}">
-                <a16:creationId xmlns:a16="http://schemas.microsoft.com/office/drawing/2014/main" xmlns="" id="{F65EE4CF-64DB-9F5A-6606-C02A7BAD1FAE}"/>
+                <a16:creationId xmlns="" xmlns:a16="http://schemas.microsoft.com/office/drawing/2014/main" id="{F65EE4CF-64DB-9F5A-6606-C02A7BAD1FAE}"/>
               </a:ext>
             </a:extLst>
           </p:cNvPr>
@@ -31352,7 +29401,7 @@
           <p:cNvPr id="7" name="CuadroTexto 6">
             <a:extLst>
               <a:ext uri="{FF2B5EF4-FFF2-40B4-BE49-F238E27FC236}">
-                <a16:creationId xmlns:a16="http://schemas.microsoft.com/office/drawing/2014/main" xmlns="" id="{0A1A4886-C389-93DD-0992-F72DDF7DCE0A}"/>
+                <a16:creationId xmlns="" xmlns:a16="http://schemas.microsoft.com/office/drawing/2014/main" id="{0A1A4886-C389-93DD-0992-F72DDF7DCE0A}"/>
               </a:ext>
             </a:extLst>
           </p:cNvPr>
@@ -31437,7 +29486,7 @@
           <p:cNvPr id="14" name="Bocadillo: rectángulo 13">
             <a:extLst>
               <a:ext uri="{FF2B5EF4-FFF2-40B4-BE49-F238E27FC236}">
-                <a16:creationId xmlns:a16="http://schemas.microsoft.com/office/drawing/2014/main" xmlns="" id="{A34E4F0A-6B3D-403E-BD04-CC61939475B2}"/>
+                <a16:creationId xmlns="" xmlns:a16="http://schemas.microsoft.com/office/drawing/2014/main" id="{A34E4F0A-6B3D-403E-BD04-CC61939475B2}"/>
               </a:ext>
             </a:extLst>
           </p:cNvPr>
@@ -31555,7 +29604,7 @@
           <p:cNvPr id="15" name="Bocadillo: rectángulo 14">
             <a:extLst>
               <a:ext uri="{FF2B5EF4-FFF2-40B4-BE49-F238E27FC236}">
-                <a16:creationId xmlns:a16="http://schemas.microsoft.com/office/drawing/2014/main" xmlns="" id="{9A568488-2B10-4DD8-8ED5-9B72250AACC6}"/>
+                <a16:creationId xmlns="" xmlns:a16="http://schemas.microsoft.com/office/drawing/2014/main" id="{9A568488-2B10-4DD8-8ED5-9B72250AACC6}"/>
               </a:ext>
             </a:extLst>
           </p:cNvPr>
@@ -31673,7 +29722,7 @@
           <p:cNvPr id="18" name="Bocadillo: rectángulo 17">
             <a:extLst>
               <a:ext uri="{FF2B5EF4-FFF2-40B4-BE49-F238E27FC236}">
-                <a16:creationId xmlns:a16="http://schemas.microsoft.com/office/drawing/2014/main" xmlns="" id="{F76D97AF-49B3-4852-A1FD-66EE8E7FE262}"/>
+                <a16:creationId xmlns="" xmlns:a16="http://schemas.microsoft.com/office/drawing/2014/main" id="{F76D97AF-49B3-4852-A1FD-66EE8E7FE262}"/>
               </a:ext>
             </a:extLst>
           </p:cNvPr>
@@ -31817,7 +29866,7 @@
           <p:cNvPr id="19" name="Bocadillo: rectángulo 18">
             <a:extLst>
               <a:ext uri="{FF2B5EF4-FFF2-40B4-BE49-F238E27FC236}">
-                <a16:creationId xmlns:a16="http://schemas.microsoft.com/office/drawing/2014/main" xmlns="" id="{7D4CB8C4-067B-49EF-B92C-63FFD1256B95}"/>
+                <a16:creationId xmlns="" xmlns:a16="http://schemas.microsoft.com/office/drawing/2014/main" id="{7D4CB8C4-067B-49EF-B92C-63FFD1256B95}"/>
               </a:ext>
             </a:extLst>
           </p:cNvPr>
@@ -31935,7 +29984,7 @@
           <p:cNvPr id="21" name="CuadroTexto 20">
             <a:extLst>
               <a:ext uri="{FF2B5EF4-FFF2-40B4-BE49-F238E27FC236}">
-                <a16:creationId xmlns:a16="http://schemas.microsoft.com/office/drawing/2014/main" xmlns="" id="{ED99C69B-E716-4983-9885-7C027692A4C3}"/>
+                <a16:creationId xmlns="" xmlns:a16="http://schemas.microsoft.com/office/drawing/2014/main" id="{ED99C69B-E716-4983-9885-7C027692A4C3}"/>
               </a:ext>
             </a:extLst>
           </p:cNvPr>
@@ -32057,7 +30106,7 @@
           <p:cNvPr id="3" name="CuadroTexto 2">
             <a:extLst>
               <a:ext uri="{FF2B5EF4-FFF2-40B4-BE49-F238E27FC236}">
-                <a16:creationId xmlns:a16="http://schemas.microsoft.com/office/drawing/2014/main" xmlns="" id="{8D2DBF11-4979-9B7B-080E-522D9C7B2B98}"/>
+                <a16:creationId xmlns="" xmlns:a16="http://schemas.microsoft.com/office/drawing/2014/main" id="{8D2DBF11-4979-9B7B-080E-522D9C7B2B98}"/>
               </a:ext>
             </a:extLst>
           </p:cNvPr>
@@ -32136,7 +30185,7 @@
           <p:cNvPr id="8" name="CuadroTexto 7">
             <a:extLst>
               <a:ext uri="{FF2B5EF4-FFF2-40B4-BE49-F238E27FC236}">
-                <a16:creationId xmlns:a16="http://schemas.microsoft.com/office/drawing/2014/main" xmlns="" id="{3E505DF5-E96B-4A26-6A23-579B893EEA3B}"/>
+                <a16:creationId xmlns="" xmlns:a16="http://schemas.microsoft.com/office/drawing/2014/main" id="{3E505DF5-E96B-4A26-6A23-579B893EEA3B}"/>
               </a:ext>
             </a:extLst>
           </p:cNvPr>
@@ -32209,7 +30258,7 @@
           <p:cNvPr id="9" name="CuadroTexto 8">
             <a:extLst>
               <a:ext uri="{FF2B5EF4-FFF2-40B4-BE49-F238E27FC236}">
-                <a16:creationId xmlns:a16="http://schemas.microsoft.com/office/drawing/2014/main" xmlns="" id="{582DE620-813B-9AC8-D0BE-039A69B3134E}"/>
+                <a16:creationId xmlns="" xmlns:a16="http://schemas.microsoft.com/office/drawing/2014/main" id="{582DE620-813B-9AC8-D0BE-039A69B3134E}"/>
               </a:ext>
             </a:extLst>
           </p:cNvPr>
@@ -32292,7 +30341,7 @@
           <p:cNvPr id="10" name="CuadroTexto 9">
             <a:extLst>
               <a:ext uri="{FF2B5EF4-FFF2-40B4-BE49-F238E27FC236}">
-                <a16:creationId xmlns:a16="http://schemas.microsoft.com/office/drawing/2014/main" xmlns="" id="{E2A107CC-8505-68AD-FDAC-08E9193AB4AC}"/>
+                <a16:creationId xmlns="" xmlns:a16="http://schemas.microsoft.com/office/drawing/2014/main" id="{E2A107CC-8505-68AD-FDAC-08E9193AB4AC}"/>
               </a:ext>
             </a:extLst>
           </p:cNvPr>
@@ -32353,7 +30402,7 @@
           <p:cNvPr id="11" name="CuadroTexto 10">
             <a:extLst>
               <a:ext uri="{FF2B5EF4-FFF2-40B4-BE49-F238E27FC236}">
-                <a16:creationId xmlns:a16="http://schemas.microsoft.com/office/drawing/2014/main" xmlns="" id="{17381D66-4FBD-AC80-050B-999F0B2044C6}"/>
+                <a16:creationId xmlns="" xmlns:a16="http://schemas.microsoft.com/office/drawing/2014/main" id="{17381D66-4FBD-AC80-050B-999F0B2044C6}"/>
               </a:ext>
             </a:extLst>
           </p:cNvPr>
@@ -32477,7 +30526,7 @@
           <p:cNvPr id="12" name="CuadroTexto 11">
             <a:extLst>
               <a:ext uri="{FF2B5EF4-FFF2-40B4-BE49-F238E27FC236}">
-                <a16:creationId xmlns:a16="http://schemas.microsoft.com/office/drawing/2014/main" xmlns="" id="{2C42E785-411E-B18D-CCFC-9215E9022224}"/>
+                <a16:creationId xmlns="" xmlns:a16="http://schemas.microsoft.com/office/drawing/2014/main" id="{2C42E785-411E-B18D-CCFC-9215E9022224}"/>
               </a:ext>
             </a:extLst>
           </p:cNvPr>
@@ -32861,7 +30910,7 @@
           <p:cNvPr id="20" name="CuadroTexto 19">
             <a:extLst>
               <a:ext uri="{FF2B5EF4-FFF2-40B4-BE49-F238E27FC236}">
-                <a16:creationId xmlns:a16="http://schemas.microsoft.com/office/drawing/2014/main" xmlns="" id="{0FA7C2B0-8C8C-9EA7-5D17-471C0169500A}"/>
+                <a16:creationId xmlns="" xmlns:a16="http://schemas.microsoft.com/office/drawing/2014/main" id="{0FA7C2B0-8C8C-9EA7-5D17-471C0169500A}"/>
               </a:ext>
             </a:extLst>
           </p:cNvPr>
@@ -33410,7 +31459,7 @@
           <p:cNvPr id="22" name="Conector recto de flecha 21">
             <a:extLst>
               <a:ext uri="{FF2B5EF4-FFF2-40B4-BE49-F238E27FC236}">
-                <a16:creationId xmlns:a16="http://schemas.microsoft.com/office/drawing/2014/main" xmlns="" id="{E637E6EE-4EFD-B319-A319-30147AFE883A}"/>
+                <a16:creationId xmlns="" xmlns:a16="http://schemas.microsoft.com/office/drawing/2014/main" id="{E637E6EE-4EFD-B319-A319-30147AFE883A}"/>
               </a:ext>
             </a:extLst>
           </p:cNvPr>
@@ -33449,7 +31498,7 @@
           <p:cNvPr id="23" name="Conector recto de flecha 22">
             <a:extLst>
               <a:ext uri="{FF2B5EF4-FFF2-40B4-BE49-F238E27FC236}">
-                <a16:creationId xmlns:a16="http://schemas.microsoft.com/office/drawing/2014/main" xmlns="" id="{4AABC394-9A90-CB69-D67E-69B8CD21CE43}"/>
+                <a16:creationId xmlns="" xmlns:a16="http://schemas.microsoft.com/office/drawing/2014/main" id="{4AABC394-9A90-CB69-D67E-69B8CD21CE43}"/>
               </a:ext>
             </a:extLst>
           </p:cNvPr>
@@ -33488,7 +31537,7 @@
           <p:cNvPr id="24" name="Conector recto de flecha 23">
             <a:extLst>
               <a:ext uri="{FF2B5EF4-FFF2-40B4-BE49-F238E27FC236}">
-                <a16:creationId xmlns:a16="http://schemas.microsoft.com/office/drawing/2014/main" xmlns="" id="{BF849D95-F5AF-B47E-6773-4C35C49E08CA}"/>
+                <a16:creationId xmlns="" xmlns:a16="http://schemas.microsoft.com/office/drawing/2014/main" id="{BF849D95-F5AF-B47E-6773-4C35C49E08CA}"/>
               </a:ext>
             </a:extLst>
           </p:cNvPr>
@@ -33529,7 +31578,7 @@
           <p:cNvPr id="25" name="Conector recto de flecha 24">
             <a:extLst>
               <a:ext uri="{FF2B5EF4-FFF2-40B4-BE49-F238E27FC236}">
-                <a16:creationId xmlns:a16="http://schemas.microsoft.com/office/drawing/2014/main" xmlns="" id="{9C6BAB1E-6084-CD28-A9AA-A910E4578B30}"/>
+                <a16:creationId xmlns="" xmlns:a16="http://schemas.microsoft.com/office/drawing/2014/main" id="{9C6BAB1E-6084-CD28-A9AA-A910E4578B30}"/>
               </a:ext>
             </a:extLst>
           </p:cNvPr>
@@ -33568,7 +31617,7 @@
           <p:cNvPr id="26" name="Conector recto de flecha 25">
             <a:extLst>
               <a:ext uri="{FF2B5EF4-FFF2-40B4-BE49-F238E27FC236}">
-                <a16:creationId xmlns:a16="http://schemas.microsoft.com/office/drawing/2014/main" xmlns="" id="{475F0F81-8264-9928-766A-D9254F00DF7E}"/>
+                <a16:creationId xmlns="" xmlns:a16="http://schemas.microsoft.com/office/drawing/2014/main" id="{475F0F81-8264-9928-766A-D9254F00DF7E}"/>
               </a:ext>
             </a:extLst>
           </p:cNvPr>
@@ -33609,7 +31658,7 @@
           <p:cNvPr id="27" name="Conector recto de flecha 26">
             <a:extLst>
               <a:ext uri="{FF2B5EF4-FFF2-40B4-BE49-F238E27FC236}">
-                <a16:creationId xmlns:a16="http://schemas.microsoft.com/office/drawing/2014/main" xmlns="" id="{5329EBF0-70F3-D8F2-6BE2-62AC7198B2DC}"/>
+                <a16:creationId xmlns="" xmlns:a16="http://schemas.microsoft.com/office/drawing/2014/main" id="{5329EBF0-70F3-D8F2-6BE2-62AC7198B2DC}"/>
               </a:ext>
             </a:extLst>
           </p:cNvPr>
@@ -33650,7 +31699,7 @@
           <p:cNvPr id="28" name="CuadroTexto 27">
             <a:extLst>
               <a:ext uri="{FF2B5EF4-FFF2-40B4-BE49-F238E27FC236}">
-                <a16:creationId xmlns:a16="http://schemas.microsoft.com/office/drawing/2014/main" xmlns="" id="{240BF065-250B-5885-DCD1-CA29AA720D08}"/>
+                <a16:creationId xmlns="" xmlns:a16="http://schemas.microsoft.com/office/drawing/2014/main" id="{240BF065-250B-5885-DCD1-CA29AA720D08}"/>
               </a:ext>
             </a:extLst>
           </p:cNvPr>
@@ -33722,7 +31771,7 @@
           <p:cNvPr id="29" name="Imagen 28">
             <a:extLst>
               <a:ext uri="{FF2B5EF4-FFF2-40B4-BE49-F238E27FC236}">
-                <a16:creationId xmlns:a16="http://schemas.microsoft.com/office/drawing/2014/main" xmlns="" id="{070E2856-104D-4C96-B5F1-99E8C5C5ADF7}"/>
+                <a16:creationId xmlns="" xmlns:a16="http://schemas.microsoft.com/office/drawing/2014/main" id="{070E2856-104D-4C96-B5F1-99E8C5C5ADF7}"/>
               </a:ext>
             </a:extLst>
           </p:cNvPr>
